--- a/FlavourBusinessApps/Backup/Kitchen Display Systems.pptx
+++ b/FlavourBusinessApps/Backup/Kitchen Display Systems.pptx
@@ -5,29 +5,28 @@
     <p:sldMasterId id="2147483648" r:id="rId4"/>
   </p:sldMasterIdLst>
   <p:notesMasterIdLst>
-    <p:notesMasterId r:id="rId22"/>
+    <p:notesMasterId r:id="rId21"/>
   </p:notesMasterIdLst>
   <p:handoutMasterIdLst>
-    <p:handoutMasterId r:id="rId23"/>
+    <p:handoutMasterId r:id="rId22"/>
   </p:handoutMasterIdLst>
   <p:sldIdLst>
     <p:sldId id="256" r:id="rId5"/>
     <p:sldId id="272" r:id="rId6"/>
-    <p:sldId id="273" r:id="rId7"/>
-    <p:sldId id="257" r:id="rId8"/>
-    <p:sldId id="258" r:id="rId9"/>
-    <p:sldId id="262" r:id="rId10"/>
-    <p:sldId id="268" r:id="rId11"/>
-    <p:sldId id="269" r:id="rId12"/>
-    <p:sldId id="265" r:id="rId13"/>
-    <p:sldId id="264" r:id="rId14"/>
-    <p:sldId id="263" r:id="rId15"/>
-    <p:sldId id="270" r:id="rId16"/>
-    <p:sldId id="259" r:id="rId17"/>
-    <p:sldId id="260" r:id="rId18"/>
-    <p:sldId id="261" r:id="rId19"/>
-    <p:sldId id="266" r:id="rId20"/>
-    <p:sldId id="271" r:id="rId21"/>
+    <p:sldId id="258" r:id="rId7"/>
+    <p:sldId id="273" r:id="rId8"/>
+    <p:sldId id="262" r:id="rId9"/>
+    <p:sldId id="268" r:id="rId10"/>
+    <p:sldId id="269" r:id="rId11"/>
+    <p:sldId id="265" r:id="rId12"/>
+    <p:sldId id="264" r:id="rId13"/>
+    <p:sldId id="263" r:id="rId14"/>
+    <p:sldId id="270" r:id="rId15"/>
+    <p:sldId id="259" r:id="rId16"/>
+    <p:sldId id="260" r:id="rId17"/>
+    <p:sldId id="261" r:id="rId18"/>
+    <p:sldId id="266" r:id="rId19"/>
+    <p:sldId id="271" r:id="rId20"/>
   </p:sldIdLst>
   <p:sldSz cx="12192000" cy="6858000"/>
   <p:notesSz cx="6858000" cy="9144000"/>
@@ -137,9 +136,8 @@
         <p14:section name="Untitled Section" id="{38F115E3-C41A-4902-A941-931D3D599968}">
           <p14:sldIdLst>
             <p14:sldId id="272"/>
+            <p14:sldId id="258"/>
             <p14:sldId id="273"/>
-            <p14:sldId id="257"/>
-            <p14:sldId id="258"/>
             <p14:sldId id="262"/>
             <p14:sldId id="268"/>
             <p14:sldId id="269"/>
@@ -14189,7 +14187,7 @@
           <p:cNvPr id="2" name="Title 1">
             <a:extLst>
               <a:ext uri="{FF2B5EF4-FFF2-40B4-BE49-F238E27FC236}">
-                <a16:creationId xmlns:a16="http://schemas.microsoft.com/office/drawing/2014/main" id="{4F6A2D15-4D68-4BF7-9421-032AE6C8852C}"/>
+                <a16:creationId xmlns:a16="http://schemas.microsoft.com/office/drawing/2014/main" id="{42DD0E59-4C68-4F87-9821-23C69713D980}"/>
               </a:ext>
             </a:extLst>
           </p:cNvPr>
@@ -14212,17 +14210,17 @@
           <a:p>
             <a:r>
               <a:rPr lang="en-US" dirty="0"/>
-              <a:t>MEET OUR TEAM</a:t>
+              <a:t>MEET OUR TEAM  </a:t>
             </a:r>
           </a:p>
         </p:txBody>
       </p:sp>
       <p:pic>
         <p:nvPicPr>
-          <p:cNvPr id="16" name="Picture Placeholder 15" descr="Headshot for team slides ">
-            <a:extLst>
-              <a:ext uri="{FF2B5EF4-FFF2-40B4-BE49-F238E27FC236}">
-                <a16:creationId xmlns:a16="http://schemas.microsoft.com/office/drawing/2014/main" id="{788ADF35-7762-4E85-BE67-27FDB5522B9D}"/>
+          <p:cNvPr id="357" name="Picture Placeholder 356" descr="Headshot for team slides ">
+            <a:extLst>
+              <a:ext uri="{FF2B5EF4-FFF2-40B4-BE49-F238E27FC236}">
+                <a16:creationId xmlns:a16="http://schemas.microsoft.com/office/drawing/2014/main" id="{1AA9DB68-9DD0-4157-9F94-F215A6B134C1}"/>
               </a:ext>
             </a:extLst>
           </p:cNvPr>
@@ -14234,7 +14232,7 @@
           </p:nvPr>
         </p:nvPicPr>
         <p:blipFill rotWithShape="1">
-          <a:blip r:embed="rId2" cstate="screen">
+          <a:blip r:embed="rId2">
             <a:extLst>
               <a:ext uri="{28A0092B-C50C-407E-A947-70E740481C1C}">
                 <a14:useLocalDpi xmlns:a14="http://schemas.microsoft.com/office/drawing/2010/main" val="0"/>
@@ -14246,8 +14244,8 @@
         </p:blipFill>
         <p:spPr>
           <a:xfrm>
-            <a:off x="1487181" y="2886074"/>
-            <a:ext cx="1845511" cy="1845511"/>
+            <a:off x="1877176" y="2428875"/>
+            <a:ext cx="1066800" cy="1066800"/>
           </a:xfrm>
         </p:spPr>
       </p:pic>
@@ -14256,7 +14254,7 @@
           <p:cNvPr id="3" name="Text Placeholder 2">
             <a:extLst>
               <a:ext uri="{FF2B5EF4-FFF2-40B4-BE49-F238E27FC236}">
-                <a16:creationId xmlns:a16="http://schemas.microsoft.com/office/drawing/2014/main" id="{78BCC184-1096-457B-AB72-BD49E6E54117}"/>
+                <a16:creationId xmlns:a16="http://schemas.microsoft.com/office/drawing/2014/main" id="{25A49E2A-E51F-4DB7-B643-0BACFA4CDF33}"/>
               </a:ext>
             </a:extLst>
           </p:cNvPr>
@@ -14269,8 +14267,8 @@
         </p:nvSpPr>
         <p:spPr>
           <a:xfrm>
-            <a:off x="1228568" y="5084524"/>
-            <a:ext cx="2317707" cy="343061"/>
+            <a:off x="1500168" y="3654378"/>
+            <a:ext cx="1828800" cy="343061"/>
           </a:xfrm>
         </p:spPr>
         <p:txBody>
@@ -14289,7 +14287,7 @@
           <p:cNvPr id="11" name="Text Placeholder 10">
             <a:extLst>
               <a:ext uri="{FF2B5EF4-FFF2-40B4-BE49-F238E27FC236}">
-                <a16:creationId xmlns:a16="http://schemas.microsoft.com/office/drawing/2014/main" id="{DB420882-1CC0-49B4-8DDE-24EC26687506}"/>
+                <a16:creationId xmlns:a16="http://schemas.microsoft.com/office/drawing/2014/main" id="{AA8375DF-11E9-44DF-BAA3-EACBE17AF4A7}"/>
               </a:ext>
             </a:extLst>
           </p:cNvPr>
@@ -14302,8 +14300,8 @@
         </p:nvSpPr>
         <p:spPr>
           <a:xfrm>
-            <a:off x="1487181" y="5464114"/>
-            <a:ext cx="1845511" cy="343061"/>
+            <a:off x="1500168" y="3809747"/>
+            <a:ext cx="1828800" cy="343061"/>
           </a:xfrm>
         </p:spPr>
         <p:txBody>
@@ -14319,10 +14317,10 @@
       </p:sp>
       <p:pic>
         <p:nvPicPr>
-          <p:cNvPr id="18" name="Picture Placeholder 17" descr="Headshot for team slides ">
-            <a:extLst>
-              <a:ext uri="{FF2B5EF4-FFF2-40B4-BE49-F238E27FC236}">
-                <a16:creationId xmlns:a16="http://schemas.microsoft.com/office/drawing/2014/main" id="{F2557ABA-5037-481D-8C54-94B63E80E2EC}"/>
+          <p:cNvPr id="359" name="Picture Placeholder 358" descr="Headshot for team slides ">
+            <a:extLst>
+              <a:ext uri="{FF2B5EF4-FFF2-40B4-BE49-F238E27FC236}">
+                <a16:creationId xmlns:a16="http://schemas.microsoft.com/office/drawing/2014/main" id="{32C08192-2F27-4ED3-9CEE-4C37C7DFE674}"/>
               </a:ext>
             </a:extLst>
           </p:cNvPr>
@@ -14334,7 +14332,7 @@
           </p:nvPr>
         </p:nvPicPr>
         <p:blipFill rotWithShape="1">
-          <a:blip r:embed="rId3" cstate="screen">
+          <a:blip r:embed="rId3">
             <a:extLst>
               <a:ext uri="{28A0092B-C50C-407E-A947-70E740481C1C}">
                 <a14:useLocalDpi xmlns:a14="http://schemas.microsoft.com/office/drawing/2010/main" val="0"/>
@@ -14346,8 +14344,8 @@
         </p:blipFill>
         <p:spPr>
           <a:xfrm>
-            <a:off x="3836914" y="2886074"/>
-            <a:ext cx="1845511" cy="1845511"/>
+            <a:off x="4226270" y="2428875"/>
+            <a:ext cx="1066800" cy="1066800"/>
           </a:xfrm>
         </p:spPr>
       </p:pic>
@@ -14356,7 +14354,7 @@
           <p:cNvPr id="8" name="Text Placeholder 7">
             <a:extLst>
               <a:ext uri="{FF2B5EF4-FFF2-40B4-BE49-F238E27FC236}">
-                <a16:creationId xmlns:a16="http://schemas.microsoft.com/office/drawing/2014/main" id="{8F0714D4-1A7C-4D7F-A5C0-4F766382B6A9}"/>
+                <a16:creationId xmlns:a16="http://schemas.microsoft.com/office/drawing/2014/main" id="{9584E2DE-7061-44CB-A94B-5555484F9744}"/>
               </a:ext>
             </a:extLst>
           </p:cNvPr>
@@ -14369,8 +14367,8 @@
         </p:nvSpPr>
         <p:spPr>
           <a:xfrm>
-            <a:off x="3578300" y="5084524"/>
-            <a:ext cx="2330816" cy="343061"/>
+            <a:off x="3849262" y="3654378"/>
+            <a:ext cx="1828800" cy="343061"/>
           </a:xfrm>
         </p:spPr>
         <p:txBody>
@@ -14389,7 +14387,7 @@
           <p:cNvPr id="12" name="Text Placeholder 11">
             <a:extLst>
               <a:ext uri="{FF2B5EF4-FFF2-40B4-BE49-F238E27FC236}">
-                <a16:creationId xmlns:a16="http://schemas.microsoft.com/office/drawing/2014/main" id="{E017101B-2009-4267-8513-19000E37B1F0}"/>
+                <a16:creationId xmlns:a16="http://schemas.microsoft.com/office/drawing/2014/main" id="{57F11552-18E0-4565-AE6F-DE5290DF1269}"/>
               </a:ext>
             </a:extLst>
           </p:cNvPr>
@@ -14402,8 +14400,8 @@
         </p:nvSpPr>
         <p:spPr>
           <a:xfrm>
-            <a:off x="3836913" y="5478796"/>
-            <a:ext cx="1855949" cy="343061"/>
+            <a:off x="3849262" y="3809747"/>
+            <a:ext cx="1828800" cy="343061"/>
           </a:xfrm>
         </p:spPr>
         <p:txBody>
@@ -14419,10 +14417,10 @@
       </p:sp>
       <p:pic>
         <p:nvPicPr>
-          <p:cNvPr id="20" name="Picture Placeholder 19" descr="Headshot for team slides ">
-            <a:extLst>
-              <a:ext uri="{FF2B5EF4-FFF2-40B4-BE49-F238E27FC236}">
-                <a16:creationId xmlns:a16="http://schemas.microsoft.com/office/drawing/2014/main" id="{618E88B2-D607-4D3C-9519-A591A729DCC9}"/>
+          <p:cNvPr id="361" name="Picture Placeholder 360" descr="Headshot for team slides ">
+            <a:extLst>
+              <a:ext uri="{FF2B5EF4-FFF2-40B4-BE49-F238E27FC236}">
+                <a16:creationId xmlns:a16="http://schemas.microsoft.com/office/drawing/2014/main" id="{CA581025-9A6A-4294-8F86-E611BCEFAB15}"/>
               </a:ext>
             </a:extLst>
           </p:cNvPr>
@@ -14430,11 +14428,11 @@
             <a:picLocks noGrp="1" noChangeAspect="1"/>
           </p:cNvPicPr>
           <p:nvPr>
-            <p:ph type="pic" sz="quarter" idx="16"/>
+            <p:ph type="pic" sz="quarter" idx="37"/>
           </p:nvPr>
         </p:nvPicPr>
         <p:blipFill rotWithShape="1">
-          <a:blip r:embed="rId4" cstate="screen">
+          <a:blip r:embed="rId4">
             <a:extLst>
               <a:ext uri="{28A0092B-C50C-407E-A947-70E740481C1C}">
                 <a14:useLocalDpi xmlns:a14="http://schemas.microsoft.com/office/drawing/2010/main" val="0"/>
@@ -14446,8 +14444,8 @@
         </p:blipFill>
         <p:spPr>
           <a:xfrm>
-            <a:off x="6327578" y="2886074"/>
-            <a:ext cx="1845511" cy="1845511"/>
+            <a:off x="6655584" y="2428875"/>
+            <a:ext cx="1066800" cy="1066800"/>
           </a:xfrm>
         </p:spPr>
       </p:pic>
@@ -14456,7 +14454,7 @@
           <p:cNvPr id="9" name="Text Placeholder 8">
             <a:extLst>
               <a:ext uri="{FF2B5EF4-FFF2-40B4-BE49-F238E27FC236}">
-                <a16:creationId xmlns:a16="http://schemas.microsoft.com/office/drawing/2014/main" id="{36AEE506-9967-4592-BC98-D3FD3028A8E5}"/>
+                <a16:creationId xmlns:a16="http://schemas.microsoft.com/office/drawing/2014/main" id="{87AF403D-91FB-404C-9346-862EFEC3564F}"/>
               </a:ext>
             </a:extLst>
           </p:cNvPr>
@@ -14469,8 +14467,8 @@
         </p:nvSpPr>
         <p:spPr>
           <a:xfrm>
-            <a:off x="6068964" y="5084524"/>
-            <a:ext cx="2317707" cy="343061"/>
+            <a:off x="6198355" y="3654378"/>
+            <a:ext cx="2105135" cy="343061"/>
           </a:xfrm>
         </p:spPr>
         <p:txBody>
@@ -14479,7 +14477,7 @@
           <a:p>
             <a:r>
               <a:rPr lang="en-US" dirty="0"/>
-              <a:t>FLORA BERGGREN</a:t>
+              <a:t>RAJESH SANTOSHI</a:t>
             </a:r>
           </a:p>
         </p:txBody>
@@ -14489,7 +14487,7 @@
           <p:cNvPr id="13" name="Text Placeholder 12">
             <a:extLst>
               <a:ext uri="{FF2B5EF4-FFF2-40B4-BE49-F238E27FC236}">
-                <a16:creationId xmlns:a16="http://schemas.microsoft.com/office/drawing/2014/main" id="{D40B843D-6615-46EB-A813-BEBD624EC685}"/>
+                <a16:creationId xmlns:a16="http://schemas.microsoft.com/office/drawing/2014/main" id="{92682AD9-94FA-4E64-864B-DC8F7A320D5C}"/>
               </a:ext>
             </a:extLst>
           </p:cNvPr>
@@ -14502,8 +14500,8 @@
         </p:nvSpPr>
         <p:spPr>
           <a:xfrm>
-            <a:off x="6327577" y="5478796"/>
-            <a:ext cx="1845511" cy="343061"/>
+            <a:off x="6095999" y="3809747"/>
+            <a:ext cx="2299855" cy="343061"/>
           </a:xfrm>
         </p:spPr>
         <p:txBody>
@@ -14519,10 +14517,10 @@
       </p:sp>
       <p:pic>
         <p:nvPicPr>
-          <p:cNvPr id="22" name="Picture Placeholder 21" descr="Headshot for team slides ">
-            <a:extLst>
-              <a:ext uri="{FF2B5EF4-FFF2-40B4-BE49-F238E27FC236}">
-                <a16:creationId xmlns:a16="http://schemas.microsoft.com/office/drawing/2014/main" id="{82AF3253-9767-4EC7-B0DB-3A850BEFB035}"/>
+          <p:cNvPr id="363" name="Picture Placeholder 362" descr="Headshot for team slides ">
+            <a:extLst>
+              <a:ext uri="{FF2B5EF4-FFF2-40B4-BE49-F238E27FC236}">
+                <a16:creationId xmlns:a16="http://schemas.microsoft.com/office/drawing/2014/main" id="{0AB7C4F4-0E33-47EC-A40D-D03ECD81A39B}"/>
               </a:ext>
             </a:extLst>
           </p:cNvPr>
@@ -14534,7 +14532,7 @@
           </p:nvPr>
         </p:nvPicPr>
         <p:blipFill rotWithShape="1">
-          <a:blip r:embed="rId5" cstate="screen">
+          <a:blip r:embed="rId5">
             <a:extLst>
               <a:ext uri="{28A0092B-C50C-407E-A947-70E740481C1C}">
                 <a14:useLocalDpi xmlns:a14="http://schemas.microsoft.com/office/drawing/2010/main" val="0"/>
@@ -14546,8 +14544,8 @@
         </p:blipFill>
         <p:spPr>
           <a:xfrm>
-            <a:off x="8747458" y="2886074"/>
-            <a:ext cx="1845511" cy="1845511"/>
+            <a:off x="9136814" y="2428875"/>
+            <a:ext cx="1066800" cy="1066800"/>
           </a:xfrm>
         </p:spPr>
       </p:pic>
@@ -14556,7 +14554,7 @@
           <p:cNvPr id="10" name="Text Placeholder 9">
             <a:extLst>
               <a:ext uri="{FF2B5EF4-FFF2-40B4-BE49-F238E27FC236}">
-                <a16:creationId xmlns:a16="http://schemas.microsoft.com/office/drawing/2014/main" id="{F5F1AEEC-D56B-4D10-B1F5-63AA91152B53}"/>
+                <a16:creationId xmlns:a16="http://schemas.microsoft.com/office/drawing/2014/main" id="{0EE34DCC-0789-4B21-A328-FF554B1B07BE}"/>
               </a:ext>
             </a:extLst>
           </p:cNvPr>
@@ -14569,8 +14567,8 @@
         </p:nvSpPr>
         <p:spPr>
           <a:xfrm>
-            <a:off x="8488845" y="5084524"/>
-            <a:ext cx="2317706" cy="343061"/>
+            <a:off x="8759806" y="3654378"/>
+            <a:ext cx="1828800" cy="343061"/>
           </a:xfrm>
         </p:spPr>
         <p:txBody>
@@ -14589,7 +14587,7 @@
           <p:cNvPr id="14" name="Text Placeholder 13">
             <a:extLst>
               <a:ext uri="{FF2B5EF4-FFF2-40B4-BE49-F238E27FC236}">
-                <a16:creationId xmlns:a16="http://schemas.microsoft.com/office/drawing/2014/main" id="{3099A0B0-BDD0-48DA-AA3E-13153E65129F}"/>
+                <a16:creationId xmlns:a16="http://schemas.microsoft.com/office/drawing/2014/main" id="{AE93F4CF-DD26-41DA-BA4C-2DCAC0B2F5EB}"/>
               </a:ext>
             </a:extLst>
           </p:cNvPr>
@@ -14602,8 +14600,8 @@
         </p:nvSpPr>
         <p:spPr>
           <a:xfrm>
-            <a:off x="8747458" y="5464114"/>
-            <a:ext cx="1845510" cy="343061"/>
+            <a:off x="8744480" y="3809747"/>
+            <a:ext cx="1844126" cy="343061"/>
           </a:xfrm>
         </p:spPr>
         <p:txBody>
@@ -14617,12 +14615,412 @@
           </a:p>
         </p:txBody>
       </p:sp>
-      <p:sp>
-        <p:nvSpPr>
-          <p:cNvPr id="23" name="Date Placeholder 22">
-            <a:extLst>
-              <a:ext uri="{FF2B5EF4-FFF2-40B4-BE49-F238E27FC236}">
-                <a16:creationId xmlns:a16="http://schemas.microsoft.com/office/drawing/2014/main" id="{637DEDF5-3FCD-4BC2-86A5-7BE2BF01EA38}"/>
+      <p:pic>
+        <p:nvPicPr>
+          <p:cNvPr id="365" name="Picture Placeholder 364" descr="Headshot for team slides ">
+            <a:extLst>
+              <a:ext uri="{FF2B5EF4-FFF2-40B4-BE49-F238E27FC236}">
+                <a16:creationId xmlns:a16="http://schemas.microsoft.com/office/drawing/2014/main" id="{13CD5AED-E130-432E-8952-7CB3F68F3312}"/>
+              </a:ext>
+            </a:extLst>
+          </p:cNvPr>
+          <p:cNvPicPr>
+            <a:picLocks noGrp="1" noChangeAspect="1"/>
+          </p:cNvPicPr>
+          <p:nvPr>
+            <p:ph type="pic" sz="quarter" idx="26"/>
+          </p:nvPr>
+        </p:nvPicPr>
+        <p:blipFill rotWithShape="1">
+          <a:blip r:embed="rId6">
+            <a:extLst>
+              <a:ext uri="{28A0092B-C50C-407E-A947-70E740481C1C}">
+                <a14:useLocalDpi xmlns:a14="http://schemas.microsoft.com/office/drawing/2010/main" val="0"/>
+              </a:ext>
+            </a:extLst>
+          </a:blip>
+          <a:srcRect/>
+          <a:stretch/>
+        </p:blipFill>
+        <p:spPr>
+          <a:xfrm>
+            <a:off x="1877176" y="4287711"/>
+            <a:ext cx="1066800" cy="1066800"/>
+          </a:xfrm>
+        </p:spPr>
+      </p:pic>
+      <p:sp>
+        <p:nvSpPr>
+          <p:cNvPr id="36" name="Text Placeholder 35">
+            <a:extLst>
+              <a:ext uri="{FF2B5EF4-FFF2-40B4-BE49-F238E27FC236}">
+                <a16:creationId xmlns:a16="http://schemas.microsoft.com/office/drawing/2014/main" id="{9935192B-6592-4598-9D51-CFDF6F0A854F}"/>
+              </a:ext>
+            </a:extLst>
+          </p:cNvPr>
+          <p:cNvSpPr>
+            <a:spLocks noGrp="1"/>
+          </p:cNvSpPr>
+          <p:nvPr>
+            <p:ph type="body" idx="25"/>
+          </p:nvPr>
+        </p:nvSpPr>
+        <p:spPr>
+          <a:xfrm>
+            <a:off x="1500168" y="5513214"/>
+            <a:ext cx="1828800" cy="343061"/>
+          </a:xfrm>
+        </p:spPr>
+        <p:txBody>
+          <a:bodyPr/>
+          <a:lstStyle/>
+          <a:p>
+            <a:r>
+              <a:rPr lang="en-US" dirty="0"/>
+              <a:t>GRAHAM BARNES</a:t>
+            </a:r>
+          </a:p>
+        </p:txBody>
+      </p:sp>
+      <p:sp>
+        <p:nvSpPr>
+          <p:cNvPr id="44" name="Text Placeholder 43">
+            <a:extLst>
+              <a:ext uri="{FF2B5EF4-FFF2-40B4-BE49-F238E27FC236}">
+                <a16:creationId xmlns:a16="http://schemas.microsoft.com/office/drawing/2014/main" id="{F759A1DD-45A5-4764-8966-C107C4C4832C}"/>
+              </a:ext>
+            </a:extLst>
+          </p:cNvPr>
+          <p:cNvSpPr>
+            <a:spLocks noGrp="1"/>
+          </p:cNvSpPr>
+          <p:nvPr>
+            <p:ph type="body" idx="33"/>
+          </p:nvPr>
+        </p:nvSpPr>
+        <p:spPr>
+          <a:xfrm>
+            <a:off x="1500168" y="5668583"/>
+            <a:ext cx="1828800" cy="343061"/>
+          </a:xfrm>
+        </p:spPr>
+        <p:txBody>
+          <a:bodyPr/>
+          <a:lstStyle/>
+          <a:p>
+            <a:r>
+              <a:rPr lang="en-US" dirty="0"/>
+              <a:t>VP Product</a:t>
+            </a:r>
+          </a:p>
+        </p:txBody>
+      </p:sp>
+      <p:pic>
+        <p:nvPicPr>
+          <p:cNvPr id="367" name="Picture Placeholder 366" descr="Headshot for team slides ">
+            <a:extLst>
+              <a:ext uri="{FF2B5EF4-FFF2-40B4-BE49-F238E27FC236}">
+                <a16:creationId xmlns:a16="http://schemas.microsoft.com/office/drawing/2014/main" id="{73D462EE-3D1E-4964-B729-2B963BD87288}"/>
+              </a:ext>
+            </a:extLst>
+          </p:cNvPr>
+          <p:cNvPicPr>
+            <a:picLocks noGrp="1" noChangeAspect="1"/>
+          </p:cNvPicPr>
+          <p:nvPr>
+            <p:ph type="pic" sz="quarter" idx="27"/>
+          </p:nvPr>
+        </p:nvPicPr>
+        <p:blipFill rotWithShape="1">
+          <a:blip r:embed="rId7">
+            <a:extLst>
+              <a:ext uri="{28A0092B-C50C-407E-A947-70E740481C1C}">
+                <a14:useLocalDpi xmlns:a14="http://schemas.microsoft.com/office/drawing/2010/main" val="0"/>
+              </a:ext>
+            </a:extLst>
+          </a:blip>
+          <a:srcRect/>
+          <a:stretch/>
+        </p:blipFill>
+        <p:spPr>
+          <a:xfrm>
+            <a:off x="4226270" y="4287711"/>
+            <a:ext cx="1066800" cy="1066800"/>
+          </a:xfrm>
+        </p:spPr>
+      </p:pic>
+      <p:sp>
+        <p:nvSpPr>
+          <p:cNvPr id="41" name="Text Placeholder 40">
+            <a:extLst>
+              <a:ext uri="{FF2B5EF4-FFF2-40B4-BE49-F238E27FC236}">
+                <a16:creationId xmlns:a16="http://schemas.microsoft.com/office/drawing/2014/main" id="{6B09ED3A-8EC7-42CA-B68B-1377E5460E75}"/>
+              </a:ext>
+            </a:extLst>
+          </p:cNvPr>
+          <p:cNvSpPr>
+            <a:spLocks noGrp="1"/>
+          </p:cNvSpPr>
+          <p:nvPr>
+            <p:ph type="body" idx="30"/>
+          </p:nvPr>
+        </p:nvSpPr>
+        <p:spPr>
+          <a:xfrm>
+            <a:off x="3849262" y="5513214"/>
+            <a:ext cx="1828800" cy="343061"/>
+          </a:xfrm>
+        </p:spPr>
+        <p:txBody>
+          <a:bodyPr/>
+          <a:lstStyle/>
+          <a:p>
+            <a:r>
+              <a:rPr lang="en-US" dirty="0"/>
+              <a:t>ROWAN MURPHY</a:t>
+            </a:r>
+          </a:p>
+        </p:txBody>
+      </p:sp>
+      <p:sp>
+        <p:nvSpPr>
+          <p:cNvPr id="45" name="Text Placeholder 44">
+            <a:extLst>
+              <a:ext uri="{FF2B5EF4-FFF2-40B4-BE49-F238E27FC236}">
+                <a16:creationId xmlns:a16="http://schemas.microsoft.com/office/drawing/2014/main" id="{021B5FEC-BECF-4604-A9AB-1C9E810794F6}"/>
+              </a:ext>
+            </a:extLst>
+          </p:cNvPr>
+          <p:cNvSpPr>
+            <a:spLocks noGrp="1"/>
+          </p:cNvSpPr>
+          <p:nvPr>
+            <p:ph type="body" idx="34"/>
+          </p:nvPr>
+        </p:nvSpPr>
+        <p:spPr>
+          <a:xfrm>
+            <a:off x="3849262" y="5668583"/>
+            <a:ext cx="1828800" cy="343061"/>
+          </a:xfrm>
+        </p:spPr>
+        <p:txBody>
+          <a:bodyPr/>
+          <a:lstStyle/>
+          <a:p>
+            <a:r>
+              <a:rPr lang="en-US" dirty="0"/>
+              <a:t>SEO Strategist</a:t>
+            </a:r>
+          </a:p>
+        </p:txBody>
+      </p:sp>
+      <p:pic>
+        <p:nvPicPr>
+          <p:cNvPr id="369" name="Picture Placeholder 368" descr="Headshot for team slides ">
+            <a:extLst>
+              <a:ext uri="{FF2B5EF4-FFF2-40B4-BE49-F238E27FC236}">
+                <a16:creationId xmlns:a16="http://schemas.microsoft.com/office/drawing/2014/main" id="{3DD82FDB-1001-45E1-AA54-7904FCC108DE}"/>
+              </a:ext>
+            </a:extLst>
+          </p:cNvPr>
+          <p:cNvPicPr>
+            <a:picLocks noGrp="1" noChangeAspect="1"/>
+          </p:cNvPicPr>
+          <p:nvPr>
+            <p:ph type="pic" sz="quarter" idx="38"/>
+          </p:nvPr>
+        </p:nvPicPr>
+        <p:blipFill rotWithShape="1">
+          <a:blip r:embed="rId8">
+            <a:extLst>
+              <a:ext uri="{28A0092B-C50C-407E-A947-70E740481C1C}">
+                <a14:useLocalDpi xmlns:a14="http://schemas.microsoft.com/office/drawing/2010/main" val="0"/>
+              </a:ext>
+            </a:extLst>
+          </a:blip>
+          <a:srcRect/>
+          <a:stretch/>
+        </p:blipFill>
+        <p:spPr>
+          <a:xfrm>
+            <a:off x="6655584" y="4287711"/>
+            <a:ext cx="1066800" cy="1066800"/>
+          </a:xfrm>
+        </p:spPr>
+      </p:pic>
+      <p:sp>
+        <p:nvSpPr>
+          <p:cNvPr id="42" name="Text Placeholder 41">
+            <a:extLst>
+              <a:ext uri="{FF2B5EF4-FFF2-40B4-BE49-F238E27FC236}">
+                <a16:creationId xmlns:a16="http://schemas.microsoft.com/office/drawing/2014/main" id="{3E07A9F3-763B-41EA-AC65-8EDB2CA31B8A}"/>
+              </a:ext>
+            </a:extLst>
+          </p:cNvPr>
+          <p:cNvSpPr>
+            <a:spLocks noGrp="1"/>
+          </p:cNvSpPr>
+          <p:nvPr>
+            <p:ph type="body" idx="31"/>
+          </p:nvPr>
+        </p:nvSpPr>
+        <p:spPr>
+          <a:xfrm>
+            <a:off x="6339926" y="5513214"/>
+            <a:ext cx="1828800" cy="343061"/>
+          </a:xfrm>
+        </p:spPr>
+        <p:txBody>
+          <a:bodyPr/>
+          <a:lstStyle/>
+          <a:p>
+            <a:r>
+              <a:rPr lang="en-US" dirty="0"/>
+              <a:t>ELIZABETH MOORE</a:t>
+            </a:r>
+          </a:p>
+        </p:txBody>
+      </p:sp>
+      <p:sp>
+        <p:nvSpPr>
+          <p:cNvPr id="46" name="Text Placeholder 45">
+            <a:extLst>
+              <a:ext uri="{FF2B5EF4-FFF2-40B4-BE49-F238E27FC236}">
+                <a16:creationId xmlns:a16="http://schemas.microsoft.com/office/drawing/2014/main" id="{53A42804-1F4C-424E-9CB4-D1CD97B11CDE}"/>
+              </a:ext>
+            </a:extLst>
+          </p:cNvPr>
+          <p:cNvSpPr>
+            <a:spLocks noGrp="1"/>
+          </p:cNvSpPr>
+          <p:nvPr>
+            <p:ph type="body" idx="35"/>
+          </p:nvPr>
+        </p:nvSpPr>
+        <p:spPr>
+          <a:xfrm>
+            <a:off x="6339926" y="5668583"/>
+            <a:ext cx="1813474" cy="343061"/>
+          </a:xfrm>
+        </p:spPr>
+        <p:txBody>
+          <a:bodyPr/>
+          <a:lstStyle/>
+          <a:p>
+            <a:r>
+              <a:rPr lang="en-US" dirty="0"/>
+              <a:t>Product Designer</a:t>
+            </a:r>
+          </a:p>
+        </p:txBody>
+      </p:sp>
+      <p:pic>
+        <p:nvPicPr>
+          <p:cNvPr id="371" name="Picture Placeholder 370" descr="Headshot for team slides ">
+            <a:extLst>
+              <a:ext uri="{FF2B5EF4-FFF2-40B4-BE49-F238E27FC236}">
+                <a16:creationId xmlns:a16="http://schemas.microsoft.com/office/drawing/2014/main" id="{5DC64598-F871-46A7-9338-8EB7BF26BEB6}"/>
+              </a:ext>
+            </a:extLst>
+          </p:cNvPr>
+          <p:cNvPicPr>
+            <a:picLocks noGrp="1" noChangeAspect="1"/>
+          </p:cNvPicPr>
+          <p:nvPr>
+            <p:ph type="pic" sz="quarter" idx="29"/>
+          </p:nvPr>
+        </p:nvPicPr>
+        <p:blipFill rotWithShape="1">
+          <a:blip r:embed="rId9">
+            <a:extLst>
+              <a:ext uri="{28A0092B-C50C-407E-A947-70E740481C1C}">
+                <a14:useLocalDpi xmlns:a14="http://schemas.microsoft.com/office/drawing/2010/main" val="0"/>
+              </a:ext>
+            </a:extLst>
+          </a:blip>
+          <a:srcRect/>
+          <a:stretch/>
+        </p:blipFill>
+        <p:spPr>
+          <a:xfrm>
+            <a:off x="9136814" y="4287711"/>
+            <a:ext cx="1066800" cy="1066800"/>
+          </a:xfrm>
+        </p:spPr>
+      </p:pic>
+      <p:sp>
+        <p:nvSpPr>
+          <p:cNvPr id="43" name="Text Placeholder 42">
+            <a:extLst>
+              <a:ext uri="{FF2B5EF4-FFF2-40B4-BE49-F238E27FC236}">
+                <a16:creationId xmlns:a16="http://schemas.microsoft.com/office/drawing/2014/main" id="{7E484450-BE48-4C65-AEE1-5650AAC06067}"/>
+              </a:ext>
+            </a:extLst>
+          </p:cNvPr>
+          <p:cNvSpPr>
+            <a:spLocks noGrp="1"/>
+          </p:cNvSpPr>
+          <p:nvPr>
+            <p:ph type="body" idx="32"/>
+          </p:nvPr>
+        </p:nvSpPr>
+        <p:spPr>
+          <a:xfrm>
+            <a:off x="8759806" y="5513214"/>
+            <a:ext cx="1828800" cy="343061"/>
+          </a:xfrm>
+        </p:spPr>
+        <p:txBody>
+          <a:bodyPr/>
+          <a:lstStyle/>
+          <a:p>
+            <a:r>
+              <a:rPr lang="en-US" dirty="0"/>
+              <a:t>ROBIN KLINE</a:t>
+            </a:r>
+          </a:p>
+        </p:txBody>
+      </p:sp>
+      <p:sp>
+        <p:nvSpPr>
+          <p:cNvPr id="47" name="Text Placeholder 46">
+            <a:extLst>
+              <a:ext uri="{FF2B5EF4-FFF2-40B4-BE49-F238E27FC236}">
+                <a16:creationId xmlns:a16="http://schemas.microsoft.com/office/drawing/2014/main" id="{8D8B5AD3-AE51-4D7A-AE7B-E9C350D0879B}"/>
+              </a:ext>
+            </a:extLst>
+          </p:cNvPr>
+          <p:cNvSpPr>
+            <a:spLocks noGrp="1"/>
+          </p:cNvSpPr>
+          <p:nvPr>
+            <p:ph type="body" idx="36"/>
+          </p:nvPr>
+        </p:nvSpPr>
+        <p:spPr>
+          <a:xfrm>
+            <a:off x="8744480" y="5668583"/>
+            <a:ext cx="1844126" cy="343061"/>
+          </a:xfrm>
+        </p:spPr>
+        <p:txBody>
+          <a:bodyPr/>
+          <a:lstStyle/>
+          <a:p>
+            <a:r>
+              <a:rPr lang="en-US" dirty="0"/>
+              <a:t>Content Developer</a:t>
+            </a:r>
+          </a:p>
+        </p:txBody>
+      </p:sp>
+      <p:sp>
+        <p:nvSpPr>
+          <p:cNvPr id="56" name="Date Placeholder 55">
+            <a:extLst>
+              <a:ext uri="{FF2B5EF4-FFF2-40B4-BE49-F238E27FC236}">
+                <a16:creationId xmlns:a16="http://schemas.microsoft.com/office/drawing/2014/main" id="{B289356A-BDA0-4234-84F2-9F2F25D0D7BD}"/>
               </a:ext>
             </a:extLst>
           </p:cNvPr>
@@ -14652,10 +15050,10 @@
       </p:sp>
       <p:sp>
         <p:nvSpPr>
-          <p:cNvPr id="24" name="Footer Placeholder 23">
-            <a:extLst>
-              <a:ext uri="{FF2B5EF4-FFF2-40B4-BE49-F238E27FC236}">
-                <a16:creationId xmlns:a16="http://schemas.microsoft.com/office/drawing/2014/main" id="{918C3C97-444D-4600-8553-B9C4C1F8483B}"/>
+          <p:cNvPr id="57" name="Footer Placeholder 56">
+            <a:extLst>
+              <a:ext uri="{FF2B5EF4-FFF2-40B4-BE49-F238E27FC236}">
+                <a16:creationId xmlns:a16="http://schemas.microsoft.com/office/drawing/2014/main" id="{3A38BE84-957B-46B9-A315-4B5064DFF1A1}"/>
               </a:ext>
             </a:extLst>
           </p:cNvPr>
@@ -14685,10 +15083,10 @@
       </p:sp>
       <p:sp>
         <p:nvSpPr>
-          <p:cNvPr id="25" name="Slide Number Placeholder 24">
-            <a:extLst>
-              <a:ext uri="{FF2B5EF4-FFF2-40B4-BE49-F238E27FC236}">
-                <a16:creationId xmlns:a16="http://schemas.microsoft.com/office/drawing/2014/main" id="{148E9129-4CC6-47BA-ACD8-2C632A8660EC}"/>
+          <p:cNvPr id="58" name="Slide Number Placeholder 57">
+            <a:extLst>
+              <a:ext uri="{FF2B5EF4-FFF2-40B4-BE49-F238E27FC236}">
+                <a16:creationId xmlns:a16="http://schemas.microsoft.com/office/drawing/2014/main" id="{E1900601-8B04-4FF3-B06F-6BEFAC6556D3}"/>
               </a:ext>
             </a:extLst>
           </p:cNvPr>
@@ -14721,7 +15119,7 @@
     </p:spTree>
     <p:extLst>
       <p:ext uri="{BB962C8B-B14F-4D97-AF65-F5344CB8AC3E}">
-        <p14:creationId xmlns:p14="http://schemas.microsoft.com/office/powerpoint/2010/main" val="2619301236"/>
+        <p14:creationId xmlns:p14="http://schemas.microsoft.com/office/powerpoint/2010/main" val="4055079983"/>
       </p:ext>
     </p:extLst>
   </p:cSld>
@@ -14750,10 +15148,10 @@
       </p:grpSpPr>
       <p:sp>
         <p:nvSpPr>
-          <p:cNvPr id="2" name="Title 1">
-            <a:extLst>
-              <a:ext uri="{FF2B5EF4-FFF2-40B4-BE49-F238E27FC236}">
-                <a16:creationId xmlns:a16="http://schemas.microsoft.com/office/drawing/2014/main" id="{42DD0E59-4C68-4F87-9821-23C69713D980}"/>
+          <p:cNvPr id="3" name="Title 2">
+            <a:extLst>
+              <a:ext uri="{FF2B5EF4-FFF2-40B4-BE49-F238E27FC236}">
+                <a16:creationId xmlns:a16="http://schemas.microsoft.com/office/drawing/2014/main" id="{77762301-F83A-4BEA-9D11-E6C99FB574A8}"/>
               </a:ext>
             </a:extLst>
           </p:cNvPr>
@@ -14766,8 +15164,8 @@
         </p:nvSpPr>
         <p:spPr>
           <a:xfrm>
-            <a:off x="1885156" y="892177"/>
-            <a:ext cx="8421688" cy="1325563"/>
+            <a:off x="838200" y="365125"/>
+            <a:ext cx="10515600" cy="1325563"/>
           </a:xfrm>
         </p:spPr>
         <p:txBody>
@@ -14776,65 +15174,62 @@
           <a:p>
             <a:r>
               <a:rPr lang="en-US" dirty="0"/>
-              <a:t>MEET OUR TEAM  </a:t>
-            </a:r>
-          </a:p>
-        </p:txBody>
-      </p:sp>
-      <p:pic>
-        <p:nvPicPr>
-          <p:cNvPr id="357" name="Picture Placeholder 356" descr="Headshot for team slides ">
-            <a:extLst>
-              <a:ext uri="{FF2B5EF4-FFF2-40B4-BE49-F238E27FC236}">
-                <a16:creationId xmlns:a16="http://schemas.microsoft.com/office/drawing/2014/main" id="{1AA9DB68-9DD0-4157-9F94-F215A6B134C1}"/>
-              </a:ext>
-            </a:extLst>
-          </p:cNvPr>
-          <p:cNvPicPr>
-            <a:picLocks noGrp="1" noChangeAspect="1"/>
-          </p:cNvPicPr>
-          <p:nvPr>
-            <p:ph type="pic" sz="quarter" idx="14"/>
-          </p:nvPr>
-        </p:nvPicPr>
-        <p:blipFill rotWithShape="1">
-          <a:blip r:embed="rId2">
-            <a:extLst>
-              <a:ext uri="{28A0092B-C50C-407E-A947-70E740481C1C}">
-                <a14:useLocalDpi xmlns:a14="http://schemas.microsoft.com/office/drawing/2010/main" val="0"/>
-              </a:ext>
-            </a:extLst>
-          </a:blip>
-          <a:srcRect/>
-          <a:stretch/>
-        </p:blipFill>
-        <p:spPr>
-          <a:xfrm>
-            <a:off x="1877176" y="2428875"/>
-            <a:ext cx="1066800" cy="1066800"/>
-          </a:xfrm>
-        </p:spPr>
-      </p:pic>
-      <p:sp>
-        <p:nvSpPr>
-          <p:cNvPr id="3" name="Text Placeholder 2">
-            <a:extLst>
-              <a:ext uri="{FF2B5EF4-FFF2-40B4-BE49-F238E27FC236}">
-                <a16:creationId xmlns:a16="http://schemas.microsoft.com/office/drawing/2014/main" id="{25A49E2A-E51F-4DB7-B643-0BACFA4CDF33}"/>
-              </a:ext>
-            </a:extLst>
-          </p:cNvPr>
-          <p:cNvSpPr>
-            <a:spLocks noGrp="1"/>
-          </p:cNvSpPr>
-          <p:nvPr>
-            <p:ph type="body" idx="1"/>
-          </p:nvPr>
-        </p:nvSpPr>
-        <p:spPr>
-          <a:xfrm>
-            <a:off x="1500168" y="3654378"/>
-            <a:ext cx="1828800" cy="343061"/>
+              <a:t>PLAN FOR PRODUCT LAUNCH</a:t>
+            </a:r>
+          </a:p>
+        </p:txBody>
+      </p:sp>
+      <p:graphicFrame>
+        <p:nvGraphicFramePr>
+          <p:cNvPr id="33" name="Content Placeholder 3" descr="Timeline Placeholder ">
+            <a:extLst>
+              <a:ext uri="{FF2B5EF4-FFF2-40B4-BE49-F238E27FC236}">
+                <a16:creationId xmlns:a16="http://schemas.microsoft.com/office/drawing/2014/main" id="{7BC1F95D-CCD2-421B-B06B-706699FAAD5D}"/>
+              </a:ext>
+            </a:extLst>
+          </p:cNvPr>
+          <p:cNvGraphicFramePr>
+            <a:graphicFrameLocks noGrp="1"/>
+          </p:cNvGraphicFramePr>
+          <p:nvPr>
+            <p:ph type="dgm" sz="quarter" idx="15"/>
+            <p:extLst>
+              <p:ext uri="{D42A27DB-BD31-4B8C-83A1-F6EECF244321}">
+                <p14:modId xmlns:p14="http://schemas.microsoft.com/office/powerpoint/2010/main" val="1178117526"/>
+              </p:ext>
+            </p:extLst>
+          </p:nvPr>
+        </p:nvGraphicFramePr>
+        <p:xfrm>
+          <a:off x="838200" y="2111375"/>
+          <a:ext cx="10515600" cy="3744913"/>
+        </p:xfrm>
+        <a:graphic>
+          <a:graphicData uri="http://schemas.openxmlformats.org/drawingml/2006/diagram">
+            <dgm:relIds xmlns:dgm="http://schemas.openxmlformats.org/drawingml/2006/diagram" xmlns:r="http://schemas.openxmlformats.org/officeDocument/2006/relationships" r:dm="rId2" r:lo="rId3" r:qs="rId4" r:cs="rId5"/>
+          </a:graphicData>
+        </a:graphic>
+      </p:graphicFrame>
+      <p:sp>
+        <p:nvSpPr>
+          <p:cNvPr id="6" name="Date Placeholder 5">
+            <a:extLst>
+              <a:ext uri="{FF2B5EF4-FFF2-40B4-BE49-F238E27FC236}">
+                <a16:creationId xmlns:a16="http://schemas.microsoft.com/office/drawing/2014/main" id="{3627CC26-34EF-4BB9-B289-9EC56B07D1E6}"/>
+              </a:ext>
+            </a:extLst>
+          </p:cNvPr>
+          <p:cNvSpPr>
+            <a:spLocks noGrp="1"/>
+          </p:cNvSpPr>
+          <p:nvPr>
+            <p:ph type="dt" sz="half" idx="10"/>
+          </p:nvPr>
+        </p:nvSpPr>
+        <p:spPr>
+          <a:xfrm>
+            <a:off x="838200" y="6356350"/>
+            <a:ext cx="2743200" cy="365125"/>
           </a:xfrm>
         </p:spPr>
         <p:txBody>
@@ -14843,31 +15238,31 @@
           <a:p>
             <a:r>
               <a:rPr lang="en-US" dirty="0"/>
-              <a:t>TAKUMA HAYASHI</a:t>
-            </a:r>
-          </a:p>
-        </p:txBody>
-      </p:sp>
-      <p:sp>
-        <p:nvSpPr>
-          <p:cNvPr id="11" name="Text Placeholder 10">
-            <a:extLst>
-              <a:ext uri="{FF2B5EF4-FFF2-40B4-BE49-F238E27FC236}">
-                <a16:creationId xmlns:a16="http://schemas.microsoft.com/office/drawing/2014/main" id="{AA8375DF-11E9-44DF-BAA3-EACBE17AF4A7}"/>
-              </a:ext>
-            </a:extLst>
-          </p:cNvPr>
-          <p:cNvSpPr>
-            <a:spLocks noGrp="1"/>
-          </p:cNvSpPr>
-          <p:nvPr>
-            <p:ph type="body" idx="21"/>
-          </p:nvPr>
-        </p:nvSpPr>
-        <p:spPr>
-          <a:xfrm>
-            <a:off x="1500168" y="3809747"/>
-            <a:ext cx="1828800" cy="343061"/>
+              <a:t>20XX</a:t>
+            </a:r>
+          </a:p>
+        </p:txBody>
+      </p:sp>
+      <p:sp>
+        <p:nvSpPr>
+          <p:cNvPr id="7" name="Footer Placeholder 6">
+            <a:extLst>
+              <a:ext uri="{FF2B5EF4-FFF2-40B4-BE49-F238E27FC236}">
+                <a16:creationId xmlns:a16="http://schemas.microsoft.com/office/drawing/2014/main" id="{4E98E6AD-9D37-499C-898E-ED12AC36D31D}"/>
+              </a:ext>
+            </a:extLst>
+          </p:cNvPr>
+          <p:cNvSpPr>
+            <a:spLocks noGrp="1"/>
+          </p:cNvSpPr>
+          <p:nvPr>
+            <p:ph type="ftr" sz="quarter" idx="11"/>
+          </p:nvPr>
+        </p:nvSpPr>
+        <p:spPr>
+          <a:xfrm>
+            <a:off x="4038600" y="6356350"/>
+            <a:ext cx="4114800" cy="365125"/>
           </a:xfrm>
         </p:spPr>
         <p:txBody>
@@ -14876,772 +15271,6 @@
           <a:p>
             <a:r>
               <a:rPr lang="en-US" dirty="0"/>
-              <a:t>President</a:t>
-            </a:r>
-          </a:p>
-        </p:txBody>
-      </p:sp>
-      <p:pic>
-        <p:nvPicPr>
-          <p:cNvPr id="359" name="Picture Placeholder 358" descr="Headshot for team slides ">
-            <a:extLst>
-              <a:ext uri="{FF2B5EF4-FFF2-40B4-BE49-F238E27FC236}">
-                <a16:creationId xmlns:a16="http://schemas.microsoft.com/office/drawing/2014/main" id="{32C08192-2F27-4ED3-9CEE-4C37C7DFE674}"/>
-              </a:ext>
-            </a:extLst>
-          </p:cNvPr>
-          <p:cNvPicPr>
-            <a:picLocks noGrp="1" noChangeAspect="1"/>
-          </p:cNvPicPr>
-          <p:nvPr>
-            <p:ph type="pic" sz="quarter" idx="15"/>
-          </p:nvPr>
-        </p:nvPicPr>
-        <p:blipFill rotWithShape="1">
-          <a:blip r:embed="rId3">
-            <a:extLst>
-              <a:ext uri="{28A0092B-C50C-407E-A947-70E740481C1C}">
-                <a14:useLocalDpi xmlns:a14="http://schemas.microsoft.com/office/drawing/2010/main" val="0"/>
-              </a:ext>
-            </a:extLst>
-          </a:blip>
-          <a:srcRect/>
-          <a:stretch/>
-        </p:blipFill>
-        <p:spPr>
-          <a:xfrm>
-            <a:off x="4226270" y="2428875"/>
-            <a:ext cx="1066800" cy="1066800"/>
-          </a:xfrm>
-        </p:spPr>
-      </p:pic>
-      <p:sp>
-        <p:nvSpPr>
-          <p:cNvPr id="8" name="Text Placeholder 7">
-            <a:extLst>
-              <a:ext uri="{FF2B5EF4-FFF2-40B4-BE49-F238E27FC236}">
-                <a16:creationId xmlns:a16="http://schemas.microsoft.com/office/drawing/2014/main" id="{9584E2DE-7061-44CB-A94B-5555484F9744}"/>
-              </a:ext>
-            </a:extLst>
-          </p:cNvPr>
-          <p:cNvSpPr>
-            <a:spLocks noGrp="1"/>
-          </p:cNvSpPr>
-          <p:nvPr>
-            <p:ph type="body" idx="18"/>
-          </p:nvPr>
-        </p:nvSpPr>
-        <p:spPr>
-          <a:xfrm>
-            <a:off x="3849262" y="3654378"/>
-            <a:ext cx="1828800" cy="343061"/>
-          </a:xfrm>
-        </p:spPr>
-        <p:txBody>
-          <a:bodyPr/>
-          <a:lstStyle/>
-          <a:p>
-            <a:r>
-              <a:rPr lang="en-US" dirty="0"/>
-              <a:t>MIRJAM NILSSON</a:t>
-            </a:r>
-          </a:p>
-        </p:txBody>
-      </p:sp>
-      <p:sp>
-        <p:nvSpPr>
-          <p:cNvPr id="12" name="Text Placeholder 11">
-            <a:extLst>
-              <a:ext uri="{FF2B5EF4-FFF2-40B4-BE49-F238E27FC236}">
-                <a16:creationId xmlns:a16="http://schemas.microsoft.com/office/drawing/2014/main" id="{57F11552-18E0-4565-AE6F-DE5290DF1269}"/>
-              </a:ext>
-            </a:extLst>
-          </p:cNvPr>
-          <p:cNvSpPr>
-            <a:spLocks noGrp="1"/>
-          </p:cNvSpPr>
-          <p:nvPr>
-            <p:ph type="body" idx="22"/>
-          </p:nvPr>
-        </p:nvSpPr>
-        <p:spPr>
-          <a:xfrm>
-            <a:off x="3849262" y="3809747"/>
-            <a:ext cx="1828800" cy="343061"/>
-          </a:xfrm>
-        </p:spPr>
-        <p:txBody>
-          <a:bodyPr/>
-          <a:lstStyle/>
-          <a:p>
-            <a:r>
-              <a:rPr lang="en-US" dirty="0"/>
-              <a:t>Chief Executive Officer</a:t>
-            </a:r>
-          </a:p>
-        </p:txBody>
-      </p:sp>
-      <p:pic>
-        <p:nvPicPr>
-          <p:cNvPr id="361" name="Picture Placeholder 360" descr="Headshot for team slides ">
-            <a:extLst>
-              <a:ext uri="{FF2B5EF4-FFF2-40B4-BE49-F238E27FC236}">
-                <a16:creationId xmlns:a16="http://schemas.microsoft.com/office/drawing/2014/main" id="{CA581025-9A6A-4294-8F86-E611BCEFAB15}"/>
-              </a:ext>
-            </a:extLst>
-          </p:cNvPr>
-          <p:cNvPicPr>
-            <a:picLocks noGrp="1" noChangeAspect="1"/>
-          </p:cNvPicPr>
-          <p:nvPr>
-            <p:ph type="pic" sz="quarter" idx="37"/>
-          </p:nvPr>
-        </p:nvPicPr>
-        <p:blipFill rotWithShape="1">
-          <a:blip r:embed="rId4">
-            <a:extLst>
-              <a:ext uri="{28A0092B-C50C-407E-A947-70E740481C1C}">
-                <a14:useLocalDpi xmlns:a14="http://schemas.microsoft.com/office/drawing/2010/main" val="0"/>
-              </a:ext>
-            </a:extLst>
-          </a:blip>
-          <a:srcRect/>
-          <a:stretch/>
-        </p:blipFill>
-        <p:spPr>
-          <a:xfrm>
-            <a:off x="6655584" y="2428875"/>
-            <a:ext cx="1066800" cy="1066800"/>
-          </a:xfrm>
-        </p:spPr>
-      </p:pic>
-      <p:sp>
-        <p:nvSpPr>
-          <p:cNvPr id="9" name="Text Placeholder 8">
-            <a:extLst>
-              <a:ext uri="{FF2B5EF4-FFF2-40B4-BE49-F238E27FC236}">
-                <a16:creationId xmlns:a16="http://schemas.microsoft.com/office/drawing/2014/main" id="{87AF403D-91FB-404C-9346-862EFEC3564F}"/>
-              </a:ext>
-            </a:extLst>
-          </p:cNvPr>
-          <p:cNvSpPr>
-            <a:spLocks noGrp="1"/>
-          </p:cNvSpPr>
-          <p:nvPr>
-            <p:ph type="body" idx="19"/>
-          </p:nvPr>
-        </p:nvSpPr>
-        <p:spPr>
-          <a:xfrm>
-            <a:off x="6198355" y="3654378"/>
-            <a:ext cx="2105135" cy="343061"/>
-          </a:xfrm>
-        </p:spPr>
-        <p:txBody>
-          <a:bodyPr/>
-          <a:lstStyle/>
-          <a:p>
-            <a:r>
-              <a:rPr lang="en-US" dirty="0"/>
-              <a:t>RAJESH SANTOSHI</a:t>
-            </a:r>
-          </a:p>
-        </p:txBody>
-      </p:sp>
-      <p:sp>
-        <p:nvSpPr>
-          <p:cNvPr id="13" name="Text Placeholder 12">
-            <a:extLst>
-              <a:ext uri="{FF2B5EF4-FFF2-40B4-BE49-F238E27FC236}">
-                <a16:creationId xmlns:a16="http://schemas.microsoft.com/office/drawing/2014/main" id="{92682AD9-94FA-4E64-864B-DC8F7A320D5C}"/>
-              </a:ext>
-            </a:extLst>
-          </p:cNvPr>
-          <p:cNvSpPr>
-            <a:spLocks noGrp="1"/>
-          </p:cNvSpPr>
-          <p:nvPr>
-            <p:ph type="body" idx="23"/>
-          </p:nvPr>
-        </p:nvSpPr>
-        <p:spPr>
-          <a:xfrm>
-            <a:off x="6095999" y="3809747"/>
-            <a:ext cx="2299855" cy="343061"/>
-          </a:xfrm>
-        </p:spPr>
-        <p:txBody>
-          <a:bodyPr/>
-          <a:lstStyle/>
-          <a:p>
-            <a:r>
-              <a:rPr lang="en-US" dirty="0"/>
-              <a:t>Chief Operations Officer</a:t>
-            </a:r>
-          </a:p>
-        </p:txBody>
-      </p:sp>
-      <p:pic>
-        <p:nvPicPr>
-          <p:cNvPr id="363" name="Picture Placeholder 362" descr="Headshot for team slides ">
-            <a:extLst>
-              <a:ext uri="{FF2B5EF4-FFF2-40B4-BE49-F238E27FC236}">
-                <a16:creationId xmlns:a16="http://schemas.microsoft.com/office/drawing/2014/main" id="{0AB7C4F4-0E33-47EC-A40D-D03ECD81A39B}"/>
-              </a:ext>
-            </a:extLst>
-          </p:cNvPr>
-          <p:cNvPicPr>
-            <a:picLocks noGrp="1" noChangeAspect="1"/>
-          </p:cNvPicPr>
-          <p:nvPr>
-            <p:ph type="pic" sz="quarter" idx="17"/>
-          </p:nvPr>
-        </p:nvPicPr>
-        <p:blipFill rotWithShape="1">
-          <a:blip r:embed="rId5">
-            <a:extLst>
-              <a:ext uri="{28A0092B-C50C-407E-A947-70E740481C1C}">
-                <a14:useLocalDpi xmlns:a14="http://schemas.microsoft.com/office/drawing/2010/main" val="0"/>
-              </a:ext>
-            </a:extLst>
-          </a:blip>
-          <a:srcRect/>
-          <a:stretch/>
-        </p:blipFill>
-        <p:spPr>
-          <a:xfrm>
-            <a:off x="9136814" y="2428875"/>
-            <a:ext cx="1066800" cy="1066800"/>
-          </a:xfrm>
-        </p:spPr>
-      </p:pic>
-      <p:sp>
-        <p:nvSpPr>
-          <p:cNvPr id="10" name="Text Placeholder 9">
-            <a:extLst>
-              <a:ext uri="{FF2B5EF4-FFF2-40B4-BE49-F238E27FC236}">
-                <a16:creationId xmlns:a16="http://schemas.microsoft.com/office/drawing/2014/main" id="{0EE34DCC-0789-4B21-A328-FF554B1B07BE}"/>
-              </a:ext>
-            </a:extLst>
-          </p:cNvPr>
-          <p:cNvSpPr>
-            <a:spLocks noGrp="1"/>
-          </p:cNvSpPr>
-          <p:nvPr>
-            <p:ph type="body" idx="20"/>
-          </p:nvPr>
-        </p:nvSpPr>
-        <p:spPr>
-          <a:xfrm>
-            <a:off x="8759806" y="3654378"/>
-            <a:ext cx="1828800" cy="343061"/>
-          </a:xfrm>
-        </p:spPr>
-        <p:txBody>
-          <a:bodyPr/>
-          <a:lstStyle/>
-          <a:p>
-            <a:r>
-              <a:rPr lang="en-US" dirty="0"/>
-              <a:t>RAJESH SANTOSHI</a:t>
-            </a:r>
-          </a:p>
-        </p:txBody>
-      </p:sp>
-      <p:sp>
-        <p:nvSpPr>
-          <p:cNvPr id="14" name="Text Placeholder 13">
-            <a:extLst>
-              <a:ext uri="{FF2B5EF4-FFF2-40B4-BE49-F238E27FC236}">
-                <a16:creationId xmlns:a16="http://schemas.microsoft.com/office/drawing/2014/main" id="{AE93F4CF-DD26-41DA-BA4C-2DCAC0B2F5EB}"/>
-              </a:ext>
-            </a:extLst>
-          </p:cNvPr>
-          <p:cNvSpPr>
-            <a:spLocks noGrp="1"/>
-          </p:cNvSpPr>
-          <p:nvPr>
-            <p:ph type="body" idx="24"/>
-          </p:nvPr>
-        </p:nvSpPr>
-        <p:spPr>
-          <a:xfrm>
-            <a:off x="8744480" y="3809747"/>
-            <a:ext cx="1844126" cy="343061"/>
-          </a:xfrm>
-        </p:spPr>
-        <p:txBody>
-          <a:bodyPr/>
-          <a:lstStyle/>
-          <a:p>
-            <a:r>
-              <a:rPr lang="en-US" dirty="0"/>
-              <a:t>VP Marketing</a:t>
-            </a:r>
-          </a:p>
-        </p:txBody>
-      </p:sp>
-      <p:pic>
-        <p:nvPicPr>
-          <p:cNvPr id="365" name="Picture Placeholder 364" descr="Headshot for team slides ">
-            <a:extLst>
-              <a:ext uri="{FF2B5EF4-FFF2-40B4-BE49-F238E27FC236}">
-                <a16:creationId xmlns:a16="http://schemas.microsoft.com/office/drawing/2014/main" id="{13CD5AED-E130-432E-8952-7CB3F68F3312}"/>
-              </a:ext>
-            </a:extLst>
-          </p:cNvPr>
-          <p:cNvPicPr>
-            <a:picLocks noGrp="1" noChangeAspect="1"/>
-          </p:cNvPicPr>
-          <p:nvPr>
-            <p:ph type="pic" sz="quarter" idx="26"/>
-          </p:nvPr>
-        </p:nvPicPr>
-        <p:blipFill rotWithShape="1">
-          <a:blip r:embed="rId6">
-            <a:extLst>
-              <a:ext uri="{28A0092B-C50C-407E-A947-70E740481C1C}">
-                <a14:useLocalDpi xmlns:a14="http://schemas.microsoft.com/office/drawing/2010/main" val="0"/>
-              </a:ext>
-            </a:extLst>
-          </a:blip>
-          <a:srcRect/>
-          <a:stretch/>
-        </p:blipFill>
-        <p:spPr>
-          <a:xfrm>
-            <a:off x="1877176" y="4287711"/>
-            <a:ext cx="1066800" cy="1066800"/>
-          </a:xfrm>
-        </p:spPr>
-      </p:pic>
-      <p:sp>
-        <p:nvSpPr>
-          <p:cNvPr id="36" name="Text Placeholder 35">
-            <a:extLst>
-              <a:ext uri="{FF2B5EF4-FFF2-40B4-BE49-F238E27FC236}">
-                <a16:creationId xmlns:a16="http://schemas.microsoft.com/office/drawing/2014/main" id="{9935192B-6592-4598-9D51-CFDF6F0A854F}"/>
-              </a:ext>
-            </a:extLst>
-          </p:cNvPr>
-          <p:cNvSpPr>
-            <a:spLocks noGrp="1"/>
-          </p:cNvSpPr>
-          <p:nvPr>
-            <p:ph type="body" idx="25"/>
-          </p:nvPr>
-        </p:nvSpPr>
-        <p:spPr>
-          <a:xfrm>
-            <a:off x="1500168" y="5513214"/>
-            <a:ext cx="1828800" cy="343061"/>
-          </a:xfrm>
-        </p:spPr>
-        <p:txBody>
-          <a:bodyPr/>
-          <a:lstStyle/>
-          <a:p>
-            <a:r>
-              <a:rPr lang="en-US" dirty="0"/>
-              <a:t>GRAHAM BARNES</a:t>
-            </a:r>
-          </a:p>
-        </p:txBody>
-      </p:sp>
-      <p:sp>
-        <p:nvSpPr>
-          <p:cNvPr id="44" name="Text Placeholder 43">
-            <a:extLst>
-              <a:ext uri="{FF2B5EF4-FFF2-40B4-BE49-F238E27FC236}">
-                <a16:creationId xmlns:a16="http://schemas.microsoft.com/office/drawing/2014/main" id="{F759A1DD-45A5-4764-8966-C107C4C4832C}"/>
-              </a:ext>
-            </a:extLst>
-          </p:cNvPr>
-          <p:cNvSpPr>
-            <a:spLocks noGrp="1"/>
-          </p:cNvSpPr>
-          <p:nvPr>
-            <p:ph type="body" idx="33"/>
-          </p:nvPr>
-        </p:nvSpPr>
-        <p:spPr>
-          <a:xfrm>
-            <a:off x="1500168" y="5668583"/>
-            <a:ext cx="1828800" cy="343061"/>
-          </a:xfrm>
-        </p:spPr>
-        <p:txBody>
-          <a:bodyPr/>
-          <a:lstStyle/>
-          <a:p>
-            <a:r>
-              <a:rPr lang="en-US" dirty="0"/>
-              <a:t>VP Product</a:t>
-            </a:r>
-          </a:p>
-        </p:txBody>
-      </p:sp>
-      <p:pic>
-        <p:nvPicPr>
-          <p:cNvPr id="367" name="Picture Placeholder 366" descr="Headshot for team slides ">
-            <a:extLst>
-              <a:ext uri="{FF2B5EF4-FFF2-40B4-BE49-F238E27FC236}">
-                <a16:creationId xmlns:a16="http://schemas.microsoft.com/office/drawing/2014/main" id="{73D462EE-3D1E-4964-B729-2B963BD87288}"/>
-              </a:ext>
-            </a:extLst>
-          </p:cNvPr>
-          <p:cNvPicPr>
-            <a:picLocks noGrp="1" noChangeAspect="1"/>
-          </p:cNvPicPr>
-          <p:nvPr>
-            <p:ph type="pic" sz="quarter" idx="27"/>
-          </p:nvPr>
-        </p:nvPicPr>
-        <p:blipFill rotWithShape="1">
-          <a:blip r:embed="rId7">
-            <a:extLst>
-              <a:ext uri="{28A0092B-C50C-407E-A947-70E740481C1C}">
-                <a14:useLocalDpi xmlns:a14="http://schemas.microsoft.com/office/drawing/2010/main" val="0"/>
-              </a:ext>
-            </a:extLst>
-          </a:blip>
-          <a:srcRect/>
-          <a:stretch/>
-        </p:blipFill>
-        <p:spPr>
-          <a:xfrm>
-            <a:off x="4226270" y="4287711"/>
-            <a:ext cx="1066800" cy="1066800"/>
-          </a:xfrm>
-        </p:spPr>
-      </p:pic>
-      <p:sp>
-        <p:nvSpPr>
-          <p:cNvPr id="41" name="Text Placeholder 40">
-            <a:extLst>
-              <a:ext uri="{FF2B5EF4-FFF2-40B4-BE49-F238E27FC236}">
-                <a16:creationId xmlns:a16="http://schemas.microsoft.com/office/drawing/2014/main" id="{6B09ED3A-8EC7-42CA-B68B-1377E5460E75}"/>
-              </a:ext>
-            </a:extLst>
-          </p:cNvPr>
-          <p:cNvSpPr>
-            <a:spLocks noGrp="1"/>
-          </p:cNvSpPr>
-          <p:nvPr>
-            <p:ph type="body" idx="30"/>
-          </p:nvPr>
-        </p:nvSpPr>
-        <p:spPr>
-          <a:xfrm>
-            <a:off x="3849262" y="5513214"/>
-            <a:ext cx="1828800" cy="343061"/>
-          </a:xfrm>
-        </p:spPr>
-        <p:txBody>
-          <a:bodyPr/>
-          <a:lstStyle/>
-          <a:p>
-            <a:r>
-              <a:rPr lang="en-US" dirty="0"/>
-              <a:t>ROWAN MURPHY</a:t>
-            </a:r>
-          </a:p>
-        </p:txBody>
-      </p:sp>
-      <p:sp>
-        <p:nvSpPr>
-          <p:cNvPr id="45" name="Text Placeholder 44">
-            <a:extLst>
-              <a:ext uri="{FF2B5EF4-FFF2-40B4-BE49-F238E27FC236}">
-                <a16:creationId xmlns:a16="http://schemas.microsoft.com/office/drawing/2014/main" id="{021B5FEC-BECF-4604-A9AB-1C9E810794F6}"/>
-              </a:ext>
-            </a:extLst>
-          </p:cNvPr>
-          <p:cNvSpPr>
-            <a:spLocks noGrp="1"/>
-          </p:cNvSpPr>
-          <p:nvPr>
-            <p:ph type="body" idx="34"/>
-          </p:nvPr>
-        </p:nvSpPr>
-        <p:spPr>
-          <a:xfrm>
-            <a:off x="3849262" y="5668583"/>
-            <a:ext cx="1828800" cy="343061"/>
-          </a:xfrm>
-        </p:spPr>
-        <p:txBody>
-          <a:bodyPr/>
-          <a:lstStyle/>
-          <a:p>
-            <a:r>
-              <a:rPr lang="en-US" dirty="0"/>
-              <a:t>SEO Strategist</a:t>
-            </a:r>
-          </a:p>
-        </p:txBody>
-      </p:sp>
-      <p:pic>
-        <p:nvPicPr>
-          <p:cNvPr id="369" name="Picture Placeholder 368" descr="Headshot for team slides ">
-            <a:extLst>
-              <a:ext uri="{FF2B5EF4-FFF2-40B4-BE49-F238E27FC236}">
-                <a16:creationId xmlns:a16="http://schemas.microsoft.com/office/drawing/2014/main" id="{3DD82FDB-1001-45E1-AA54-7904FCC108DE}"/>
-              </a:ext>
-            </a:extLst>
-          </p:cNvPr>
-          <p:cNvPicPr>
-            <a:picLocks noGrp="1" noChangeAspect="1"/>
-          </p:cNvPicPr>
-          <p:nvPr>
-            <p:ph type="pic" sz="quarter" idx="38"/>
-          </p:nvPr>
-        </p:nvPicPr>
-        <p:blipFill rotWithShape="1">
-          <a:blip r:embed="rId8">
-            <a:extLst>
-              <a:ext uri="{28A0092B-C50C-407E-A947-70E740481C1C}">
-                <a14:useLocalDpi xmlns:a14="http://schemas.microsoft.com/office/drawing/2010/main" val="0"/>
-              </a:ext>
-            </a:extLst>
-          </a:blip>
-          <a:srcRect/>
-          <a:stretch/>
-        </p:blipFill>
-        <p:spPr>
-          <a:xfrm>
-            <a:off x="6655584" y="4287711"/>
-            <a:ext cx="1066800" cy="1066800"/>
-          </a:xfrm>
-        </p:spPr>
-      </p:pic>
-      <p:sp>
-        <p:nvSpPr>
-          <p:cNvPr id="42" name="Text Placeholder 41">
-            <a:extLst>
-              <a:ext uri="{FF2B5EF4-FFF2-40B4-BE49-F238E27FC236}">
-                <a16:creationId xmlns:a16="http://schemas.microsoft.com/office/drawing/2014/main" id="{3E07A9F3-763B-41EA-AC65-8EDB2CA31B8A}"/>
-              </a:ext>
-            </a:extLst>
-          </p:cNvPr>
-          <p:cNvSpPr>
-            <a:spLocks noGrp="1"/>
-          </p:cNvSpPr>
-          <p:nvPr>
-            <p:ph type="body" idx="31"/>
-          </p:nvPr>
-        </p:nvSpPr>
-        <p:spPr>
-          <a:xfrm>
-            <a:off x="6339926" y="5513214"/>
-            <a:ext cx="1828800" cy="343061"/>
-          </a:xfrm>
-        </p:spPr>
-        <p:txBody>
-          <a:bodyPr/>
-          <a:lstStyle/>
-          <a:p>
-            <a:r>
-              <a:rPr lang="en-US" dirty="0"/>
-              <a:t>ELIZABETH MOORE</a:t>
-            </a:r>
-          </a:p>
-        </p:txBody>
-      </p:sp>
-      <p:sp>
-        <p:nvSpPr>
-          <p:cNvPr id="46" name="Text Placeholder 45">
-            <a:extLst>
-              <a:ext uri="{FF2B5EF4-FFF2-40B4-BE49-F238E27FC236}">
-                <a16:creationId xmlns:a16="http://schemas.microsoft.com/office/drawing/2014/main" id="{53A42804-1F4C-424E-9CB4-D1CD97B11CDE}"/>
-              </a:ext>
-            </a:extLst>
-          </p:cNvPr>
-          <p:cNvSpPr>
-            <a:spLocks noGrp="1"/>
-          </p:cNvSpPr>
-          <p:nvPr>
-            <p:ph type="body" idx="35"/>
-          </p:nvPr>
-        </p:nvSpPr>
-        <p:spPr>
-          <a:xfrm>
-            <a:off x="6339926" y="5668583"/>
-            <a:ext cx="1813474" cy="343061"/>
-          </a:xfrm>
-        </p:spPr>
-        <p:txBody>
-          <a:bodyPr/>
-          <a:lstStyle/>
-          <a:p>
-            <a:r>
-              <a:rPr lang="en-US" dirty="0"/>
-              <a:t>Product Designer</a:t>
-            </a:r>
-          </a:p>
-        </p:txBody>
-      </p:sp>
-      <p:pic>
-        <p:nvPicPr>
-          <p:cNvPr id="371" name="Picture Placeholder 370" descr="Headshot for team slides ">
-            <a:extLst>
-              <a:ext uri="{FF2B5EF4-FFF2-40B4-BE49-F238E27FC236}">
-                <a16:creationId xmlns:a16="http://schemas.microsoft.com/office/drawing/2014/main" id="{5DC64598-F871-46A7-9338-8EB7BF26BEB6}"/>
-              </a:ext>
-            </a:extLst>
-          </p:cNvPr>
-          <p:cNvPicPr>
-            <a:picLocks noGrp="1" noChangeAspect="1"/>
-          </p:cNvPicPr>
-          <p:nvPr>
-            <p:ph type="pic" sz="quarter" idx="29"/>
-          </p:nvPr>
-        </p:nvPicPr>
-        <p:blipFill rotWithShape="1">
-          <a:blip r:embed="rId9">
-            <a:extLst>
-              <a:ext uri="{28A0092B-C50C-407E-A947-70E740481C1C}">
-                <a14:useLocalDpi xmlns:a14="http://schemas.microsoft.com/office/drawing/2010/main" val="0"/>
-              </a:ext>
-            </a:extLst>
-          </a:blip>
-          <a:srcRect/>
-          <a:stretch/>
-        </p:blipFill>
-        <p:spPr>
-          <a:xfrm>
-            <a:off x="9136814" y="4287711"/>
-            <a:ext cx="1066800" cy="1066800"/>
-          </a:xfrm>
-        </p:spPr>
-      </p:pic>
-      <p:sp>
-        <p:nvSpPr>
-          <p:cNvPr id="43" name="Text Placeholder 42">
-            <a:extLst>
-              <a:ext uri="{FF2B5EF4-FFF2-40B4-BE49-F238E27FC236}">
-                <a16:creationId xmlns:a16="http://schemas.microsoft.com/office/drawing/2014/main" id="{7E484450-BE48-4C65-AEE1-5650AAC06067}"/>
-              </a:ext>
-            </a:extLst>
-          </p:cNvPr>
-          <p:cNvSpPr>
-            <a:spLocks noGrp="1"/>
-          </p:cNvSpPr>
-          <p:nvPr>
-            <p:ph type="body" idx="32"/>
-          </p:nvPr>
-        </p:nvSpPr>
-        <p:spPr>
-          <a:xfrm>
-            <a:off x="8759806" y="5513214"/>
-            <a:ext cx="1828800" cy="343061"/>
-          </a:xfrm>
-        </p:spPr>
-        <p:txBody>
-          <a:bodyPr/>
-          <a:lstStyle/>
-          <a:p>
-            <a:r>
-              <a:rPr lang="en-US" dirty="0"/>
-              <a:t>ROBIN KLINE</a:t>
-            </a:r>
-          </a:p>
-        </p:txBody>
-      </p:sp>
-      <p:sp>
-        <p:nvSpPr>
-          <p:cNvPr id="47" name="Text Placeholder 46">
-            <a:extLst>
-              <a:ext uri="{FF2B5EF4-FFF2-40B4-BE49-F238E27FC236}">
-                <a16:creationId xmlns:a16="http://schemas.microsoft.com/office/drawing/2014/main" id="{8D8B5AD3-AE51-4D7A-AE7B-E9C350D0879B}"/>
-              </a:ext>
-            </a:extLst>
-          </p:cNvPr>
-          <p:cNvSpPr>
-            <a:spLocks noGrp="1"/>
-          </p:cNvSpPr>
-          <p:nvPr>
-            <p:ph type="body" idx="36"/>
-          </p:nvPr>
-        </p:nvSpPr>
-        <p:spPr>
-          <a:xfrm>
-            <a:off x="8744480" y="5668583"/>
-            <a:ext cx="1844126" cy="343061"/>
-          </a:xfrm>
-        </p:spPr>
-        <p:txBody>
-          <a:bodyPr/>
-          <a:lstStyle/>
-          <a:p>
-            <a:r>
-              <a:rPr lang="en-US" dirty="0"/>
-              <a:t>Content Developer</a:t>
-            </a:r>
-          </a:p>
-        </p:txBody>
-      </p:sp>
-      <p:sp>
-        <p:nvSpPr>
-          <p:cNvPr id="56" name="Date Placeholder 55">
-            <a:extLst>
-              <a:ext uri="{FF2B5EF4-FFF2-40B4-BE49-F238E27FC236}">
-                <a16:creationId xmlns:a16="http://schemas.microsoft.com/office/drawing/2014/main" id="{B289356A-BDA0-4234-84F2-9F2F25D0D7BD}"/>
-              </a:ext>
-            </a:extLst>
-          </p:cNvPr>
-          <p:cNvSpPr>
-            <a:spLocks noGrp="1"/>
-          </p:cNvSpPr>
-          <p:nvPr>
-            <p:ph type="dt" sz="half" idx="10"/>
-          </p:nvPr>
-        </p:nvSpPr>
-        <p:spPr>
-          <a:xfrm>
-            <a:off x="838200" y="6356350"/>
-            <a:ext cx="2743200" cy="365125"/>
-          </a:xfrm>
-        </p:spPr>
-        <p:txBody>
-          <a:bodyPr/>
-          <a:lstStyle/>
-          <a:p>
-            <a:r>
-              <a:rPr lang="en-US" dirty="0"/>
-              <a:t>20XX</a:t>
-            </a:r>
-          </a:p>
-        </p:txBody>
-      </p:sp>
-      <p:sp>
-        <p:nvSpPr>
-          <p:cNvPr id="57" name="Footer Placeholder 56">
-            <a:extLst>
-              <a:ext uri="{FF2B5EF4-FFF2-40B4-BE49-F238E27FC236}">
-                <a16:creationId xmlns:a16="http://schemas.microsoft.com/office/drawing/2014/main" id="{3A38BE84-957B-46B9-A315-4B5064DFF1A1}"/>
-              </a:ext>
-            </a:extLst>
-          </p:cNvPr>
-          <p:cNvSpPr>
-            <a:spLocks noGrp="1"/>
-          </p:cNvSpPr>
-          <p:nvPr>
-            <p:ph type="ftr" sz="quarter" idx="11"/>
-          </p:nvPr>
-        </p:nvSpPr>
-        <p:spPr>
-          <a:xfrm>
-            <a:off x="4038600" y="6356350"/>
-            <a:ext cx="4114800" cy="365125"/>
-          </a:xfrm>
-        </p:spPr>
-        <p:txBody>
-          <a:bodyPr/>
-          <a:lstStyle/>
-          <a:p>
-            <a:r>
-              <a:rPr lang="en-US" dirty="0"/>
               <a:t>PRESENTATION TITLE</a:t>
             </a:r>
           </a:p>
@@ -15649,10 +15278,10 @@
       </p:sp>
       <p:sp>
         <p:nvSpPr>
-          <p:cNvPr id="58" name="Slide Number Placeholder 57">
-            <a:extLst>
-              <a:ext uri="{FF2B5EF4-FFF2-40B4-BE49-F238E27FC236}">
-                <a16:creationId xmlns:a16="http://schemas.microsoft.com/office/drawing/2014/main" id="{E1900601-8B04-4FF3-B06F-6BEFAC6556D3}"/>
+          <p:cNvPr id="8" name="Slide Number Placeholder 7">
+            <a:extLst>
+              <a:ext uri="{FF2B5EF4-FFF2-40B4-BE49-F238E27FC236}">
+                <a16:creationId xmlns:a16="http://schemas.microsoft.com/office/drawing/2014/main" id="{92908AF9-2A07-4B50-BC13-471792106EC8}"/>
               </a:ext>
             </a:extLst>
           </p:cNvPr>
@@ -15685,7 +15314,7 @@
     </p:spTree>
     <p:extLst>
       <p:ext uri="{BB962C8B-B14F-4D97-AF65-F5344CB8AC3E}">
-        <p14:creationId xmlns:p14="http://schemas.microsoft.com/office/powerpoint/2010/main" val="4055079983"/>
+        <p14:creationId xmlns:p14="http://schemas.microsoft.com/office/powerpoint/2010/main" val="2896385493"/>
       </p:ext>
     </p:extLst>
   </p:cSld>
@@ -15714,10 +15343,10 @@
       </p:grpSpPr>
       <p:sp>
         <p:nvSpPr>
-          <p:cNvPr id="3" name="Title 2">
-            <a:extLst>
-              <a:ext uri="{FF2B5EF4-FFF2-40B4-BE49-F238E27FC236}">
-                <a16:creationId xmlns:a16="http://schemas.microsoft.com/office/drawing/2014/main" id="{77762301-F83A-4BEA-9D11-E6C99FB574A8}"/>
+          <p:cNvPr id="2" name="Title 1">
+            <a:extLst>
+              <a:ext uri="{FF2B5EF4-FFF2-40B4-BE49-F238E27FC236}">
+                <a16:creationId xmlns:a16="http://schemas.microsoft.com/office/drawing/2014/main" id="{FA93DB88-62DD-4C41-977F-D59BEF14EE76}"/>
               </a:ext>
             </a:extLst>
           </p:cNvPr>
@@ -15730,8 +15359,8 @@
         </p:nvSpPr>
         <p:spPr>
           <a:xfrm>
-            <a:off x="838200" y="365125"/>
-            <a:ext cx="10515600" cy="1325563"/>
+            <a:off x="838200" y="5509419"/>
+            <a:ext cx="4082142" cy="585788"/>
           </a:xfrm>
         </p:spPr>
         <p:txBody>
@@ -15740,48 +15369,289 @@
           <a:p>
             <a:r>
               <a:rPr lang="en-US" dirty="0"/>
-              <a:t>PLAN FOR PRODUCT LAUNCH</a:t>
-            </a:r>
-          </a:p>
-        </p:txBody>
-      </p:sp>
-      <p:graphicFrame>
-        <p:nvGraphicFramePr>
-          <p:cNvPr id="33" name="Content Placeholder 3" descr="Timeline Placeholder ">
-            <a:extLst>
-              <a:ext uri="{FF2B5EF4-FFF2-40B4-BE49-F238E27FC236}">
-                <a16:creationId xmlns:a16="http://schemas.microsoft.com/office/drawing/2014/main" id="{7BC1F95D-CCD2-421B-B06B-706699FAAD5D}"/>
-              </a:ext>
-            </a:extLst>
-          </p:cNvPr>
-          <p:cNvGraphicFramePr>
-            <a:graphicFrameLocks noGrp="1"/>
-          </p:cNvGraphicFramePr>
-          <p:nvPr>
-            <p:ph type="dgm" sz="quarter" idx="15"/>
-            <p:extLst>
-              <p:ext uri="{D42A27DB-BD31-4B8C-83A1-F6EECF244321}">
-                <p14:modId xmlns:p14="http://schemas.microsoft.com/office/powerpoint/2010/main" val="1178117526"/>
-              </p:ext>
-            </p:extLst>
-          </p:nvPr>
-        </p:nvGraphicFramePr>
-        <p:xfrm>
-          <a:off x="838200" y="2111375"/>
-          <a:ext cx="10515600" cy="3744913"/>
-        </p:xfrm>
-        <a:graphic>
-          <a:graphicData uri="http://schemas.openxmlformats.org/drawingml/2006/diagram">
-            <dgm:relIds xmlns:dgm="http://schemas.openxmlformats.org/drawingml/2006/diagram" xmlns:r="http://schemas.openxmlformats.org/officeDocument/2006/relationships" r:dm="rId2" r:lo="rId3" r:qs="rId4" r:cs="rId5"/>
-          </a:graphicData>
-        </a:graphic>
-      </p:graphicFrame>
-      <p:sp>
-        <p:nvSpPr>
-          <p:cNvPr id="6" name="Date Placeholder 5">
-            <a:extLst>
-              <a:ext uri="{FF2B5EF4-FFF2-40B4-BE49-F238E27FC236}">
-                <a16:creationId xmlns:a16="http://schemas.microsoft.com/office/drawing/2014/main" id="{3627CC26-34EF-4BB9-B289-9EC56B07D1E6}"/>
+              <a:t>TIMELINE</a:t>
+            </a:r>
+          </a:p>
+        </p:txBody>
+      </p:sp>
+      <p:sp>
+        <p:nvSpPr>
+          <p:cNvPr id="3" name="Text Placeholder 2">
+            <a:extLst>
+              <a:ext uri="{FF2B5EF4-FFF2-40B4-BE49-F238E27FC236}">
+                <a16:creationId xmlns:a16="http://schemas.microsoft.com/office/drawing/2014/main" id="{AEF37E83-2D8B-42EF-A2C4-5D2BBDB1F05B}"/>
+              </a:ext>
+            </a:extLst>
+          </p:cNvPr>
+          <p:cNvSpPr>
+            <a:spLocks noGrp="1"/>
+          </p:cNvSpPr>
+          <p:nvPr>
+            <p:ph type="body" sz="quarter" idx="13"/>
+          </p:nvPr>
+        </p:nvSpPr>
+        <p:spPr>
+          <a:xfrm>
+            <a:off x="166074" y="1507772"/>
+            <a:ext cx="2141764" cy="514350"/>
+          </a:xfrm>
+        </p:spPr>
+        <p:txBody>
+          <a:bodyPr/>
+          <a:lstStyle/>
+          <a:p>
+            <a:r>
+              <a:rPr lang="en-US" dirty="0"/>
+              <a:t>Q1</a:t>
+            </a:r>
+          </a:p>
+        </p:txBody>
+      </p:sp>
+      <p:sp>
+        <p:nvSpPr>
+          <p:cNvPr id="4" name="Text Placeholder 3">
+            <a:extLst>
+              <a:ext uri="{FF2B5EF4-FFF2-40B4-BE49-F238E27FC236}">
+                <a16:creationId xmlns:a16="http://schemas.microsoft.com/office/drawing/2014/main" id="{B0D77839-2CFD-4BC8-85DA-9EE69CCE1B20}"/>
+              </a:ext>
+            </a:extLst>
+          </p:cNvPr>
+          <p:cNvSpPr>
+            <a:spLocks noGrp="1"/>
+          </p:cNvSpPr>
+          <p:nvPr>
+            <p:ph type="body" sz="quarter" idx="14"/>
+          </p:nvPr>
+        </p:nvSpPr>
+        <p:spPr>
+          <a:xfrm>
+            <a:off x="732131" y="2584097"/>
+            <a:ext cx="2141764" cy="514350"/>
+          </a:xfrm>
+        </p:spPr>
+        <p:txBody>
+          <a:bodyPr/>
+          <a:lstStyle/>
+          <a:p>
+            <a:r>
+              <a:rPr lang="en-US" dirty="0"/>
+              <a:t>Q2</a:t>
+            </a:r>
+          </a:p>
+        </p:txBody>
+      </p:sp>
+      <p:sp>
+        <p:nvSpPr>
+          <p:cNvPr id="5" name="Text Placeholder 4">
+            <a:extLst>
+              <a:ext uri="{FF2B5EF4-FFF2-40B4-BE49-F238E27FC236}">
+                <a16:creationId xmlns:a16="http://schemas.microsoft.com/office/drawing/2014/main" id="{57E386FF-C90F-4484-A843-D4BA75FFF002}"/>
+              </a:ext>
+            </a:extLst>
+          </p:cNvPr>
+          <p:cNvSpPr>
+            <a:spLocks noGrp="1"/>
+          </p:cNvSpPr>
+          <p:nvPr>
+            <p:ph type="body" sz="quarter" idx="15"/>
+          </p:nvPr>
+        </p:nvSpPr>
+        <p:spPr>
+          <a:xfrm>
+            <a:off x="1338556" y="3660422"/>
+            <a:ext cx="2141764" cy="514350"/>
+          </a:xfrm>
+        </p:spPr>
+        <p:txBody>
+          <a:bodyPr/>
+          <a:lstStyle/>
+          <a:p>
+            <a:r>
+              <a:rPr lang="en-US" dirty="0"/>
+              <a:t>Q3</a:t>
+            </a:r>
+          </a:p>
+        </p:txBody>
+      </p:sp>
+      <p:sp>
+        <p:nvSpPr>
+          <p:cNvPr id="6" name="Text Placeholder 5">
+            <a:extLst>
+              <a:ext uri="{FF2B5EF4-FFF2-40B4-BE49-F238E27FC236}">
+                <a16:creationId xmlns:a16="http://schemas.microsoft.com/office/drawing/2014/main" id="{F30780D1-5C1B-411C-81ED-7B9970FCBF8A}"/>
+              </a:ext>
+            </a:extLst>
+          </p:cNvPr>
+          <p:cNvSpPr>
+            <a:spLocks noGrp="1"/>
+          </p:cNvSpPr>
+          <p:nvPr>
+            <p:ph type="body" sz="quarter" idx="16"/>
+          </p:nvPr>
+        </p:nvSpPr>
+        <p:spPr>
+          <a:xfrm>
+            <a:off x="1922756" y="4736748"/>
+            <a:ext cx="2141764" cy="514350"/>
+          </a:xfrm>
+        </p:spPr>
+        <p:txBody>
+          <a:bodyPr/>
+          <a:lstStyle/>
+          <a:p>
+            <a:r>
+              <a:rPr lang="en-US" dirty="0"/>
+              <a:t>Q4</a:t>
+            </a:r>
+          </a:p>
+        </p:txBody>
+      </p:sp>
+      <p:sp>
+        <p:nvSpPr>
+          <p:cNvPr id="12" name="Text Placeholder 11">
+            <a:extLst>
+              <a:ext uri="{FF2B5EF4-FFF2-40B4-BE49-F238E27FC236}">
+                <a16:creationId xmlns:a16="http://schemas.microsoft.com/office/drawing/2014/main" id="{FABE7D8B-D1CD-44C0-AD2D-2ABA67684E97}"/>
+              </a:ext>
+            </a:extLst>
+          </p:cNvPr>
+          <p:cNvSpPr>
+            <a:spLocks noGrp="1"/>
+          </p:cNvSpPr>
+          <p:nvPr>
+            <p:ph type="body" sz="quarter" idx="17"/>
+          </p:nvPr>
+        </p:nvSpPr>
+        <p:spPr>
+          <a:xfrm>
+            <a:off x="4401536" y="1613528"/>
+            <a:ext cx="5102680" cy="1010842"/>
+          </a:xfrm>
+        </p:spPr>
+        <p:txBody>
+          <a:bodyPr>
+            <a:normAutofit/>
+          </a:bodyPr>
+          <a:lstStyle/>
+          <a:p>
+            <a:r>
+              <a:rPr lang="en-US" dirty="0"/>
+              <a:t>Synergize scalable e-commerce</a:t>
+            </a:r>
+          </a:p>
+        </p:txBody>
+      </p:sp>
+      <p:sp>
+        <p:nvSpPr>
+          <p:cNvPr id="13" name="Text Placeholder 12">
+            <a:extLst>
+              <a:ext uri="{FF2B5EF4-FFF2-40B4-BE49-F238E27FC236}">
+                <a16:creationId xmlns:a16="http://schemas.microsoft.com/office/drawing/2014/main" id="{8C2F0B15-120C-423F-8EE5-F303B19D5CC5}"/>
+              </a:ext>
+            </a:extLst>
+          </p:cNvPr>
+          <p:cNvSpPr>
+            <a:spLocks noGrp="1"/>
+          </p:cNvSpPr>
+          <p:nvPr>
+            <p:ph type="body" sz="quarter" idx="18"/>
+          </p:nvPr>
+        </p:nvSpPr>
+        <p:spPr>
+          <a:xfrm>
+            <a:off x="4986029" y="2682564"/>
+            <a:ext cx="5102680" cy="1010842"/>
+          </a:xfrm>
+        </p:spPr>
+        <p:txBody>
+          <a:bodyPr>
+            <a:normAutofit/>
+          </a:bodyPr>
+          <a:lstStyle/>
+          <a:p>
+            <a:r>
+              <a:rPr lang="en-US" dirty="0"/>
+              <a:t>Coordinate e-business applications</a:t>
+            </a:r>
+          </a:p>
+        </p:txBody>
+      </p:sp>
+      <p:sp>
+        <p:nvSpPr>
+          <p:cNvPr id="14" name="Text Placeholder 13">
+            <a:extLst>
+              <a:ext uri="{FF2B5EF4-FFF2-40B4-BE49-F238E27FC236}">
+                <a16:creationId xmlns:a16="http://schemas.microsoft.com/office/drawing/2014/main" id="{300D2644-F516-41F1-A88D-93673EA209A4}"/>
+              </a:ext>
+            </a:extLst>
+          </p:cNvPr>
+          <p:cNvSpPr>
+            <a:spLocks noGrp="1"/>
+          </p:cNvSpPr>
+          <p:nvPr>
+            <p:ph type="body" sz="quarter" idx="19"/>
+          </p:nvPr>
+        </p:nvSpPr>
+        <p:spPr>
+          <a:xfrm>
+            <a:off x="5576938" y="3755394"/>
+            <a:ext cx="5102680" cy="1010842"/>
+          </a:xfrm>
+        </p:spPr>
+        <p:txBody>
+          <a:bodyPr>
+            <a:normAutofit/>
+          </a:bodyPr>
+          <a:lstStyle/>
+          <a:p>
+            <a:r>
+              <a:rPr lang="en-US" dirty="0"/>
+              <a:t>Deploy strategic networks with compelling e-business needs</a:t>
+            </a:r>
+          </a:p>
+        </p:txBody>
+      </p:sp>
+      <p:sp>
+        <p:nvSpPr>
+          <p:cNvPr id="15" name="Text Placeholder 14">
+            <a:extLst>
+              <a:ext uri="{FF2B5EF4-FFF2-40B4-BE49-F238E27FC236}">
+                <a16:creationId xmlns:a16="http://schemas.microsoft.com/office/drawing/2014/main" id="{9405A1F0-98C1-4B11-8D9A-3C009ADC44D0}"/>
+              </a:ext>
+            </a:extLst>
+          </p:cNvPr>
+          <p:cNvSpPr>
+            <a:spLocks noGrp="1"/>
+          </p:cNvSpPr>
+          <p:nvPr>
+            <p:ph type="body" sz="quarter" idx="20"/>
+          </p:nvPr>
+        </p:nvSpPr>
+        <p:spPr>
+          <a:xfrm>
+            <a:off x="6175280" y="4824430"/>
+            <a:ext cx="5102680" cy="1010842"/>
+          </a:xfrm>
+        </p:spPr>
+        <p:txBody>
+          <a:bodyPr>
+            <a:normAutofit/>
+          </a:bodyPr>
+          <a:lstStyle/>
+          <a:p>
+            <a:r>
+              <a:rPr lang="en-US" dirty="0"/>
+              <a:t>Disseminate standardized metrics</a:t>
+            </a:r>
+          </a:p>
+        </p:txBody>
+      </p:sp>
+      <p:sp>
+        <p:nvSpPr>
+          <p:cNvPr id="16" name="Date Placeholder 15">
+            <a:extLst>
+              <a:ext uri="{FF2B5EF4-FFF2-40B4-BE49-F238E27FC236}">
+                <a16:creationId xmlns:a16="http://schemas.microsoft.com/office/drawing/2014/main" id="{24238BD7-9B10-4E64-B1B4-FDE6DD70AA60}"/>
               </a:ext>
             </a:extLst>
           </p:cNvPr>
@@ -15811,10 +15681,10 @@
       </p:sp>
       <p:sp>
         <p:nvSpPr>
-          <p:cNvPr id="7" name="Footer Placeholder 6">
-            <a:extLst>
-              <a:ext uri="{FF2B5EF4-FFF2-40B4-BE49-F238E27FC236}">
-                <a16:creationId xmlns:a16="http://schemas.microsoft.com/office/drawing/2014/main" id="{4E98E6AD-9D37-499C-898E-ED12AC36D31D}"/>
+          <p:cNvPr id="17" name="Footer Placeholder 16">
+            <a:extLst>
+              <a:ext uri="{FF2B5EF4-FFF2-40B4-BE49-F238E27FC236}">
+                <a16:creationId xmlns:a16="http://schemas.microsoft.com/office/drawing/2014/main" id="{CD3D67B7-A821-49FC-94BE-19EDE9D319A5}"/>
               </a:ext>
             </a:extLst>
           </p:cNvPr>
@@ -15827,8 +15697,8 @@
         </p:nvSpPr>
         <p:spPr>
           <a:xfrm>
-            <a:off x="4038600" y="6356350"/>
-            <a:ext cx="4114800" cy="365125"/>
+            <a:off x="6749143" y="6356350"/>
+            <a:ext cx="3775981" cy="365125"/>
           </a:xfrm>
         </p:spPr>
         <p:txBody>
@@ -15844,10 +15714,10 @@
       </p:sp>
       <p:sp>
         <p:nvSpPr>
-          <p:cNvPr id="8" name="Slide Number Placeholder 7">
-            <a:extLst>
-              <a:ext uri="{FF2B5EF4-FFF2-40B4-BE49-F238E27FC236}">
-                <a16:creationId xmlns:a16="http://schemas.microsoft.com/office/drawing/2014/main" id="{92908AF9-2A07-4B50-BC13-471792106EC8}"/>
+          <p:cNvPr id="18" name="Slide Number Placeholder 17">
+            <a:extLst>
+              <a:ext uri="{FF2B5EF4-FFF2-40B4-BE49-F238E27FC236}">
+                <a16:creationId xmlns:a16="http://schemas.microsoft.com/office/drawing/2014/main" id="{C8D6D0E8-3983-4B7D-ADB2-077E17AD3BD0}"/>
               </a:ext>
             </a:extLst>
           </p:cNvPr>
@@ -15860,8 +15730,8 @@
         </p:nvSpPr>
         <p:spPr>
           <a:xfrm>
-            <a:off x="8610600" y="6356350"/>
-            <a:ext cx="2743200" cy="365125"/>
+            <a:off x="10810874" y="6356350"/>
+            <a:ext cx="542925" cy="365125"/>
           </a:xfrm>
         </p:spPr>
         <p:txBody>
@@ -15880,7 +15750,7 @@
     </p:spTree>
     <p:extLst>
       <p:ext uri="{BB962C8B-B14F-4D97-AF65-F5344CB8AC3E}">
-        <p14:creationId xmlns:p14="http://schemas.microsoft.com/office/powerpoint/2010/main" val="2896385493"/>
+        <p14:creationId xmlns:p14="http://schemas.microsoft.com/office/powerpoint/2010/main" val="332104327"/>
       </p:ext>
     </p:extLst>
   </p:cSld>
@@ -15912,7 +15782,7 @@
           <p:cNvPr id="2" name="Title 1">
             <a:extLst>
               <a:ext uri="{FF2B5EF4-FFF2-40B4-BE49-F238E27FC236}">
-                <a16:creationId xmlns:a16="http://schemas.microsoft.com/office/drawing/2014/main" id="{FA93DB88-62DD-4C41-977F-D59BEF14EE76}"/>
+                <a16:creationId xmlns:a16="http://schemas.microsoft.com/office/drawing/2014/main" id="{09140014-73D5-419B-8867-972BB18D52D4}"/>
               </a:ext>
             </a:extLst>
           </p:cNvPr>
@@ -15925,8 +15795,8 @@
         </p:nvSpPr>
         <p:spPr>
           <a:xfrm>
-            <a:off x="838200" y="5509419"/>
-            <a:ext cx="4082142" cy="585788"/>
+            <a:off x="2933700" y="892177"/>
+            <a:ext cx="8421688" cy="1325563"/>
           </a:xfrm>
         </p:spPr>
         <p:txBody>
@@ -15935,7 +15805,7 @@
           <a:p>
             <a:r>
               <a:rPr lang="en-US" dirty="0"/>
-              <a:t>TIMELINE</a:t>
+              <a:t>AREAS OF FOCUS</a:t>
             </a:r>
           </a:p>
         </p:txBody>
@@ -15945,21 +15815,21 @@
           <p:cNvPr id="3" name="Text Placeholder 2">
             <a:extLst>
               <a:ext uri="{FF2B5EF4-FFF2-40B4-BE49-F238E27FC236}">
-                <a16:creationId xmlns:a16="http://schemas.microsoft.com/office/drawing/2014/main" id="{AEF37E83-2D8B-42EF-A2C4-5D2BBDB1F05B}"/>
-              </a:ext>
-            </a:extLst>
-          </p:cNvPr>
-          <p:cNvSpPr>
-            <a:spLocks noGrp="1"/>
-          </p:cNvSpPr>
-          <p:nvPr>
-            <p:ph type="body" sz="quarter" idx="13"/>
-          </p:nvPr>
-        </p:nvSpPr>
-        <p:spPr>
-          <a:xfrm>
-            <a:off x="166074" y="1507772"/>
-            <a:ext cx="2141764" cy="514350"/>
+                <a16:creationId xmlns:a16="http://schemas.microsoft.com/office/drawing/2014/main" id="{A45AD8B9-3719-4696-A80F-16A618C5D134}"/>
+              </a:ext>
+            </a:extLst>
+          </p:cNvPr>
+          <p:cNvSpPr>
+            <a:spLocks noGrp="1"/>
+          </p:cNvSpPr>
+          <p:nvPr>
+            <p:ph type="body" idx="1"/>
+          </p:nvPr>
+        </p:nvSpPr>
+        <p:spPr>
+          <a:xfrm>
+            <a:off x="2933700" y="2776936"/>
+            <a:ext cx="3924300" cy="823912"/>
           </a:xfrm>
         </p:spPr>
         <p:txBody>
@@ -15968,130 +15838,31 @@
           <a:p>
             <a:r>
               <a:rPr lang="en-US" dirty="0"/>
-              <a:t>Q1</a:t>
-            </a:r>
-          </a:p>
-        </p:txBody>
-      </p:sp>
-      <p:sp>
-        <p:nvSpPr>
-          <p:cNvPr id="4" name="Text Placeholder 3">
-            <a:extLst>
-              <a:ext uri="{FF2B5EF4-FFF2-40B4-BE49-F238E27FC236}">
-                <a16:creationId xmlns:a16="http://schemas.microsoft.com/office/drawing/2014/main" id="{B0D77839-2CFD-4BC8-85DA-9EE69CCE1B20}"/>
-              </a:ext>
-            </a:extLst>
-          </p:cNvPr>
-          <p:cNvSpPr>
-            <a:spLocks noGrp="1"/>
-          </p:cNvSpPr>
-          <p:nvPr>
-            <p:ph type="body" sz="quarter" idx="14"/>
-          </p:nvPr>
-        </p:nvSpPr>
-        <p:spPr>
-          <a:xfrm>
-            <a:off x="732131" y="2584097"/>
-            <a:ext cx="2141764" cy="514350"/>
-          </a:xfrm>
-        </p:spPr>
-        <p:txBody>
-          <a:bodyPr/>
-          <a:lstStyle/>
-          <a:p>
-            <a:r>
-              <a:rPr lang="en-US" dirty="0"/>
-              <a:t>Q2</a:t>
-            </a:r>
-          </a:p>
-        </p:txBody>
-      </p:sp>
-      <p:sp>
-        <p:nvSpPr>
-          <p:cNvPr id="5" name="Text Placeholder 4">
-            <a:extLst>
-              <a:ext uri="{FF2B5EF4-FFF2-40B4-BE49-F238E27FC236}">
-                <a16:creationId xmlns:a16="http://schemas.microsoft.com/office/drawing/2014/main" id="{57E386FF-C90F-4484-A843-D4BA75FFF002}"/>
-              </a:ext>
-            </a:extLst>
-          </p:cNvPr>
-          <p:cNvSpPr>
-            <a:spLocks noGrp="1"/>
-          </p:cNvSpPr>
-          <p:nvPr>
-            <p:ph type="body" sz="quarter" idx="15"/>
-          </p:nvPr>
-        </p:nvSpPr>
-        <p:spPr>
-          <a:xfrm>
-            <a:off x="1338556" y="3660422"/>
-            <a:ext cx="2141764" cy="514350"/>
-          </a:xfrm>
-        </p:spPr>
-        <p:txBody>
-          <a:bodyPr/>
-          <a:lstStyle/>
-          <a:p>
-            <a:r>
-              <a:rPr lang="en-US" dirty="0"/>
-              <a:t>Q3</a:t>
-            </a:r>
-          </a:p>
-        </p:txBody>
-      </p:sp>
-      <p:sp>
-        <p:nvSpPr>
-          <p:cNvPr id="6" name="Text Placeholder 5">
-            <a:extLst>
-              <a:ext uri="{FF2B5EF4-FFF2-40B4-BE49-F238E27FC236}">
-                <a16:creationId xmlns:a16="http://schemas.microsoft.com/office/drawing/2014/main" id="{F30780D1-5C1B-411C-81ED-7B9970FCBF8A}"/>
-              </a:ext>
-            </a:extLst>
-          </p:cNvPr>
-          <p:cNvSpPr>
-            <a:spLocks noGrp="1"/>
-          </p:cNvSpPr>
-          <p:nvPr>
-            <p:ph type="body" sz="quarter" idx="16"/>
-          </p:nvPr>
-        </p:nvSpPr>
-        <p:spPr>
-          <a:xfrm>
-            <a:off x="1922756" y="4736748"/>
-            <a:ext cx="2141764" cy="514350"/>
-          </a:xfrm>
-        </p:spPr>
-        <p:txBody>
-          <a:bodyPr/>
-          <a:lstStyle/>
-          <a:p>
-            <a:r>
-              <a:rPr lang="en-US" dirty="0"/>
-              <a:t>Q4</a:t>
-            </a:r>
-          </a:p>
-        </p:txBody>
-      </p:sp>
-      <p:sp>
-        <p:nvSpPr>
-          <p:cNvPr id="12" name="Text Placeholder 11">
-            <a:extLst>
-              <a:ext uri="{FF2B5EF4-FFF2-40B4-BE49-F238E27FC236}">
-                <a16:creationId xmlns:a16="http://schemas.microsoft.com/office/drawing/2014/main" id="{FABE7D8B-D1CD-44C0-AD2D-2ABA67684E97}"/>
-              </a:ext>
-            </a:extLst>
-          </p:cNvPr>
-          <p:cNvSpPr>
-            <a:spLocks noGrp="1"/>
-          </p:cNvSpPr>
-          <p:nvPr>
-            <p:ph type="body" sz="quarter" idx="17"/>
-          </p:nvPr>
-        </p:nvSpPr>
-        <p:spPr>
-          <a:xfrm>
-            <a:off x="4401536" y="1613528"/>
-            <a:ext cx="5102680" cy="1010842"/>
+              <a:t>B2B MARKET SCENARIOS</a:t>
+            </a:r>
+          </a:p>
+        </p:txBody>
+      </p:sp>
+      <p:sp>
+        <p:nvSpPr>
+          <p:cNvPr id="4" name="Content Placeholder 3">
+            <a:extLst>
+              <a:ext uri="{FF2B5EF4-FFF2-40B4-BE49-F238E27FC236}">
+                <a16:creationId xmlns:a16="http://schemas.microsoft.com/office/drawing/2014/main" id="{33D8731E-4977-402E-8BFD-895B4D0544CC}"/>
+              </a:ext>
+            </a:extLst>
+          </p:cNvPr>
+          <p:cNvSpPr>
+            <a:spLocks noGrp="1"/>
+          </p:cNvSpPr>
+          <p:nvPr>
+            <p:ph sz="half" idx="2"/>
+          </p:nvPr>
+        </p:nvSpPr>
+        <p:spPr>
+          <a:xfrm>
+            <a:off x="2933700" y="3834606"/>
+            <a:ext cx="3924300" cy="1997867"/>
           </a:xfrm>
         </p:spPr>
         <p:txBody>
@@ -16102,31 +15873,76 @@
           <a:p>
             <a:r>
               <a:rPr lang="en-US" dirty="0"/>
-              <a:t>Synergize scalable e-commerce</a:t>
-            </a:r>
-          </a:p>
-        </p:txBody>
-      </p:sp>
-      <p:sp>
-        <p:nvSpPr>
-          <p:cNvPr id="13" name="Text Placeholder 12">
-            <a:extLst>
-              <a:ext uri="{FF2B5EF4-FFF2-40B4-BE49-F238E27FC236}">
-                <a16:creationId xmlns:a16="http://schemas.microsoft.com/office/drawing/2014/main" id="{8C2F0B15-120C-423F-8EE5-F303B19D5CC5}"/>
-              </a:ext>
-            </a:extLst>
-          </p:cNvPr>
-          <p:cNvSpPr>
-            <a:spLocks noGrp="1"/>
-          </p:cNvSpPr>
-          <p:nvPr>
-            <p:ph type="body" sz="quarter" idx="18"/>
-          </p:nvPr>
-        </p:nvSpPr>
-        <p:spPr>
-          <a:xfrm>
-            <a:off x="4986029" y="2682564"/>
-            <a:ext cx="5102680" cy="1010842"/>
+              <a:t>Develop winning strategies to keep ahead of the competition</a:t>
+            </a:r>
+          </a:p>
+          <a:p>
+            <a:r>
+              <a:rPr lang="en-US" dirty="0"/>
+              <a:t>​Capitalize on low hanging fruit to identify a ballpark value</a:t>
+            </a:r>
+          </a:p>
+          <a:p>
+            <a:r>
+              <a:rPr lang="en-US" dirty="0"/>
+              <a:t>​Visualize customer directed convergence​</a:t>
+            </a:r>
+          </a:p>
+        </p:txBody>
+      </p:sp>
+      <p:sp>
+        <p:nvSpPr>
+          <p:cNvPr id="5" name="Text Placeholder 4">
+            <a:extLst>
+              <a:ext uri="{FF2B5EF4-FFF2-40B4-BE49-F238E27FC236}">
+                <a16:creationId xmlns:a16="http://schemas.microsoft.com/office/drawing/2014/main" id="{91CDEC5F-B8EE-4BC1-843F-13135E6E7AB2}"/>
+              </a:ext>
+            </a:extLst>
+          </p:cNvPr>
+          <p:cNvSpPr>
+            <a:spLocks noGrp="1"/>
+          </p:cNvSpPr>
+          <p:nvPr>
+            <p:ph type="body" sz="quarter" idx="3"/>
+          </p:nvPr>
+        </p:nvSpPr>
+        <p:spPr>
+          <a:xfrm>
+            <a:off x="7410173" y="2776936"/>
+            <a:ext cx="3943627" cy="823912"/>
+          </a:xfrm>
+        </p:spPr>
+        <p:txBody>
+          <a:bodyPr/>
+          <a:lstStyle/>
+          <a:p>
+            <a:r>
+              <a:rPr lang="en-US" dirty="0"/>
+              <a:t>CLOUD-BASED OPPORTUNITIES</a:t>
+            </a:r>
+          </a:p>
+        </p:txBody>
+      </p:sp>
+      <p:sp>
+        <p:nvSpPr>
+          <p:cNvPr id="6" name="Content Placeholder 5">
+            <a:extLst>
+              <a:ext uri="{FF2B5EF4-FFF2-40B4-BE49-F238E27FC236}">
+                <a16:creationId xmlns:a16="http://schemas.microsoft.com/office/drawing/2014/main" id="{50B65871-FA95-449A-B8BC-90486DE532EF}"/>
+              </a:ext>
+            </a:extLst>
+          </p:cNvPr>
+          <p:cNvSpPr>
+            <a:spLocks noGrp="1"/>
+          </p:cNvSpPr>
+          <p:nvPr>
+            <p:ph sz="quarter" idx="4"/>
+          </p:nvPr>
+        </p:nvSpPr>
+        <p:spPr>
+          <a:xfrm>
+            <a:off x="7410173" y="3834606"/>
+            <a:ext cx="3943627" cy="1997867"/>
           </a:xfrm>
         </p:spPr>
         <p:txBody>
@@ -16137,87 +15953,23 @@
           <a:p>
             <a:r>
               <a:rPr lang="en-US" dirty="0"/>
-              <a:t>Coordinate e-business applications</a:t>
-            </a:r>
-          </a:p>
-        </p:txBody>
-      </p:sp>
-      <p:sp>
-        <p:nvSpPr>
-          <p:cNvPr id="14" name="Text Placeholder 13">
-            <a:extLst>
-              <a:ext uri="{FF2B5EF4-FFF2-40B4-BE49-F238E27FC236}">
-                <a16:creationId xmlns:a16="http://schemas.microsoft.com/office/drawing/2014/main" id="{300D2644-F516-41F1-A88D-93673EA209A4}"/>
-              </a:ext>
-            </a:extLst>
-          </p:cNvPr>
-          <p:cNvSpPr>
-            <a:spLocks noGrp="1"/>
-          </p:cNvSpPr>
-          <p:nvPr>
-            <p:ph type="body" sz="quarter" idx="19"/>
-          </p:nvPr>
-        </p:nvSpPr>
-        <p:spPr>
-          <a:xfrm>
-            <a:off x="5576938" y="3755394"/>
-            <a:ext cx="5102680" cy="1010842"/>
-          </a:xfrm>
-        </p:spPr>
-        <p:txBody>
-          <a:bodyPr>
-            <a:normAutofit/>
-          </a:bodyPr>
-          <a:lstStyle/>
+              <a:t>Iterative approaches to corporate strategy</a:t>
+            </a:r>
+          </a:p>
           <a:p>
             <a:r>
               <a:rPr lang="en-US" dirty="0"/>
-              <a:t>Deploy strategic networks with compelling e-business needs</a:t>
-            </a:r>
-          </a:p>
-        </p:txBody>
-      </p:sp>
-      <p:sp>
-        <p:nvSpPr>
-          <p:cNvPr id="15" name="Text Placeholder 14">
-            <a:extLst>
-              <a:ext uri="{FF2B5EF4-FFF2-40B4-BE49-F238E27FC236}">
-                <a16:creationId xmlns:a16="http://schemas.microsoft.com/office/drawing/2014/main" id="{9405A1F0-98C1-4B11-8D9A-3C009ADC44D0}"/>
-              </a:ext>
-            </a:extLst>
-          </p:cNvPr>
-          <p:cNvSpPr>
-            <a:spLocks noGrp="1"/>
-          </p:cNvSpPr>
-          <p:nvPr>
-            <p:ph type="body" sz="quarter" idx="20"/>
-          </p:nvPr>
-        </p:nvSpPr>
-        <p:spPr>
-          <a:xfrm>
-            <a:off x="6175280" y="4824430"/>
-            <a:ext cx="5102680" cy="1010842"/>
-          </a:xfrm>
-        </p:spPr>
-        <p:txBody>
-          <a:bodyPr>
-            <a:normAutofit/>
-          </a:bodyPr>
-          <a:lstStyle/>
-          <a:p>
-            <a:r>
-              <a:rPr lang="en-US" dirty="0"/>
-              <a:t>Disseminate standardized metrics</a:t>
-            </a:r>
-          </a:p>
-        </p:txBody>
-      </p:sp>
-      <p:sp>
-        <p:nvSpPr>
-          <p:cNvPr id="16" name="Date Placeholder 15">
-            <a:extLst>
-              <a:ext uri="{FF2B5EF4-FFF2-40B4-BE49-F238E27FC236}">
-                <a16:creationId xmlns:a16="http://schemas.microsoft.com/office/drawing/2014/main" id="{24238BD7-9B10-4E64-B1B4-FDE6DD70AA60}"/>
+              <a:t>​Establish a management framework from the inside​</a:t>
+            </a:r>
+          </a:p>
+        </p:txBody>
+      </p:sp>
+      <p:sp>
+        <p:nvSpPr>
+          <p:cNvPr id="7" name="Date Placeholder 6">
+            <a:extLst>
+              <a:ext uri="{FF2B5EF4-FFF2-40B4-BE49-F238E27FC236}">
+                <a16:creationId xmlns:a16="http://schemas.microsoft.com/office/drawing/2014/main" id="{B2A46C4A-D036-4440-BB64-6754F4FF27C1}"/>
               </a:ext>
             </a:extLst>
           </p:cNvPr>
@@ -16247,10 +15999,10 @@
       </p:sp>
       <p:sp>
         <p:nvSpPr>
-          <p:cNvPr id="17" name="Footer Placeholder 16">
-            <a:extLst>
-              <a:ext uri="{FF2B5EF4-FFF2-40B4-BE49-F238E27FC236}">
-                <a16:creationId xmlns:a16="http://schemas.microsoft.com/office/drawing/2014/main" id="{CD3D67B7-A821-49FC-94BE-19EDE9D319A5}"/>
+          <p:cNvPr id="8" name="Footer Placeholder 7">
+            <a:extLst>
+              <a:ext uri="{FF2B5EF4-FFF2-40B4-BE49-F238E27FC236}">
+                <a16:creationId xmlns:a16="http://schemas.microsoft.com/office/drawing/2014/main" id="{905F172A-5D5D-43CD-A187-DA0D303F4144}"/>
               </a:ext>
             </a:extLst>
           </p:cNvPr>
@@ -16263,8 +16015,8 @@
         </p:nvSpPr>
         <p:spPr>
           <a:xfrm>
-            <a:off x="6749143" y="6356350"/>
-            <a:ext cx="3775981" cy="365125"/>
+            <a:off x="4038600" y="6356350"/>
+            <a:ext cx="4114800" cy="365125"/>
           </a:xfrm>
         </p:spPr>
         <p:txBody>
@@ -16280,10 +16032,10 @@
       </p:sp>
       <p:sp>
         <p:nvSpPr>
-          <p:cNvPr id="18" name="Slide Number Placeholder 17">
-            <a:extLst>
-              <a:ext uri="{FF2B5EF4-FFF2-40B4-BE49-F238E27FC236}">
-                <a16:creationId xmlns:a16="http://schemas.microsoft.com/office/drawing/2014/main" id="{C8D6D0E8-3983-4B7D-ADB2-077E17AD3BD0}"/>
+          <p:cNvPr id="9" name="Slide Number Placeholder 8">
+            <a:extLst>
+              <a:ext uri="{FF2B5EF4-FFF2-40B4-BE49-F238E27FC236}">
+                <a16:creationId xmlns:a16="http://schemas.microsoft.com/office/drawing/2014/main" id="{C396FFDC-ADE8-4009-A466-A81787258E88}"/>
               </a:ext>
             </a:extLst>
           </p:cNvPr>
@@ -16296,8 +16048,8 @@
         </p:nvSpPr>
         <p:spPr>
           <a:xfrm>
-            <a:off x="10810874" y="6356350"/>
-            <a:ext cx="542925" cy="365125"/>
+            <a:off x="8610600" y="6356350"/>
+            <a:ext cx="2743200" cy="365125"/>
           </a:xfrm>
         </p:spPr>
         <p:txBody>
@@ -16316,7 +16068,7 @@
     </p:spTree>
     <p:extLst>
       <p:ext uri="{BB962C8B-B14F-4D97-AF65-F5344CB8AC3E}">
-        <p14:creationId xmlns:p14="http://schemas.microsoft.com/office/powerpoint/2010/main" val="332104327"/>
+        <p14:creationId xmlns:p14="http://schemas.microsoft.com/office/powerpoint/2010/main" val="1663780162"/>
       </p:ext>
     </p:extLst>
   </p:cSld>
@@ -16348,7 +16100,7 @@
           <p:cNvPr id="2" name="Title 1">
             <a:extLst>
               <a:ext uri="{FF2B5EF4-FFF2-40B4-BE49-F238E27FC236}">
-                <a16:creationId xmlns:a16="http://schemas.microsoft.com/office/drawing/2014/main" id="{09140014-73D5-419B-8867-972BB18D52D4}"/>
+                <a16:creationId xmlns:a16="http://schemas.microsoft.com/office/drawing/2014/main" id="{C4CA0637-CCAA-425E-A57A-6205AFDC8B8C}"/>
               </a:ext>
             </a:extLst>
           </p:cNvPr>
@@ -16361,7 +16113,7 @@
         </p:nvSpPr>
         <p:spPr>
           <a:xfrm>
-            <a:off x="2933700" y="892177"/>
+            <a:off x="1885156" y="892177"/>
             <a:ext cx="8421688" cy="1325563"/>
           </a:xfrm>
         </p:spPr>
@@ -16371,7 +16123,7 @@
           <a:p>
             <a:r>
               <a:rPr lang="en-US" dirty="0"/>
-              <a:t>AREAS OF FOCUS</a:t>
+              <a:t>HOW WE GET THERE</a:t>
             </a:r>
           </a:p>
         </p:txBody>
@@ -16381,7 +16133,7 @@
           <p:cNvPr id="3" name="Text Placeholder 2">
             <a:extLst>
               <a:ext uri="{FF2B5EF4-FFF2-40B4-BE49-F238E27FC236}">
-                <a16:creationId xmlns:a16="http://schemas.microsoft.com/office/drawing/2014/main" id="{A45AD8B9-3719-4696-A80F-16A618C5D134}"/>
+                <a16:creationId xmlns:a16="http://schemas.microsoft.com/office/drawing/2014/main" id="{D851C395-6BC4-4F00-B40B-069DBBB7C08B}"/>
               </a:ext>
             </a:extLst>
           </p:cNvPr>
@@ -16394,8 +16146,8 @@
         </p:nvSpPr>
         <p:spPr>
           <a:xfrm>
-            <a:off x="2933700" y="2776936"/>
-            <a:ext cx="3924300" cy="823912"/>
+            <a:off x="1243104" y="2776936"/>
+            <a:ext cx="2882475" cy="823912"/>
           </a:xfrm>
         </p:spPr>
         <p:txBody>
@@ -16404,7 +16156,7 @@
           <a:p>
             <a:r>
               <a:rPr lang="en-US" dirty="0"/>
-              <a:t>B2B MARKET SCENARIOS</a:t>
+              <a:t>ROI</a:t>
             </a:r>
           </a:p>
         </p:txBody>
@@ -16414,7 +16166,7 @@
           <p:cNvPr id="4" name="Content Placeholder 3">
             <a:extLst>
               <a:ext uri="{FF2B5EF4-FFF2-40B4-BE49-F238E27FC236}">
-                <a16:creationId xmlns:a16="http://schemas.microsoft.com/office/drawing/2014/main" id="{33D8731E-4977-402E-8BFD-895B4D0544CC}"/>
+                <a16:creationId xmlns:a16="http://schemas.microsoft.com/office/drawing/2014/main" id="{A1D16151-9486-4A03-AE3A-F1CC562E0564}"/>
               </a:ext>
             </a:extLst>
           </p:cNvPr>
@@ -16427,8 +16179,8 @@
         </p:nvSpPr>
         <p:spPr>
           <a:xfrm>
-            <a:off x="2933700" y="3834606"/>
-            <a:ext cx="3924300" cy="1997867"/>
+            <a:off x="1243104" y="3834606"/>
+            <a:ext cx="2882475" cy="1997867"/>
           </a:xfrm>
         </p:spPr>
         <p:txBody>
@@ -16439,19 +16191,13 @@
           <a:p>
             <a:r>
               <a:rPr lang="en-US" dirty="0"/>
-              <a:t>Develop winning strategies to keep ahead of the competition</a:t>
+              <a:t>Envision multimedia-based expertise and cross-media growth strategies​</a:t>
             </a:r>
           </a:p>
           <a:p>
             <a:r>
               <a:rPr lang="en-US" dirty="0"/>
-              <a:t>​Capitalize on low hanging fruit to identify a ballpark value</a:t>
-            </a:r>
-          </a:p>
-          <a:p>
-            <a:r>
-              <a:rPr lang="en-US" dirty="0"/>
-              <a:t>​Visualize customer directed convergence​</a:t>
+              <a:t>​Engage worldwide methodologies with web-enabled technologies​</a:t>
             </a:r>
           </a:p>
         </p:txBody>
@@ -16461,7 +16207,7 @@
           <p:cNvPr id="5" name="Text Placeholder 4">
             <a:extLst>
               <a:ext uri="{FF2B5EF4-FFF2-40B4-BE49-F238E27FC236}">
-                <a16:creationId xmlns:a16="http://schemas.microsoft.com/office/drawing/2014/main" id="{91CDEC5F-B8EE-4BC1-843F-13135E6E7AB2}"/>
+                <a16:creationId xmlns:a16="http://schemas.microsoft.com/office/drawing/2014/main" id="{DDE59236-37DD-4582-A2A0-3F9A13A3B55D}"/>
               </a:ext>
             </a:extLst>
           </p:cNvPr>
@@ -16474,8 +16220,8 @@
         </p:nvSpPr>
         <p:spPr>
           <a:xfrm>
-            <a:off x="7410173" y="2776936"/>
-            <a:ext cx="3943627" cy="823912"/>
+            <a:off x="4647665" y="2776936"/>
+            <a:ext cx="2896671" cy="823912"/>
           </a:xfrm>
         </p:spPr>
         <p:txBody>
@@ -16484,7 +16230,7 @@
           <a:p>
             <a:r>
               <a:rPr lang="en-US" dirty="0"/>
-              <a:t>CLOUD-BASED OPPORTUNITIES</a:t>
+              <a:t>NICHE MARKETS </a:t>
             </a:r>
           </a:p>
         </p:txBody>
@@ -16494,7 +16240,7 @@
           <p:cNvPr id="6" name="Content Placeholder 5">
             <a:extLst>
               <a:ext uri="{FF2B5EF4-FFF2-40B4-BE49-F238E27FC236}">
-                <a16:creationId xmlns:a16="http://schemas.microsoft.com/office/drawing/2014/main" id="{50B65871-FA95-449A-B8BC-90486DE532EF}"/>
+                <a16:creationId xmlns:a16="http://schemas.microsoft.com/office/drawing/2014/main" id="{DE1CCF0F-F0BB-42D7-B3C2-C29336739F32}"/>
               </a:ext>
             </a:extLst>
           </p:cNvPr>
@@ -16507,8 +16253,8 @@
         </p:nvSpPr>
         <p:spPr>
           <a:xfrm>
-            <a:off x="7410173" y="3834606"/>
-            <a:ext cx="3943627" cy="1997867"/>
+            <a:off x="4647665" y="3834606"/>
+            <a:ext cx="2896671" cy="1997867"/>
           </a:xfrm>
         </p:spPr>
         <p:txBody>
@@ -16519,23 +16265,97 @@
           <a:p>
             <a:r>
               <a:rPr lang="en-US" dirty="0"/>
-              <a:t>Iterative approaches to corporate strategy</a:t>
+              <a:t>Pursue scalable customer service through sustainable strategies​</a:t>
             </a:r>
           </a:p>
           <a:p>
             <a:r>
               <a:rPr lang="en-US" dirty="0"/>
-              <a:t>​Establish a management framework from the inside​</a:t>
-            </a:r>
-          </a:p>
-        </p:txBody>
-      </p:sp>
-      <p:sp>
-        <p:nvSpPr>
-          <p:cNvPr id="7" name="Date Placeholder 6">
-            <a:extLst>
-              <a:ext uri="{FF2B5EF4-FFF2-40B4-BE49-F238E27FC236}">
-                <a16:creationId xmlns:a16="http://schemas.microsoft.com/office/drawing/2014/main" id="{B2A46C4A-D036-4440-BB64-6754F4FF27C1}"/>
+              <a:t>Engage top-line web services with cutting-edge deliverables​​​</a:t>
+            </a:r>
+          </a:p>
+        </p:txBody>
+      </p:sp>
+      <p:sp>
+        <p:nvSpPr>
+          <p:cNvPr id="7" name="Text Placeholder 6">
+            <a:extLst>
+              <a:ext uri="{FF2B5EF4-FFF2-40B4-BE49-F238E27FC236}">
+                <a16:creationId xmlns:a16="http://schemas.microsoft.com/office/drawing/2014/main" id="{1F939793-2181-4A3D-9C5A-CE676CC83EC0}"/>
+              </a:ext>
+            </a:extLst>
+          </p:cNvPr>
+          <p:cNvSpPr>
+            <a:spLocks noGrp="1"/>
+          </p:cNvSpPr>
+          <p:nvPr>
+            <p:ph type="body" idx="13"/>
+          </p:nvPr>
+        </p:nvSpPr>
+        <p:spPr>
+          <a:xfrm>
+            <a:off x="8066421" y="2776936"/>
+            <a:ext cx="2882475" cy="823912"/>
+          </a:xfrm>
+        </p:spPr>
+        <p:txBody>
+          <a:bodyPr/>
+          <a:lstStyle/>
+          <a:p>
+            <a:r>
+              <a:rPr lang="en-US" dirty="0"/>
+              <a:t>SUPPLY CHAINS</a:t>
+            </a:r>
+          </a:p>
+        </p:txBody>
+      </p:sp>
+      <p:sp>
+        <p:nvSpPr>
+          <p:cNvPr id="8" name="Content Placeholder 7">
+            <a:extLst>
+              <a:ext uri="{FF2B5EF4-FFF2-40B4-BE49-F238E27FC236}">
+                <a16:creationId xmlns:a16="http://schemas.microsoft.com/office/drawing/2014/main" id="{C9FA0B0D-7B36-4D63-86BD-20E6E1B6A0D8}"/>
+              </a:ext>
+            </a:extLst>
+          </p:cNvPr>
+          <p:cNvSpPr>
+            <a:spLocks noGrp="1"/>
+          </p:cNvSpPr>
+          <p:nvPr>
+            <p:ph sz="half" idx="14"/>
+          </p:nvPr>
+        </p:nvSpPr>
+        <p:spPr>
+          <a:xfrm>
+            <a:off x="8066421" y="3834606"/>
+            <a:ext cx="2882475" cy="1997867"/>
+          </a:xfrm>
+        </p:spPr>
+        <p:txBody>
+          <a:bodyPr>
+            <a:normAutofit/>
+          </a:bodyPr>
+          <a:lstStyle/>
+          <a:p>
+            <a:r>
+              <a:rPr lang="en-US" dirty="0"/>
+              <a:t>Cultivate one-to-one customer service with robust ideas​</a:t>
+            </a:r>
+          </a:p>
+          <a:p>
+            <a:r>
+              <a:rPr lang="en-US" dirty="0"/>
+              <a:t>Maximize timely deliverables for real-time schemas​</a:t>
+            </a:r>
+          </a:p>
+        </p:txBody>
+      </p:sp>
+      <p:sp>
+        <p:nvSpPr>
+          <p:cNvPr id="9" name="Date Placeholder 8">
+            <a:extLst>
+              <a:ext uri="{FF2B5EF4-FFF2-40B4-BE49-F238E27FC236}">
+                <a16:creationId xmlns:a16="http://schemas.microsoft.com/office/drawing/2014/main" id="{B86AD343-7149-4E7C-BD28-3080F25980CF}"/>
               </a:ext>
             </a:extLst>
           </p:cNvPr>
@@ -16565,10 +16385,10 @@
       </p:sp>
       <p:sp>
         <p:nvSpPr>
-          <p:cNvPr id="8" name="Footer Placeholder 7">
-            <a:extLst>
-              <a:ext uri="{FF2B5EF4-FFF2-40B4-BE49-F238E27FC236}">
-                <a16:creationId xmlns:a16="http://schemas.microsoft.com/office/drawing/2014/main" id="{905F172A-5D5D-43CD-A187-DA0D303F4144}"/>
+          <p:cNvPr id="10" name="Footer Placeholder 9">
+            <a:extLst>
+              <a:ext uri="{FF2B5EF4-FFF2-40B4-BE49-F238E27FC236}">
+                <a16:creationId xmlns:a16="http://schemas.microsoft.com/office/drawing/2014/main" id="{A865CC01-A53B-495A-820C-BEC2680EDC42}"/>
               </a:ext>
             </a:extLst>
           </p:cNvPr>
@@ -16598,10 +16418,10 @@
       </p:sp>
       <p:sp>
         <p:nvSpPr>
-          <p:cNvPr id="9" name="Slide Number Placeholder 8">
-            <a:extLst>
-              <a:ext uri="{FF2B5EF4-FFF2-40B4-BE49-F238E27FC236}">
-                <a16:creationId xmlns:a16="http://schemas.microsoft.com/office/drawing/2014/main" id="{C396FFDC-ADE8-4009-A466-A81787258E88}"/>
+          <p:cNvPr id="11" name="Slide Number Placeholder 10">
+            <a:extLst>
+              <a:ext uri="{FF2B5EF4-FFF2-40B4-BE49-F238E27FC236}">
+                <a16:creationId xmlns:a16="http://schemas.microsoft.com/office/drawing/2014/main" id="{7AE81C1E-A7C3-40CD-9C11-0C03A2221292}"/>
               </a:ext>
             </a:extLst>
           </p:cNvPr>
@@ -16634,7 +16454,7 @@
     </p:spTree>
     <p:extLst>
       <p:ext uri="{BB962C8B-B14F-4D97-AF65-F5344CB8AC3E}">
-        <p14:creationId xmlns:p14="http://schemas.microsoft.com/office/powerpoint/2010/main" val="1663780162"/>
+        <p14:creationId xmlns:p14="http://schemas.microsoft.com/office/powerpoint/2010/main" val="1429429409"/>
       </p:ext>
     </p:extLst>
   </p:cSld>
@@ -16666,7 +16486,7 @@
           <p:cNvPr id="2" name="Title 1">
             <a:extLst>
               <a:ext uri="{FF2B5EF4-FFF2-40B4-BE49-F238E27FC236}">
-                <a16:creationId xmlns:a16="http://schemas.microsoft.com/office/drawing/2014/main" id="{C4CA0637-CCAA-425E-A57A-6205AFDC8B8C}"/>
+                <a16:creationId xmlns:a16="http://schemas.microsoft.com/office/drawing/2014/main" id="{4518FC28-E0BD-4387-B8BE-9965D1A57FF1}"/>
               </a:ext>
             </a:extLst>
           </p:cNvPr>
@@ -16679,8 +16499,8 @@
         </p:nvSpPr>
         <p:spPr>
           <a:xfrm>
-            <a:off x="1885156" y="892177"/>
-            <a:ext cx="8421688" cy="1325563"/>
+            <a:off x="5476875" y="1671639"/>
+            <a:ext cx="5111750" cy="1204912"/>
           </a:xfrm>
         </p:spPr>
         <p:txBody>
@@ -16689,7 +16509,7 @@
           <a:p>
             <a:r>
               <a:rPr lang="en-US" dirty="0"/>
-              <a:t>HOW WE GET THERE</a:t>
+              <a:t>SUMMARY</a:t>
             </a:r>
           </a:p>
         </p:txBody>
@@ -16699,7 +16519,7 @@
           <p:cNvPr id="3" name="Text Placeholder 2">
             <a:extLst>
               <a:ext uri="{FF2B5EF4-FFF2-40B4-BE49-F238E27FC236}">
-                <a16:creationId xmlns:a16="http://schemas.microsoft.com/office/drawing/2014/main" id="{D851C395-6BC4-4F00-B40B-069DBBB7C08B}"/>
+                <a16:creationId xmlns:a16="http://schemas.microsoft.com/office/drawing/2014/main" id="{FED19BCA-B61F-4EA6-A1FB-CCA3BD8506FB}"/>
               </a:ext>
             </a:extLst>
           </p:cNvPr>
@@ -16712,41 +16532,8 @@
         </p:nvSpPr>
         <p:spPr>
           <a:xfrm>
-            <a:off x="1243104" y="2776936"/>
-            <a:ext cx="2882475" cy="823912"/>
-          </a:xfrm>
-        </p:spPr>
-        <p:txBody>
-          <a:bodyPr/>
-          <a:lstStyle/>
-          <a:p>
-            <a:r>
-              <a:rPr lang="en-US" dirty="0"/>
-              <a:t>ROI</a:t>
-            </a:r>
-          </a:p>
-        </p:txBody>
-      </p:sp>
-      <p:sp>
-        <p:nvSpPr>
-          <p:cNvPr id="4" name="Content Placeholder 3">
-            <a:extLst>
-              <a:ext uri="{FF2B5EF4-FFF2-40B4-BE49-F238E27FC236}">
-                <a16:creationId xmlns:a16="http://schemas.microsoft.com/office/drawing/2014/main" id="{A1D16151-9486-4A03-AE3A-F1CC562E0564}"/>
-              </a:ext>
-            </a:extLst>
-          </p:cNvPr>
-          <p:cNvSpPr>
-            <a:spLocks noGrp="1"/>
-          </p:cNvSpPr>
-          <p:nvPr>
-            <p:ph sz="half" idx="2"/>
-          </p:nvPr>
-        </p:nvSpPr>
-        <p:spPr>
-          <a:xfrm>
-            <a:off x="1243104" y="3834606"/>
-            <a:ext cx="2882475" cy="1997867"/>
+            <a:off x="5476875" y="3660774"/>
+            <a:ext cx="5111750" cy="1525588"/>
           </a:xfrm>
         </p:spPr>
         <p:txBody>
@@ -16757,37 +16544,31 @@
           <a:p>
             <a:r>
               <a:rPr lang="en-US" dirty="0"/>
-              <a:t>Envision multimedia-based expertise and cross-media growth strategies​</a:t>
-            </a:r>
-          </a:p>
-          <a:p>
-            <a:r>
-              <a:rPr lang="en-US" dirty="0"/>
-              <a:t>​Engage worldwide methodologies with web-enabled technologies​</a:t>
-            </a:r>
-          </a:p>
-        </p:txBody>
-      </p:sp>
-      <p:sp>
-        <p:nvSpPr>
-          <p:cNvPr id="5" name="Text Placeholder 4">
-            <a:extLst>
-              <a:ext uri="{FF2B5EF4-FFF2-40B4-BE49-F238E27FC236}">
-                <a16:creationId xmlns:a16="http://schemas.microsoft.com/office/drawing/2014/main" id="{DDE59236-37DD-4582-A2A0-3F9A13A3B55D}"/>
-              </a:ext>
-            </a:extLst>
-          </p:cNvPr>
-          <p:cNvSpPr>
-            <a:spLocks noGrp="1"/>
-          </p:cNvSpPr>
-          <p:nvPr>
-            <p:ph type="body" sz="quarter" idx="3"/>
-          </p:nvPr>
-        </p:nvSpPr>
-        <p:spPr>
-          <a:xfrm>
-            <a:off x="4647665" y="2776936"/>
-            <a:ext cx="2896671" cy="823912"/>
+              <a:t>At Contoso, we believe in giving 110%. By using our next-generation data architecture, we help organizations virtually manage agile workflows. We thrive because of our market knowledge and great team behind our product. As our CEO says, "Efficiencies will come from proactively transforming how we do business."​</a:t>
+            </a:r>
+          </a:p>
+        </p:txBody>
+      </p:sp>
+      <p:sp>
+        <p:nvSpPr>
+          <p:cNvPr id="4" name="Date Placeholder 3">
+            <a:extLst>
+              <a:ext uri="{FF2B5EF4-FFF2-40B4-BE49-F238E27FC236}">
+                <a16:creationId xmlns:a16="http://schemas.microsoft.com/office/drawing/2014/main" id="{00560550-EE65-43CE-B899-F421E74287A1}"/>
+              </a:ext>
+            </a:extLst>
+          </p:cNvPr>
+          <p:cNvSpPr>
+            <a:spLocks noGrp="1"/>
+          </p:cNvSpPr>
+          <p:nvPr>
+            <p:ph type="dt" sz="half" idx="10"/>
+          </p:nvPr>
+        </p:nvSpPr>
+        <p:spPr>
+          <a:xfrm>
+            <a:off x="838200" y="6356350"/>
+            <a:ext cx="2743200" cy="365125"/>
           </a:xfrm>
         </p:spPr>
         <p:txBody>
@@ -16796,72 +16577,31 @@
           <a:p>
             <a:r>
               <a:rPr lang="en-US" dirty="0"/>
-              <a:t>NICHE MARKETS </a:t>
-            </a:r>
-          </a:p>
-        </p:txBody>
-      </p:sp>
-      <p:sp>
-        <p:nvSpPr>
-          <p:cNvPr id="6" name="Content Placeholder 5">
-            <a:extLst>
-              <a:ext uri="{FF2B5EF4-FFF2-40B4-BE49-F238E27FC236}">
-                <a16:creationId xmlns:a16="http://schemas.microsoft.com/office/drawing/2014/main" id="{DE1CCF0F-F0BB-42D7-B3C2-C29336739F32}"/>
-              </a:ext>
-            </a:extLst>
-          </p:cNvPr>
-          <p:cNvSpPr>
-            <a:spLocks noGrp="1"/>
-          </p:cNvSpPr>
-          <p:nvPr>
-            <p:ph sz="quarter" idx="4"/>
-          </p:nvPr>
-        </p:nvSpPr>
-        <p:spPr>
-          <a:xfrm>
-            <a:off x="4647665" y="3834606"/>
-            <a:ext cx="2896671" cy="1997867"/>
-          </a:xfrm>
-        </p:spPr>
-        <p:txBody>
-          <a:bodyPr>
-            <a:normAutofit/>
-          </a:bodyPr>
-          <a:lstStyle/>
-          <a:p>
-            <a:r>
-              <a:rPr lang="en-US" dirty="0"/>
-              <a:t>Pursue scalable customer service through sustainable strategies​</a:t>
-            </a:r>
-          </a:p>
-          <a:p>
-            <a:r>
-              <a:rPr lang="en-US" dirty="0"/>
-              <a:t>Engage top-line web services with cutting-edge deliverables​​​</a:t>
-            </a:r>
-          </a:p>
-        </p:txBody>
-      </p:sp>
-      <p:sp>
-        <p:nvSpPr>
-          <p:cNvPr id="7" name="Text Placeholder 6">
-            <a:extLst>
-              <a:ext uri="{FF2B5EF4-FFF2-40B4-BE49-F238E27FC236}">
-                <a16:creationId xmlns:a16="http://schemas.microsoft.com/office/drawing/2014/main" id="{1F939793-2181-4A3D-9C5A-CE676CC83EC0}"/>
-              </a:ext>
-            </a:extLst>
-          </p:cNvPr>
-          <p:cNvSpPr>
-            <a:spLocks noGrp="1"/>
-          </p:cNvSpPr>
-          <p:nvPr>
-            <p:ph type="body" idx="13"/>
-          </p:nvPr>
-        </p:nvSpPr>
-        <p:spPr>
-          <a:xfrm>
-            <a:off x="8066421" y="2776936"/>
-            <a:ext cx="2882475" cy="823912"/>
+              <a:t>20XX</a:t>
+            </a:r>
+          </a:p>
+        </p:txBody>
+      </p:sp>
+      <p:sp>
+        <p:nvSpPr>
+          <p:cNvPr id="5" name="Footer Placeholder 4">
+            <a:extLst>
+              <a:ext uri="{FF2B5EF4-FFF2-40B4-BE49-F238E27FC236}">
+                <a16:creationId xmlns:a16="http://schemas.microsoft.com/office/drawing/2014/main" id="{4135E32A-1A8C-43D2-9C6E-12887B4DEDFB}"/>
+              </a:ext>
+            </a:extLst>
+          </p:cNvPr>
+          <p:cNvSpPr>
+            <a:spLocks noGrp="1"/>
+          </p:cNvSpPr>
+          <p:nvPr>
+            <p:ph type="ftr" sz="quarter" idx="11"/>
+          </p:nvPr>
+        </p:nvSpPr>
+        <p:spPr>
+          <a:xfrm>
+            <a:off x="4038600" y="6356350"/>
+            <a:ext cx="4114800" cy="365125"/>
           </a:xfrm>
         </p:spPr>
         <p:txBody>
@@ -16870,113 +16610,6 @@
           <a:p>
             <a:r>
               <a:rPr lang="en-US" dirty="0"/>
-              <a:t>SUPPLY CHAINS</a:t>
-            </a:r>
-          </a:p>
-        </p:txBody>
-      </p:sp>
-      <p:sp>
-        <p:nvSpPr>
-          <p:cNvPr id="8" name="Content Placeholder 7">
-            <a:extLst>
-              <a:ext uri="{FF2B5EF4-FFF2-40B4-BE49-F238E27FC236}">
-                <a16:creationId xmlns:a16="http://schemas.microsoft.com/office/drawing/2014/main" id="{C9FA0B0D-7B36-4D63-86BD-20E6E1B6A0D8}"/>
-              </a:ext>
-            </a:extLst>
-          </p:cNvPr>
-          <p:cNvSpPr>
-            <a:spLocks noGrp="1"/>
-          </p:cNvSpPr>
-          <p:nvPr>
-            <p:ph sz="half" idx="14"/>
-          </p:nvPr>
-        </p:nvSpPr>
-        <p:spPr>
-          <a:xfrm>
-            <a:off x="8066421" y="3834606"/>
-            <a:ext cx="2882475" cy="1997867"/>
-          </a:xfrm>
-        </p:spPr>
-        <p:txBody>
-          <a:bodyPr>
-            <a:normAutofit/>
-          </a:bodyPr>
-          <a:lstStyle/>
-          <a:p>
-            <a:r>
-              <a:rPr lang="en-US" dirty="0"/>
-              <a:t>Cultivate one-to-one customer service with robust ideas​</a:t>
-            </a:r>
-          </a:p>
-          <a:p>
-            <a:r>
-              <a:rPr lang="en-US" dirty="0"/>
-              <a:t>Maximize timely deliverables for real-time schemas​</a:t>
-            </a:r>
-          </a:p>
-        </p:txBody>
-      </p:sp>
-      <p:sp>
-        <p:nvSpPr>
-          <p:cNvPr id="9" name="Date Placeholder 8">
-            <a:extLst>
-              <a:ext uri="{FF2B5EF4-FFF2-40B4-BE49-F238E27FC236}">
-                <a16:creationId xmlns:a16="http://schemas.microsoft.com/office/drawing/2014/main" id="{B86AD343-7149-4E7C-BD28-3080F25980CF}"/>
-              </a:ext>
-            </a:extLst>
-          </p:cNvPr>
-          <p:cNvSpPr>
-            <a:spLocks noGrp="1"/>
-          </p:cNvSpPr>
-          <p:nvPr>
-            <p:ph type="dt" sz="half" idx="10"/>
-          </p:nvPr>
-        </p:nvSpPr>
-        <p:spPr>
-          <a:xfrm>
-            <a:off x="838200" y="6356350"/>
-            <a:ext cx="2743200" cy="365125"/>
-          </a:xfrm>
-        </p:spPr>
-        <p:txBody>
-          <a:bodyPr/>
-          <a:lstStyle/>
-          <a:p>
-            <a:r>
-              <a:rPr lang="en-US" dirty="0"/>
-              <a:t>20XX</a:t>
-            </a:r>
-          </a:p>
-        </p:txBody>
-      </p:sp>
-      <p:sp>
-        <p:nvSpPr>
-          <p:cNvPr id="10" name="Footer Placeholder 9">
-            <a:extLst>
-              <a:ext uri="{FF2B5EF4-FFF2-40B4-BE49-F238E27FC236}">
-                <a16:creationId xmlns:a16="http://schemas.microsoft.com/office/drawing/2014/main" id="{A865CC01-A53B-495A-820C-BEC2680EDC42}"/>
-              </a:ext>
-            </a:extLst>
-          </p:cNvPr>
-          <p:cNvSpPr>
-            <a:spLocks noGrp="1"/>
-          </p:cNvSpPr>
-          <p:nvPr>
-            <p:ph type="ftr" sz="quarter" idx="11"/>
-          </p:nvPr>
-        </p:nvSpPr>
-        <p:spPr>
-          <a:xfrm>
-            <a:off x="4038600" y="6356350"/>
-            <a:ext cx="4114800" cy="365125"/>
-          </a:xfrm>
-        </p:spPr>
-        <p:txBody>
-          <a:bodyPr/>
-          <a:lstStyle/>
-          <a:p>
-            <a:r>
-              <a:rPr lang="en-US" dirty="0"/>
               <a:t>PRESENTATION TITLE</a:t>
             </a:r>
           </a:p>
@@ -16984,10 +16617,10 @@
       </p:sp>
       <p:sp>
         <p:nvSpPr>
-          <p:cNvPr id="11" name="Slide Number Placeholder 10">
-            <a:extLst>
-              <a:ext uri="{FF2B5EF4-FFF2-40B4-BE49-F238E27FC236}">
-                <a16:creationId xmlns:a16="http://schemas.microsoft.com/office/drawing/2014/main" id="{7AE81C1E-A7C3-40CD-9C11-0C03A2221292}"/>
+          <p:cNvPr id="6" name="Slide Number Placeholder 5">
+            <a:extLst>
+              <a:ext uri="{FF2B5EF4-FFF2-40B4-BE49-F238E27FC236}">
+                <a16:creationId xmlns:a16="http://schemas.microsoft.com/office/drawing/2014/main" id="{7C4B8313-9270-4128-8674-3A3E42B806BC}"/>
               </a:ext>
             </a:extLst>
           </p:cNvPr>
@@ -17020,7 +16653,7 @@
     </p:spTree>
     <p:extLst>
       <p:ext uri="{BB962C8B-B14F-4D97-AF65-F5344CB8AC3E}">
-        <p14:creationId xmlns:p14="http://schemas.microsoft.com/office/powerpoint/2010/main" val="1429429409"/>
+        <p14:creationId xmlns:p14="http://schemas.microsoft.com/office/powerpoint/2010/main" val="1742861620"/>
       </p:ext>
     </p:extLst>
   </p:cSld>
@@ -17052,21 +16685,21 @@
           <p:cNvPr id="2" name="Title 1">
             <a:extLst>
               <a:ext uri="{FF2B5EF4-FFF2-40B4-BE49-F238E27FC236}">
-                <a16:creationId xmlns:a16="http://schemas.microsoft.com/office/drawing/2014/main" id="{4518FC28-E0BD-4387-B8BE-9965D1A57FF1}"/>
-              </a:ext>
-            </a:extLst>
-          </p:cNvPr>
-          <p:cNvSpPr>
-            <a:spLocks noGrp="1"/>
-          </p:cNvSpPr>
-          <p:nvPr>
-            <p:ph type="title"/>
-          </p:nvPr>
-        </p:nvSpPr>
-        <p:spPr>
-          <a:xfrm>
-            <a:off x="5476875" y="1671639"/>
-            <a:ext cx="5111750" cy="1204912"/>
+                <a16:creationId xmlns:a16="http://schemas.microsoft.com/office/drawing/2014/main" id="{8BDF1EDE-5423-435C-B149-87AB1BC22B83}"/>
+              </a:ext>
+            </a:extLst>
+          </p:cNvPr>
+          <p:cNvSpPr>
+            <a:spLocks noGrp="1"/>
+          </p:cNvSpPr>
+          <p:nvPr>
+            <p:ph type="ctrTitle"/>
+          </p:nvPr>
+        </p:nvSpPr>
+        <p:spPr>
+          <a:xfrm>
+            <a:off x="4267200" y="1615736"/>
+            <a:ext cx="4179570" cy="1524735"/>
           </a:xfrm>
         </p:spPr>
         <p:txBody>
@@ -17075,31 +16708,31 @@
           <a:p>
             <a:r>
               <a:rPr lang="en-US" dirty="0"/>
-              <a:t>SUMMARY</a:t>
-            </a:r>
-          </a:p>
-        </p:txBody>
-      </p:sp>
-      <p:sp>
-        <p:nvSpPr>
-          <p:cNvPr id="3" name="Text Placeholder 2">
-            <a:extLst>
-              <a:ext uri="{FF2B5EF4-FFF2-40B4-BE49-F238E27FC236}">
-                <a16:creationId xmlns:a16="http://schemas.microsoft.com/office/drawing/2014/main" id="{FED19BCA-B61F-4EA6-A1FB-CCA3BD8506FB}"/>
-              </a:ext>
-            </a:extLst>
-          </p:cNvPr>
-          <p:cNvSpPr>
-            <a:spLocks noGrp="1"/>
-          </p:cNvSpPr>
-          <p:nvPr>
-            <p:ph type="body" idx="1"/>
-          </p:nvPr>
-        </p:nvSpPr>
-        <p:spPr>
-          <a:xfrm>
-            <a:off x="5476875" y="3660774"/>
-            <a:ext cx="5111750" cy="1525588"/>
+              <a:t>THANK YOU</a:t>
+            </a:r>
+          </a:p>
+        </p:txBody>
+      </p:sp>
+      <p:sp>
+        <p:nvSpPr>
+          <p:cNvPr id="3" name="Subtitle 2">
+            <a:extLst>
+              <a:ext uri="{FF2B5EF4-FFF2-40B4-BE49-F238E27FC236}">
+                <a16:creationId xmlns:a16="http://schemas.microsoft.com/office/drawing/2014/main" id="{AF64C29E-DF30-4DC6-AB95-2016F9A703B6}"/>
+              </a:ext>
+            </a:extLst>
+          </p:cNvPr>
+          <p:cNvSpPr>
+            <a:spLocks noGrp="1"/>
+          </p:cNvSpPr>
+          <p:nvPr>
+            <p:ph type="subTitle" idx="1"/>
+          </p:nvPr>
+        </p:nvSpPr>
+        <p:spPr>
+          <a:xfrm>
+            <a:off x="4267200" y="3238103"/>
+            <a:ext cx="4179570" cy="1371997"/>
           </a:xfrm>
         </p:spPr>
         <p:txBody>
@@ -17110,7 +16743,19 @@
           <a:p>
             <a:r>
               <a:rPr lang="en-US" dirty="0"/>
-              <a:t>At Contoso, we believe in giving 110%. By using our next-generation data architecture, we help organizations virtually manage agile workflows. We thrive because of our market knowledge and great team behind our product. As our CEO says, "Efficiencies will come from proactively transforming how we do business."​</a:t>
+              <a:t>Mirjam Nilsson</a:t>
+            </a:r>
+          </a:p>
+          <a:p>
+            <a:r>
+              <a:rPr lang="en-US" dirty="0"/>
+              <a:t>mirjam@contoso.com</a:t>
+            </a:r>
+          </a:p>
+          <a:p>
+            <a:r>
+              <a:rPr lang="en-US" dirty="0"/>
+              <a:t>www.contoso.com</a:t>
             </a:r>
           </a:p>
         </p:txBody>
@@ -17120,7 +16765,7 @@
           <p:cNvPr id="4" name="Date Placeholder 3">
             <a:extLst>
               <a:ext uri="{FF2B5EF4-FFF2-40B4-BE49-F238E27FC236}">
-                <a16:creationId xmlns:a16="http://schemas.microsoft.com/office/drawing/2014/main" id="{00560550-EE65-43CE-B899-F421E74287A1}"/>
+                <a16:creationId xmlns:a16="http://schemas.microsoft.com/office/drawing/2014/main" id="{A47C7382-18E7-4821-8C61-461D6BBE08FC}"/>
               </a:ext>
             </a:extLst>
           </p:cNvPr>
@@ -17133,8 +16778,8 @@
         </p:nvSpPr>
         <p:spPr>
           <a:xfrm>
-            <a:off x="838200" y="6356350"/>
-            <a:ext cx="2743200" cy="365125"/>
+            <a:off x="4267200" y="6356350"/>
+            <a:ext cx="1774371" cy="365125"/>
           </a:xfrm>
         </p:spPr>
         <p:txBody>
@@ -17153,7 +16798,7 @@
           <p:cNvPr id="5" name="Footer Placeholder 4">
             <a:extLst>
               <a:ext uri="{FF2B5EF4-FFF2-40B4-BE49-F238E27FC236}">
-                <a16:creationId xmlns:a16="http://schemas.microsoft.com/office/drawing/2014/main" id="{4135E32A-1A8C-43D2-9C6E-12887B4DEDFB}"/>
+                <a16:creationId xmlns:a16="http://schemas.microsoft.com/office/drawing/2014/main" id="{3990FA1B-5022-47AB-A0AE-8F5C5797997C}"/>
               </a:ext>
             </a:extLst>
           </p:cNvPr>
@@ -17166,8 +16811,8 @@
         </p:nvSpPr>
         <p:spPr>
           <a:xfrm>
-            <a:off x="4038600" y="6356350"/>
-            <a:ext cx="4114800" cy="365125"/>
+            <a:off x="6479721" y="6356350"/>
+            <a:ext cx="2661557" cy="365125"/>
           </a:xfrm>
         </p:spPr>
         <p:txBody>
@@ -17186,7 +16831,7 @@
           <p:cNvPr id="6" name="Slide Number Placeholder 5">
             <a:extLst>
               <a:ext uri="{FF2B5EF4-FFF2-40B4-BE49-F238E27FC236}">
-                <a16:creationId xmlns:a16="http://schemas.microsoft.com/office/drawing/2014/main" id="{7C4B8313-9270-4128-8674-3A3E42B806BC}"/>
+                <a16:creationId xmlns:a16="http://schemas.microsoft.com/office/drawing/2014/main" id="{4C127D99-645F-4FCF-9573-FDFE2A344FA9}"/>
               </a:ext>
             </a:extLst>
           </p:cNvPr>
@@ -17199,8 +16844,8 @@
         </p:nvSpPr>
         <p:spPr>
           <a:xfrm>
-            <a:off x="8610600" y="6356350"/>
-            <a:ext cx="2743200" cy="365125"/>
+            <a:off x="9579428" y="6356350"/>
+            <a:ext cx="1774371" cy="365125"/>
           </a:xfrm>
         </p:spPr>
         <p:txBody>
@@ -17211,217 +16856,6 @@
               <a:rPr lang="en-US" smtClean="0"/>
               <a:pPr/>
               <a:t>16</a:t>
-            </a:fld>
-            <a:endParaRPr lang="en-US" dirty="0"/>
-          </a:p>
-        </p:txBody>
-      </p:sp>
-    </p:spTree>
-    <p:extLst>
-      <p:ext uri="{BB962C8B-B14F-4D97-AF65-F5344CB8AC3E}">
-        <p14:creationId xmlns:p14="http://schemas.microsoft.com/office/powerpoint/2010/main" val="1742861620"/>
-      </p:ext>
-    </p:extLst>
-  </p:cSld>
-  <p:clrMapOvr>
-    <a:masterClrMapping/>
-  </p:clrMapOvr>
-</p:sld>
-</file>
-
-<file path=ppt/slides/slide17.xml><?xml version="1.0" encoding="utf-8"?>
-<p:sld xmlns:a="http://schemas.openxmlformats.org/drawingml/2006/main" xmlns:r="http://schemas.openxmlformats.org/officeDocument/2006/relationships" xmlns:p="http://schemas.openxmlformats.org/presentationml/2006/main">
-  <p:cSld>
-    <p:spTree>
-      <p:nvGrpSpPr>
-        <p:cNvPr id="1" name=""/>
-        <p:cNvGrpSpPr/>
-        <p:nvPr/>
-      </p:nvGrpSpPr>
-      <p:grpSpPr>
-        <a:xfrm>
-          <a:off x="0" y="0"/>
-          <a:ext cx="0" cy="0"/>
-          <a:chOff x="0" y="0"/>
-          <a:chExt cx="0" cy="0"/>
-        </a:xfrm>
-      </p:grpSpPr>
-      <p:sp>
-        <p:nvSpPr>
-          <p:cNvPr id="2" name="Title 1">
-            <a:extLst>
-              <a:ext uri="{FF2B5EF4-FFF2-40B4-BE49-F238E27FC236}">
-                <a16:creationId xmlns:a16="http://schemas.microsoft.com/office/drawing/2014/main" id="{8BDF1EDE-5423-435C-B149-87AB1BC22B83}"/>
-              </a:ext>
-            </a:extLst>
-          </p:cNvPr>
-          <p:cNvSpPr>
-            <a:spLocks noGrp="1"/>
-          </p:cNvSpPr>
-          <p:nvPr>
-            <p:ph type="ctrTitle"/>
-          </p:nvPr>
-        </p:nvSpPr>
-        <p:spPr>
-          <a:xfrm>
-            <a:off x="4267200" y="1615736"/>
-            <a:ext cx="4179570" cy="1524735"/>
-          </a:xfrm>
-        </p:spPr>
-        <p:txBody>
-          <a:bodyPr/>
-          <a:lstStyle/>
-          <a:p>
-            <a:r>
-              <a:rPr lang="en-US" dirty="0"/>
-              <a:t>THANK YOU</a:t>
-            </a:r>
-          </a:p>
-        </p:txBody>
-      </p:sp>
-      <p:sp>
-        <p:nvSpPr>
-          <p:cNvPr id="3" name="Subtitle 2">
-            <a:extLst>
-              <a:ext uri="{FF2B5EF4-FFF2-40B4-BE49-F238E27FC236}">
-                <a16:creationId xmlns:a16="http://schemas.microsoft.com/office/drawing/2014/main" id="{AF64C29E-DF30-4DC6-AB95-2016F9A703B6}"/>
-              </a:ext>
-            </a:extLst>
-          </p:cNvPr>
-          <p:cNvSpPr>
-            <a:spLocks noGrp="1"/>
-          </p:cNvSpPr>
-          <p:nvPr>
-            <p:ph type="subTitle" idx="1"/>
-          </p:nvPr>
-        </p:nvSpPr>
-        <p:spPr>
-          <a:xfrm>
-            <a:off x="4267200" y="3238103"/>
-            <a:ext cx="4179570" cy="1371997"/>
-          </a:xfrm>
-        </p:spPr>
-        <p:txBody>
-          <a:bodyPr>
-            <a:normAutofit/>
-          </a:bodyPr>
-          <a:lstStyle/>
-          <a:p>
-            <a:r>
-              <a:rPr lang="en-US" dirty="0"/>
-              <a:t>Mirjam Nilsson</a:t>
-            </a:r>
-          </a:p>
-          <a:p>
-            <a:r>
-              <a:rPr lang="en-US" dirty="0"/>
-              <a:t>mirjam@contoso.com</a:t>
-            </a:r>
-          </a:p>
-          <a:p>
-            <a:r>
-              <a:rPr lang="en-US" dirty="0"/>
-              <a:t>www.contoso.com</a:t>
-            </a:r>
-          </a:p>
-        </p:txBody>
-      </p:sp>
-      <p:sp>
-        <p:nvSpPr>
-          <p:cNvPr id="4" name="Date Placeholder 3">
-            <a:extLst>
-              <a:ext uri="{FF2B5EF4-FFF2-40B4-BE49-F238E27FC236}">
-                <a16:creationId xmlns:a16="http://schemas.microsoft.com/office/drawing/2014/main" id="{A47C7382-18E7-4821-8C61-461D6BBE08FC}"/>
-              </a:ext>
-            </a:extLst>
-          </p:cNvPr>
-          <p:cNvSpPr>
-            <a:spLocks noGrp="1"/>
-          </p:cNvSpPr>
-          <p:nvPr>
-            <p:ph type="dt" sz="half" idx="10"/>
-          </p:nvPr>
-        </p:nvSpPr>
-        <p:spPr>
-          <a:xfrm>
-            <a:off x="4267200" y="6356350"/>
-            <a:ext cx="1774371" cy="365125"/>
-          </a:xfrm>
-        </p:spPr>
-        <p:txBody>
-          <a:bodyPr/>
-          <a:lstStyle/>
-          <a:p>
-            <a:r>
-              <a:rPr lang="en-US" dirty="0"/>
-              <a:t>20XX</a:t>
-            </a:r>
-          </a:p>
-        </p:txBody>
-      </p:sp>
-      <p:sp>
-        <p:nvSpPr>
-          <p:cNvPr id="5" name="Footer Placeholder 4">
-            <a:extLst>
-              <a:ext uri="{FF2B5EF4-FFF2-40B4-BE49-F238E27FC236}">
-                <a16:creationId xmlns:a16="http://schemas.microsoft.com/office/drawing/2014/main" id="{3990FA1B-5022-47AB-A0AE-8F5C5797997C}"/>
-              </a:ext>
-            </a:extLst>
-          </p:cNvPr>
-          <p:cNvSpPr>
-            <a:spLocks noGrp="1"/>
-          </p:cNvSpPr>
-          <p:nvPr>
-            <p:ph type="ftr" sz="quarter" idx="11"/>
-          </p:nvPr>
-        </p:nvSpPr>
-        <p:spPr>
-          <a:xfrm>
-            <a:off x="6479721" y="6356350"/>
-            <a:ext cx="2661557" cy="365125"/>
-          </a:xfrm>
-        </p:spPr>
-        <p:txBody>
-          <a:bodyPr/>
-          <a:lstStyle/>
-          <a:p>
-            <a:r>
-              <a:rPr lang="en-US" dirty="0"/>
-              <a:t>PRESENTATION TITLE</a:t>
-            </a:r>
-          </a:p>
-        </p:txBody>
-      </p:sp>
-      <p:sp>
-        <p:nvSpPr>
-          <p:cNvPr id="6" name="Slide Number Placeholder 5">
-            <a:extLst>
-              <a:ext uri="{FF2B5EF4-FFF2-40B4-BE49-F238E27FC236}">
-                <a16:creationId xmlns:a16="http://schemas.microsoft.com/office/drawing/2014/main" id="{4C127D99-645F-4FCF-9573-FDFE2A344FA9}"/>
-              </a:ext>
-            </a:extLst>
-          </p:cNvPr>
-          <p:cNvSpPr>
-            <a:spLocks noGrp="1"/>
-          </p:cNvSpPr>
-          <p:nvPr>
-            <p:ph type="sldNum" sz="quarter" idx="12"/>
-          </p:nvPr>
-        </p:nvSpPr>
-        <p:spPr>
-          <a:xfrm>
-            <a:off x="9579428" y="6356350"/>
-            <a:ext cx="1774371" cy="365125"/>
-          </a:xfrm>
-        </p:spPr>
-        <p:txBody>
-          <a:bodyPr/>
-          <a:lstStyle/>
-          <a:p>
-            <a:fld id="{A49DFD55-3C28-40EF-9E31-A92D2E4017FF}" type="slidenum">
-              <a:rPr lang="en-US" smtClean="0"/>
-              <a:pPr/>
-              <a:t>17</a:t>
             </a:fld>
             <a:endParaRPr lang="en-US" dirty="0"/>
           </a:p>
@@ -17567,8 +17001,8 @@
         </p:blipFill>
         <p:spPr>
           <a:xfrm>
-            <a:off x="117475" y="1136581"/>
-            <a:ext cx="10336067" cy="5125165"/>
+            <a:off x="117475" y="1136578"/>
+            <a:ext cx="10440000" cy="5176703"/>
           </a:xfrm>
           <a:prstGeom prst="rect">
             <a:avLst/>
@@ -17607,109 +17041,67 @@
       </p:grpSpPr>
       <p:sp>
         <p:nvSpPr>
-          <p:cNvPr id="2" name="Title 1">
-            <a:extLst>
-              <a:ext uri="{FF2B5EF4-FFF2-40B4-BE49-F238E27FC236}">
-                <a16:creationId xmlns:a16="http://schemas.microsoft.com/office/drawing/2014/main" id="{EB0BF9CF-818F-4EBF-9DED-ED25AC3A86BC}"/>
-              </a:ext>
-            </a:extLst>
-          </p:cNvPr>
-          <p:cNvSpPr>
-            <a:spLocks noGrp="1"/>
-          </p:cNvSpPr>
-          <p:nvPr>
-            <p:ph type="title"/>
-          </p:nvPr>
-        </p:nvSpPr>
-        <p:spPr/>
+          <p:cNvPr id="4" name="Date Placeholder 3">
+            <a:extLst>
+              <a:ext uri="{FF2B5EF4-FFF2-40B4-BE49-F238E27FC236}">
+                <a16:creationId xmlns:a16="http://schemas.microsoft.com/office/drawing/2014/main" id="{70E12647-CCB2-45E2-A9CB-A868F490497E}"/>
+              </a:ext>
+            </a:extLst>
+          </p:cNvPr>
+          <p:cNvSpPr>
+            <a:spLocks noGrp="1"/>
+          </p:cNvSpPr>
+          <p:nvPr>
+            <p:ph type="dt" sz="half" idx="10"/>
+          </p:nvPr>
+        </p:nvSpPr>
+        <p:spPr>
+          <a:xfrm>
+            <a:off x="838200" y="6356350"/>
+            <a:ext cx="1219200" cy="365125"/>
+          </a:xfrm>
+        </p:spPr>
         <p:txBody>
           <a:bodyPr/>
           <a:lstStyle/>
           <a:p>
-            <a:endParaRPr lang="el-GR"/>
-          </a:p>
-        </p:txBody>
-      </p:sp>
-      <p:sp>
-        <p:nvSpPr>
-          <p:cNvPr id="3" name="Content Placeholder 2">
-            <a:extLst>
-              <a:ext uri="{FF2B5EF4-FFF2-40B4-BE49-F238E27FC236}">
-                <a16:creationId xmlns:a16="http://schemas.microsoft.com/office/drawing/2014/main" id="{3C37E229-FCC1-466D-9A91-2BC8EB8CBEC8}"/>
-              </a:ext>
-            </a:extLst>
-          </p:cNvPr>
-          <p:cNvSpPr>
-            <a:spLocks noGrp="1"/>
-          </p:cNvSpPr>
-          <p:nvPr>
-            <p:ph idx="1"/>
-          </p:nvPr>
-        </p:nvSpPr>
-        <p:spPr/>
+            <a:r>
+              <a:rPr lang="en-US" dirty="0"/>
+              <a:t>20XX</a:t>
+            </a:r>
+          </a:p>
+        </p:txBody>
+      </p:sp>
+      <p:sp>
+        <p:nvSpPr>
+          <p:cNvPr id="5" name="Footer Placeholder 4">
+            <a:extLst>
+              <a:ext uri="{FF2B5EF4-FFF2-40B4-BE49-F238E27FC236}">
+                <a16:creationId xmlns:a16="http://schemas.microsoft.com/office/drawing/2014/main" id="{8D51ED20-04D4-4894-B0C2-9C541A61A734}"/>
+              </a:ext>
+            </a:extLst>
+          </p:cNvPr>
+          <p:cNvSpPr>
+            <a:spLocks noGrp="1"/>
+          </p:cNvSpPr>
+          <p:nvPr>
+            <p:ph type="ftr" sz="quarter" idx="11"/>
+          </p:nvPr>
+        </p:nvSpPr>
+        <p:spPr>
+          <a:xfrm>
+            <a:off x="2463800" y="6356350"/>
+            <a:ext cx="3479800" cy="365125"/>
+          </a:xfrm>
+        </p:spPr>
         <p:txBody>
           <a:bodyPr/>
           <a:lstStyle/>
           <a:p>
-            <a:endParaRPr lang="el-GR"/>
-          </a:p>
-        </p:txBody>
-      </p:sp>
-      <p:sp>
-        <p:nvSpPr>
-          <p:cNvPr id="4" name="Date Placeholder 3">
-            <a:extLst>
-              <a:ext uri="{FF2B5EF4-FFF2-40B4-BE49-F238E27FC236}">
-                <a16:creationId xmlns:a16="http://schemas.microsoft.com/office/drawing/2014/main" id="{C5232C26-AC1C-4293-BCE9-DA5922E288B5}"/>
-              </a:ext>
-            </a:extLst>
-          </p:cNvPr>
-          <p:cNvSpPr>
-            <a:spLocks noGrp="1"/>
-          </p:cNvSpPr>
-          <p:nvPr>
-            <p:ph type="dt" sz="half" idx="10"/>
-          </p:nvPr>
-        </p:nvSpPr>
-        <p:spPr/>
-        <p:txBody>
-          <a:bodyPr/>
-          <a:lstStyle/>
-          <a:p>
-            <a:r>
-              <a:rPr lang="en-US"/>
-              <a:t>20XX</a:t>
-            </a:r>
-            <a:endParaRPr lang="en-US" dirty="0"/>
-          </a:p>
-        </p:txBody>
-      </p:sp>
-      <p:sp>
-        <p:nvSpPr>
-          <p:cNvPr id="5" name="Footer Placeholder 4">
-            <a:extLst>
-              <a:ext uri="{FF2B5EF4-FFF2-40B4-BE49-F238E27FC236}">
-                <a16:creationId xmlns:a16="http://schemas.microsoft.com/office/drawing/2014/main" id="{45B89E64-0801-4E53-9005-10846859F6A9}"/>
-              </a:ext>
-            </a:extLst>
-          </p:cNvPr>
-          <p:cNvSpPr>
-            <a:spLocks noGrp="1"/>
-          </p:cNvSpPr>
-          <p:nvPr>
-            <p:ph type="ftr" sz="quarter" idx="11"/>
-          </p:nvPr>
-        </p:nvSpPr>
-        <p:spPr/>
-        <p:txBody>
-          <a:bodyPr/>
-          <a:lstStyle/>
-          <a:p>
-            <a:r>
-              <a:rPr lang="en-US"/>
+            <a:r>
+              <a:rPr lang="en-US" dirty="0"/>
               <a:t>PRESENTATION TITLE</a:t>
             </a:r>
-            <a:endParaRPr lang="en-US" dirty="0"/>
           </a:p>
         </p:txBody>
       </p:sp>
@@ -17718,7 +17110,7 @@
           <p:cNvPr id="6" name="Slide Number Placeholder 5">
             <a:extLst>
               <a:ext uri="{FF2B5EF4-FFF2-40B4-BE49-F238E27FC236}">
-                <a16:creationId xmlns:a16="http://schemas.microsoft.com/office/drawing/2014/main" id="{DCEFAD6D-69C9-4BDE-9268-F38D97451CAF}"/>
+                <a16:creationId xmlns:a16="http://schemas.microsoft.com/office/drawing/2014/main" id="{7BC1787E-7110-4989-B0B8-DD4E0ACC09DF}"/>
               </a:ext>
             </a:extLst>
           </p:cNvPr>
@@ -17729,7 +17121,12 @@
             <p:ph type="sldNum" sz="quarter" idx="12"/>
           </p:nvPr>
         </p:nvSpPr>
-        <p:spPr/>
+        <p:spPr>
+          <a:xfrm>
+            <a:off x="8610600" y="6356350"/>
+            <a:ext cx="2743200" cy="365125"/>
+          </a:xfrm>
+        </p:spPr>
         <p:txBody>
           <a:bodyPr/>
           <a:lstStyle/>
@@ -17743,10 +17140,40 @@
           </a:p>
         </p:txBody>
       </p:sp>
+      <p:pic>
+        <p:nvPicPr>
+          <p:cNvPr id="12" name="Picture 11">
+            <a:extLst>
+              <a:ext uri="{FF2B5EF4-FFF2-40B4-BE49-F238E27FC236}">
+                <a16:creationId xmlns:a16="http://schemas.microsoft.com/office/drawing/2014/main" id="{57C2CDE0-3526-4B43-A97E-82254246FA79}"/>
+              </a:ext>
+            </a:extLst>
+          </p:cNvPr>
+          <p:cNvPicPr>
+            <a:picLocks noChangeAspect="1"/>
+          </p:cNvPicPr>
+          <p:nvPr/>
+        </p:nvPicPr>
+        <p:blipFill>
+          <a:blip r:embed="rId2"/>
+          <a:stretch>
+            <a:fillRect/>
+          </a:stretch>
+        </p:blipFill>
+        <p:spPr>
+          <a:xfrm>
+            <a:off x="82047" y="1174754"/>
+            <a:ext cx="10440000" cy="5052815"/>
+          </a:xfrm>
+          <a:prstGeom prst="rect">
+            <a:avLst/>
+          </a:prstGeom>
+        </p:spPr>
+      </p:pic>
     </p:spTree>
     <p:extLst>
       <p:ext uri="{BB962C8B-B14F-4D97-AF65-F5344CB8AC3E}">
-        <p14:creationId xmlns:p14="http://schemas.microsoft.com/office/powerpoint/2010/main" val="4241782040"/>
+        <p14:creationId xmlns:p14="http://schemas.microsoft.com/office/powerpoint/2010/main" val="3571516367"/>
       </p:ext>
     </p:extLst>
   </p:cSld>
@@ -17775,199 +17202,236 @@
       </p:grpSpPr>
       <p:sp>
         <p:nvSpPr>
-          <p:cNvPr id="2" name="Title 1">
-            <a:extLst>
-              <a:ext uri="{FF2B5EF4-FFF2-40B4-BE49-F238E27FC236}">
-                <a16:creationId xmlns:a16="http://schemas.microsoft.com/office/drawing/2014/main" id="{1BEF5859-10C9-4588-9727-B9362E26C29D}"/>
-              </a:ext>
-            </a:extLst>
-          </p:cNvPr>
-          <p:cNvSpPr>
-            <a:spLocks noGrp="1"/>
-          </p:cNvSpPr>
-          <p:nvPr>
-            <p:ph type="title"/>
-          </p:nvPr>
-        </p:nvSpPr>
-        <p:spPr>
-          <a:xfrm>
-            <a:off x="1333500" y="1020445"/>
-            <a:ext cx="2895600" cy="1325563"/>
+          <p:cNvPr id="4" name="Date Placeholder 3">
+            <a:extLst>
+              <a:ext uri="{FF2B5EF4-FFF2-40B4-BE49-F238E27FC236}">
+                <a16:creationId xmlns:a16="http://schemas.microsoft.com/office/drawing/2014/main" id="{70E12647-CCB2-45E2-A9CB-A868F490497E}"/>
+              </a:ext>
+            </a:extLst>
+          </p:cNvPr>
+          <p:cNvSpPr>
+            <a:spLocks noGrp="1"/>
+          </p:cNvSpPr>
+          <p:nvPr>
+            <p:ph type="dt" sz="half" idx="10"/>
+          </p:nvPr>
+        </p:nvSpPr>
+        <p:spPr>
+          <a:xfrm>
+            <a:off x="838200" y="6356350"/>
+            <a:ext cx="1219200" cy="365125"/>
           </a:xfrm>
         </p:spPr>
         <p:txBody>
           <a:bodyPr/>
           <a:lstStyle/>
           <a:p>
-            <a:r>
-              <a:rPr lang="en-US" dirty="0"/>
-              <a:t>AGENDA</a:t>
-            </a:r>
-          </a:p>
-        </p:txBody>
-      </p:sp>
-      <p:sp>
-        <p:nvSpPr>
-          <p:cNvPr id="3" name="Content Placeholder 2">
-            <a:extLst>
-              <a:ext uri="{FF2B5EF4-FFF2-40B4-BE49-F238E27FC236}">
-                <a16:creationId xmlns:a16="http://schemas.microsoft.com/office/drawing/2014/main" id="{5671D7E5-EF66-4BCD-8DAA-E9061157F0BE}"/>
-              </a:ext>
-            </a:extLst>
-          </p:cNvPr>
-          <p:cNvSpPr>
-            <a:spLocks noGrp="1"/>
-          </p:cNvSpPr>
-          <p:nvPr>
-            <p:ph idx="1"/>
-          </p:nvPr>
-        </p:nvSpPr>
-        <p:spPr>
-          <a:xfrm>
-            <a:off x="1333500" y="2924175"/>
-            <a:ext cx="2895600" cy="2519363"/>
+            <a:pPr marL="0" marR="0" lvl="0" indent="0" algn="l" defTabSz="914400" rtl="0" eaLnBrk="1" fontAlgn="auto" latinLnBrk="0" hangingPunct="1">
+              <a:lnSpc>
+                <a:spcPct val="100000"/>
+              </a:lnSpc>
+              <a:spcBef>
+                <a:spcPts val="0"/>
+              </a:spcBef>
+              <a:spcAft>
+                <a:spcPts val="0"/>
+              </a:spcAft>
+              <a:buClrTx/>
+              <a:buSzTx/>
+              <a:buFontTx/>
+              <a:buNone/>
+              <a:tabLst/>
+              <a:defRPr/>
+            </a:pPr>
+            <a:r>
+              <a:rPr kumimoji="0" lang="en-US" sz="900" b="0" i="0" u="none" strike="noStrike" kern="1200" cap="none" spc="0" normalizeH="0" baseline="0" noProof="0" dirty="0">
+                <a:ln>
+                  <a:noFill/>
+                </a:ln>
+                <a:solidFill>
+                  <a:prstClr val="black">
+                    <a:tint val="75000"/>
+                  </a:prstClr>
+                </a:solidFill>
+                <a:effectLst/>
+                <a:uLnTx/>
+                <a:uFillTx/>
+                <a:latin typeface="Tenorite"/>
+                <a:ea typeface="+mn-ea"/>
+                <a:cs typeface="+mn-cs"/>
+              </a:rPr>
+              <a:t>20XX</a:t>
+            </a:r>
+          </a:p>
+        </p:txBody>
+      </p:sp>
+      <p:sp>
+        <p:nvSpPr>
+          <p:cNvPr id="5" name="Footer Placeholder 4">
+            <a:extLst>
+              <a:ext uri="{FF2B5EF4-FFF2-40B4-BE49-F238E27FC236}">
+                <a16:creationId xmlns:a16="http://schemas.microsoft.com/office/drawing/2014/main" id="{8D51ED20-04D4-4894-B0C2-9C541A61A734}"/>
+              </a:ext>
+            </a:extLst>
+          </p:cNvPr>
+          <p:cNvSpPr>
+            <a:spLocks noGrp="1"/>
+          </p:cNvSpPr>
+          <p:nvPr>
+            <p:ph type="ftr" sz="quarter" idx="11"/>
+          </p:nvPr>
+        </p:nvSpPr>
+        <p:spPr>
+          <a:xfrm>
+            <a:off x="2463800" y="6356350"/>
+            <a:ext cx="3479800" cy="365125"/>
           </a:xfrm>
         </p:spPr>
         <p:txBody>
           <a:bodyPr/>
           <a:lstStyle/>
           <a:p>
-            <a:r>
-              <a:rPr lang="en-US" dirty="0"/>
-              <a:t>Introduction</a:t>
-            </a:r>
-          </a:p>
-          <a:p>
-            <a:r>
-              <a:rPr lang="en-US" dirty="0"/>
-              <a:t>Primary goals</a:t>
-            </a:r>
-          </a:p>
-          <a:p>
-            <a:r>
-              <a:rPr lang="en-US" dirty="0"/>
-              <a:t>Areas of growth</a:t>
-            </a:r>
-          </a:p>
-          <a:p>
-            <a:r>
-              <a:rPr lang="en-US" dirty="0"/>
-              <a:t>Timeline</a:t>
-            </a:r>
-          </a:p>
-          <a:p>
-            <a:r>
-              <a:rPr lang="en-US" dirty="0"/>
-              <a:t>Summary</a:t>
-            </a:r>
-          </a:p>
-        </p:txBody>
-      </p:sp>
-      <p:sp>
-        <p:nvSpPr>
-          <p:cNvPr id="5" name="Date Placeholder 4">
-            <a:extLst>
-              <a:ext uri="{FF2B5EF4-FFF2-40B4-BE49-F238E27FC236}">
-                <a16:creationId xmlns:a16="http://schemas.microsoft.com/office/drawing/2014/main" id="{9AB5BAF8-EA80-4AD4-8D83-5960C299573A}"/>
-              </a:ext>
-            </a:extLst>
-          </p:cNvPr>
-          <p:cNvSpPr>
-            <a:spLocks noGrp="1"/>
-          </p:cNvSpPr>
-          <p:nvPr>
-            <p:ph type="dt" sz="half" idx="10"/>
-          </p:nvPr>
-        </p:nvSpPr>
-        <p:spPr>
-          <a:xfrm>
-            <a:off x="1333500" y="6356350"/>
-            <a:ext cx="985157" cy="365125"/>
+            <a:pPr marL="0" marR="0" lvl="0" indent="0" algn="ctr" defTabSz="914400" rtl="0" eaLnBrk="1" fontAlgn="auto" latinLnBrk="0" hangingPunct="1">
+              <a:lnSpc>
+                <a:spcPct val="100000"/>
+              </a:lnSpc>
+              <a:spcBef>
+                <a:spcPts val="0"/>
+              </a:spcBef>
+              <a:spcAft>
+                <a:spcPts val="0"/>
+              </a:spcAft>
+              <a:buClrTx/>
+              <a:buSzTx/>
+              <a:buFontTx/>
+              <a:buNone/>
+              <a:tabLst/>
+              <a:defRPr/>
+            </a:pPr>
+            <a:r>
+              <a:rPr kumimoji="0" lang="en-US" sz="900" b="0" i="0" u="none" strike="noStrike" kern="1200" cap="none" spc="0" normalizeH="0" baseline="0" noProof="0" dirty="0">
+                <a:ln>
+                  <a:noFill/>
+                </a:ln>
+                <a:solidFill>
+                  <a:prstClr val="black">
+                    <a:tint val="75000"/>
+                  </a:prstClr>
+                </a:solidFill>
+                <a:effectLst/>
+                <a:uLnTx/>
+                <a:uFillTx/>
+                <a:latin typeface="Tenorite"/>
+                <a:ea typeface="+mn-ea"/>
+                <a:cs typeface="+mn-cs"/>
+              </a:rPr>
+              <a:t>PRESENTATION TITLE</a:t>
+            </a:r>
+          </a:p>
+        </p:txBody>
+      </p:sp>
+      <p:sp>
+        <p:nvSpPr>
+          <p:cNvPr id="6" name="Slide Number Placeholder 5">
+            <a:extLst>
+              <a:ext uri="{FF2B5EF4-FFF2-40B4-BE49-F238E27FC236}">
+                <a16:creationId xmlns:a16="http://schemas.microsoft.com/office/drawing/2014/main" id="{7BC1787E-7110-4989-B0B8-DD4E0ACC09DF}"/>
+              </a:ext>
+            </a:extLst>
+          </p:cNvPr>
+          <p:cNvSpPr>
+            <a:spLocks noGrp="1"/>
+          </p:cNvSpPr>
+          <p:nvPr>
+            <p:ph type="sldNum" sz="quarter" idx="12"/>
+          </p:nvPr>
+        </p:nvSpPr>
+        <p:spPr>
+          <a:xfrm>
+            <a:off x="8610600" y="6356350"/>
+            <a:ext cx="2743200" cy="365125"/>
           </a:xfrm>
         </p:spPr>
         <p:txBody>
           <a:bodyPr/>
           <a:lstStyle/>
           <a:p>
-            <a:r>
-              <a:rPr lang="en-US" dirty="0"/>
-              <a:t>20XX</a:t>
-            </a:r>
-          </a:p>
-        </p:txBody>
-      </p:sp>
-      <p:sp>
-        <p:nvSpPr>
-          <p:cNvPr id="4" name="Footer Placeholder 3">
-            <a:extLst>
-              <a:ext uri="{FF2B5EF4-FFF2-40B4-BE49-F238E27FC236}">
-                <a16:creationId xmlns:a16="http://schemas.microsoft.com/office/drawing/2014/main" id="{36C19884-873C-4D13-BE6D-318CF07B0D12}"/>
-              </a:ext>
-            </a:extLst>
-          </p:cNvPr>
-          <p:cNvSpPr>
-            <a:spLocks noGrp="1"/>
-          </p:cNvSpPr>
-          <p:nvPr>
-            <p:ph type="ftr" sz="quarter" idx="11"/>
-          </p:nvPr>
-        </p:nvSpPr>
-        <p:spPr>
-          <a:xfrm>
-            <a:off x="2669886" y="6356349"/>
-            <a:ext cx="2482842" cy="365125"/>
-          </a:xfrm>
-        </p:spPr>
-        <p:txBody>
-          <a:bodyPr/>
-          <a:lstStyle/>
-          <a:p>
-            <a:r>
-              <a:rPr lang="en-US" dirty="0"/>
-              <a:t>PRESENTATION TITLE</a:t>
-            </a:r>
-          </a:p>
-        </p:txBody>
-      </p:sp>
-      <p:sp>
-        <p:nvSpPr>
-          <p:cNvPr id="6" name="Slide Number Placeholder 5">
-            <a:extLst>
-              <a:ext uri="{FF2B5EF4-FFF2-40B4-BE49-F238E27FC236}">
-                <a16:creationId xmlns:a16="http://schemas.microsoft.com/office/drawing/2014/main" id="{7C991F00-87A7-45A6-8029-B097FA72498D}"/>
-              </a:ext>
-            </a:extLst>
-          </p:cNvPr>
-          <p:cNvSpPr>
-            <a:spLocks noGrp="1"/>
-          </p:cNvSpPr>
-          <p:nvPr>
-            <p:ph type="sldNum" sz="quarter" idx="12"/>
-          </p:nvPr>
-        </p:nvSpPr>
-        <p:spPr>
-          <a:xfrm>
-            <a:off x="5536305" y="6356350"/>
-            <a:ext cx="987552" cy="365125"/>
-          </a:xfrm>
-        </p:spPr>
-        <p:txBody>
-          <a:bodyPr/>
-          <a:lstStyle/>
-          <a:p>
+            <a:pPr marL="0" marR="0" lvl="0" indent="0" algn="r" defTabSz="914400" rtl="0" eaLnBrk="1" fontAlgn="auto" latinLnBrk="0" hangingPunct="1">
+              <a:lnSpc>
+                <a:spcPct val="100000"/>
+              </a:lnSpc>
+              <a:spcBef>
+                <a:spcPts val="0"/>
+              </a:spcBef>
+              <a:spcAft>
+                <a:spcPts val="0"/>
+              </a:spcAft>
+              <a:buClrTx/>
+              <a:buSzTx/>
+              <a:buFontTx/>
+              <a:buNone/>
+              <a:tabLst/>
+              <a:defRPr/>
+            </a:pPr>
             <a:fld id="{A49DFD55-3C28-40EF-9E31-A92D2E4017FF}" type="slidenum">
-              <a:rPr lang="en-US" smtClean="0"/>
-              <a:pPr/>
+              <a:rPr kumimoji="0" lang="en-US" sz="900" b="0" i="0" u="none" strike="noStrike" kern="1200" cap="none" spc="0" normalizeH="0" baseline="0" noProof="0" smtClean="0">
+                <a:ln>
+                  <a:noFill/>
+                </a:ln>
+                <a:solidFill>
+                  <a:prstClr val="black">
+                    <a:tint val="75000"/>
+                  </a:prstClr>
+                </a:solidFill>
+                <a:effectLst/>
+                <a:uLnTx/>
+                <a:uFillTx/>
+                <a:latin typeface="Tenorite"/>
+                <a:ea typeface="+mn-ea"/>
+                <a:cs typeface="+mn-cs"/>
+              </a:rPr>
+              <a:pPr marL="0" marR="0" lvl="0" indent="0" algn="r" defTabSz="914400" rtl="0" eaLnBrk="1" fontAlgn="auto" latinLnBrk="0" hangingPunct="1">
+                <a:lnSpc>
+                  <a:spcPct val="100000"/>
+                </a:lnSpc>
+                <a:spcBef>
+                  <a:spcPts val="0"/>
+                </a:spcBef>
+                <a:spcAft>
+                  <a:spcPts val="0"/>
+                </a:spcAft>
+                <a:buClrTx/>
+                <a:buSzTx/>
+                <a:buFontTx/>
+                <a:buNone/>
+                <a:tabLst/>
+                <a:defRPr/>
+              </a:pPr>
               <a:t>4</a:t>
             </a:fld>
-            <a:endParaRPr lang="en-US" dirty="0"/>
+            <a:endParaRPr kumimoji="0" lang="en-US" sz="900" b="0" i="0" u="none" strike="noStrike" kern="1200" cap="none" spc="0" normalizeH="0" baseline="0" noProof="0" dirty="0">
+              <a:ln>
+                <a:noFill/>
+              </a:ln>
+              <a:solidFill>
+                <a:prstClr val="black">
+                  <a:tint val="75000"/>
+                </a:prstClr>
+              </a:solidFill>
+              <a:effectLst/>
+              <a:uLnTx/>
+              <a:uFillTx/>
+              <a:latin typeface="Tenorite"/>
+              <a:ea typeface="+mn-ea"/>
+              <a:cs typeface="+mn-cs"/>
+            </a:endParaRPr>
           </a:p>
         </p:txBody>
       </p:sp>
     </p:spTree>
     <p:extLst>
       <p:ext uri="{BB962C8B-B14F-4D97-AF65-F5344CB8AC3E}">
-        <p14:creationId xmlns:p14="http://schemas.microsoft.com/office/powerpoint/2010/main" val="1713219598"/>
+        <p14:creationId xmlns:p14="http://schemas.microsoft.com/office/powerpoint/2010/main" val="1916418212"/>
       </p:ext>
     </p:extLst>
   </p:cSld>
@@ -17999,21 +17463,21 @@
           <p:cNvPr id="2" name="Title 1">
             <a:extLst>
               <a:ext uri="{FF2B5EF4-FFF2-40B4-BE49-F238E27FC236}">
-                <a16:creationId xmlns:a16="http://schemas.microsoft.com/office/drawing/2014/main" id="{0A32731C-311B-46F7-A865-6C3AF6B09A47}"/>
-              </a:ext>
-            </a:extLst>
-          </p:cNvPr>
-          <p:cNvSpPr>
-            <a:spLocks noGrp="1"/>
-          </p:cNvSpPr>
-          <p:nvPr>
-            <p:ph type="title"/>
-          </p:nvPr>
-        </p:nvSpPr>
-        <p:spPr>
-          <a:xfrm>
-            <a:off x="1362075" y="1671639"/>
-            <a:ext cx="5111750" cy="1204912"/>
+                <a16:creationId xmlns:a16="http://schemas.microsoft.com/office/drawing/2014/main" id="{B1FE5F11-B7B9-4B80-8C6A-A8A7A7190B77}"/>
+              </a:ext>
+            </a:extLst>
+          </p:cNvPr>
+          <p:cNvSpPr>
+            <a:spLocks noGrp="1"/>
+          </p:cNvSpPr>
+          <p:nvPr>
+            <p:ph type="ctrTitle"/>
+          </p:nvPr>
+        </p:nvSpPr>
+        <p:spPr>
+          <a:xfrm>
+            <a:off x="6991350" y="2148840"/>
+            <a:ext cx="4179570" cy="1715531"/>
           </a:xfrm>
         </p:spPr>
         <p:txBody>
@@ -18022,31 +17486,31 @@
           <a:p>
             <a:r>
               <a:rPr lang="en-US" dirty="0"/>
-              <a:t>INTRODUCTION</a:t>
-            </a:r>
-          </a:p>
-        </p:txBody>
-      </p:sp>
-      <p:sp>
-        <p:nvSpPr>
-          <p:cNvPr id="3" name="Text Placeholder 2">
-            <a:extLst>
-              <a:ext uri="{FF2B5EF4-FFF2-40B4-BE49-F238E27FC236}">
-                <a16:creationId xmlns:a16="http://schemas.microsoft.com/office/drawing/2014/main" id="{9D5232F9-FD00-464A-9F17-619C91AEF8F3}"/>
-              </a:ext>
-            </a:extLst>
-          </p:cNvPr>
-          <p:cNvSpPr>
-            <a:spLocks noGrp="1"/>
-          </p:cNvSpPr>
-          <p:nvPr>
-            <p:ph type="body" idx="1"/>
-          </p:nvPr>
-        </p:nvSpPr>
-        <p:spPr>
-          <a:xfrm>
-            <a:off x="1362075" y="3660774"/>
-            <a:ext cx="5111750" cy="1525588"/>
+              <a:t>PRIMARY GOALS</a:t>
+            </a:r>
+          </a:p>
+        </p:txBody>
+      </p:sp>
+      <p:sp>
+        <p:nvSpPr>
+          <p:cNvPr id="3" name="Subtitle 2">
+            <a:extLst>
+              <a:ext uri="{FF2B5EF4-FFF2-40B4-BE49-F238E27FC236}">
+                <a16:creationId xmlns:a16="http://schemas.microsoft.com/office/drawing/2014/main" id="{DA8AFAA9-633A-475C-B8ED-840A34F7294D}"/>
+              </a:ext>
+            </a:extLst>
+          </p:cNvPr>
+          <p:cNvSpPr>
+            <a:spLocks noGrp="1"/>
+          </p:cNvSpPr>
+          <p:nvPr>
+            <p:ph type="subTitle" idx="1"/>
+          </p:nvPr>
+        </p:nvSpPr>
+        <p:spPr>
+          <a:xfrm>
+            <a:off x="6991350" y="3962003"/>
+            <a:ext cx="4179570" cy="365125"/>
           </a:xfrm>
         </p:spPr>
         <p:txBody>
@@ -18055,116 +17519,15 @@
           <a:p>
             <a:r>
               <a:rPr lang="en-US" dirty="0"/>
-              <a:t>At Contoso, we empower organizations to foster collaborative thinking to further drive workplace innovation. By closing the loop and leveraging agile frameworks, we help business grow organically and foster a consumer-first mindset.​</a:t>
-            </a:r>
-          </a:p>
-        </p:txBody>
-      </p:sp>
-      <p:sp>
-        <p:nvSpPr>
-          <p:cNvPr id="4" name="Date Placeholder 3">
-            <a:extLst>
-              <a:ext uri="{FF2B5EF4-FFF2-40B4-BE49-F238E27FC236}">
-                <a16:creationId xmlns:a16="http://schemas.microsoft.com/office/drawing/2014/main" id="{70E12647-CCB2-45E2-A9CB-A868F490497E}"/>
-              </a:ext>
-            </a:extLst>
-          </p:cNvPr>
-          <p:cNvSpPr>
-            <a:spLocks noGrp="1"/>
-          </p:cNvSpPr>
-          <p:nvPr>
-            <p:ph type="dt" sz="half" idx="10"/>
-          </p:nvPr>
-        </p:nvSpPr>
-        <p:spPr>
-          <a:xfrm>
-            <a:off x="838200" y="6356350"/>
-            <a:ext cx="1219200" cy="365125"/>
-          </a:xfrm>
-        </p:spPr>
-        <p:txBody>
-          <a:bodyPr/>
-          <a:lstStyle/>
-          <a:p>
-            <a:r>
-              <a:rPr lang="en-US" dirty="0"/>
-              <a:t>20XX</a:t>
-            </a:r>
-          </a:p>
-        </p:txBody>
-      </p:sp>
-      <p:sp>
-        <p:nvSpPr>
-          <p:cNvPr id="5" name="Footer Placeholder 4">
-            <a:extLst>
-              <a:ext uri="{FF2B5EF4-FFF2-40B4-BE49-F238E27FC236}">
-                <a16:creationId xmlns:a16="http://schemas.microsoft.com/office/drawing/2014/main" id="{8D51ED20-04D4-4894-B0C2-9C541A61A734}"/>
-              </a:ext>
-            </a:extLst>
-          </p:cNvPr>
-          <p:cNvSpPr>
-            <a:spLocks noGrp="1"/>
-          </p:cNvSpPr>
-          <p:nvPr>
-            <p:ph type="ftr" sz="quarter" idx="11"/>
-          </p:nvPr>
-        </p:nvSpPr>
-        <p:spPr>
-          <a:xfrm>
-            <a:off x="2463800" y="6356350"/>
-            <a:ext cx="3479800" cy="365125"/>
-          </a:xfrm>
-        </p:spPr>
-        <p:txBody>
-          <a:bodyPr/>
-          <a:lstStyle/>
-          <a:p>
-            <a:r>
-              <a:rPr lang="en-US" dirty="0"/>
-              <a:t>PRESENTATION TITLE</a:t>
-            </a:r>
-          </a:p>
-        </p:txBody>
-      </p:sp>
-      <p:sp>
-        <p:nvSpPr>
-          <p:cNvPr id="6" name="Slide Number Placeholder 5">
-            <a:extLst>
-              <a:ext uri="{FF2B5EF4-FFF2-40B4-BE49-F238E27FC236}">
-                <a16:creationId xmlns:a16="http://schemas.microsoft.com/office/drawing/2014/main" id="{7BC1787E-7110-4989-B0B8-DD4E0ACC09DF}"/>
-              </a:ext>
-            </a:extLst>
-          </p:cNvPr>
-          <p:cNvSpPr>
-            <a:spLocks noGrp="1"/>
-          </p:cNvSpPr>
-          <p:nvPr>
-            <p:ph type="sldNum" sz="quarter" idx="12"/>
-          </p:nvPr>
-        </p:nvSpPr>
-        <p:spPr>
-          <a:xfrm>
-            <a:off x="8610600" y="6356350"/>
-            <a:ext cx="2743200" cy="365125"/>
-          </a:xfrm>
-        </p:spPr>
-        <p:txBody>
-          <a:bodyPr/>
-          <a:lstStyle/>
-          <a:p>
-            <a:fld id="{A49DFD55-3C28-40EF-9E31-A92D2E4017FF}" type="slidenum">
-              <a:rPr lang="en-US" smtClean="0"/>
-              <a:pPr/>
-              <a:t>5</a:t>
-            </a:fld>
-            <a:endParaRPr lang="en-US" dirty="0"/>
+              <a:t>Annual revenue growth</a:t>
+            </a:r>
           </a:p>
         </p:txBody>
       </p:sp>
     </p:spTree>
     <p:extLst>
       <p:ext uri="{BB962C8B-B14F-4D97-AF65-F5344CB8AC3E}">
-        <p14:creationId xmlns:p14="http://schemas.microsoft.com/office/powerpoint/2010/main" val="3571516367"/>
+        <p14:creationId xmlns:p14="http://schemas.microsoft.com/office/powerpoint/2010/main" val="379728094"/>
       </p:ext>
     </p:extLst>
   </p:cSld>
@@ -18196,102 +17559,6 @@
           <p:cNvPr id="2" name="Title 1">
             <a:extLst>
               <a:ext uri="{FF2B5EF4-FFF2-40B4-BE49-F238E27FC236}">
-                <a16:creationId xmlns:a16="http://schemas.microsoft.com/office/drawing/2014/main" id="{B1FE5F11-B7B9-4B80-8C6A-A8A7A7190B77}"/>
-              </a:ext>
-            </a:extLst>
-          </p:cNvPr>
-          <p:cNvSpPr>
-            <a:spLocks noGrp="1"/>
-          </p:cNvSpPr>
-          <p:nvPr>
-            <p:ph type="ctrTitle"/>
-          </p:nvPr>
-        </p:nvSpPr>
-        <p:spPr>
-          <a:xfrm>
-            <a:off x="6991350" y="2148840"/>
-            <a:ext cx="4179570" cy="1715531"/>
-          </a:xfrm>
-        </p:spPr>
-        <p:txBody>
-          <a:bodyPr/>
-          <a:lstStyle/>
-          <a:p>
-            <a:r>
-              <a:rPr lang="en-US" dirty="0"/>
-              <a:t>PRIMARY GOALS</a:t>
-            </a:r>
-          </a:p>
-        </p:txBody>
-      </p:sp>
-      <p:sp>
-        <p:nvSpPr>
-          <p:cNvPr id="3" name="Subtitle 2">
-            <a:extLst>
-              <a:ext uri="{FF2B5EF4-FFF2-40B4-BE49-F238E27FC236}">
-                <a16:creationId xmlns:a16="http://schemas.microsoft.com/office/drawing/2014/main" id="{DA8AFAA9-633A-475C-B8ED-840A34F7294D}"/>
-              </a:ext>
-            </a:extLst>
-          </p:cNvPr>
-          <p:cNvSpPr>
-            <a:spLocks noGrp="1"/>
-          </p:cNvSpPr>
-          <p:nvPr>
-            <p:ph type="subTitle" idx="1"/>
-          </p:nvPr>
-        </p:nvSpPr>
-        <p:spPr>
-          <a:xfrm>
-            <a:off x="6991350" y="3962003"/>
-            <a:ext cx="4179570" cy="365125"/>
-          </a:xfrm>
-        </p:spPr>
-        <p:txBody>
-          <a:bodyPr/>
-          <a:lstStyle/>
-          <a:p>
-            <a:r>
-              <a:rPr lang="en-US" dirty="0"/>
-              <a:t>Annual revenue growth</a:t>
-            </a:r>
-          </a:p>
-        </p:txBody>
-      </p:sp>
-    </p:spTree>
-    <p:extLst>
-      <p:ext uri="{BB962C8B-B14F-4D97-AF65-F5344CB8AC3E}">
-        <p14:creationId xmlns:p14="http://schemas.microsoft.com/office/powerpoint/2010/main" val="379728094"/>
-      </p:ext>
-    </p:extLst>
-  </p:cSld>
-  <p:clrMapOvr>
-    <a:masterClrMapping/>
-  </p:clrMapOvr>
-</p:sld>
-</file>
-
-<file path=ppt/slides/slide7.xml><?xml version="1.0" encoding="utf-8"?>
-<p:sld xmlns:a="http://schemas.openxmlformats.org/drawingml/2006/main" xmlns:r="http://schemas.openxmlformats.org/officeDocument/2006/relationships" xmlns:p="http://schemas.openxmlformats.org/presentationml/2006/main">
-  <p:cSld>
-    <p:spTree>
-      <p:nvGrpSpPr>
-        <p:cNvPr id="1" name=""/>
-        <p:cNvGrpSpPr/>
-        <p:nvPr/>
-      </p:nvGrpSpPr>
-      <p:grpSpPr>
-        <a:xfrm>
-          <a:off x="0" y="0"/>
-          <a:ext cx="0" cy="0"/>
-          <a:chOff x="0" y="0"/>
-          <a:chExt cx="0" cy="0"/>
-        </a:xfrm>
-      </p:grpSpPr>
-      <p:sp>
-        <p:nvSpPr>
-          <p:cNvPr id="2" name="Title 1">
-            <a:extLst>
-              <a:ext uri="{FF2B5EF4-FFF2-40B4-BE49-F238E27FC236}">
                 <a16:creationId xmlns:a16="http://schemas.microsoft.com/office/drawing/2014/main" id="{AFC6D044-C704-4974-935B-AE3D7EFC9BC4}"/>
               </a:ext>
             </a:extLst>
@@ -18415,7 +17682,7 @@
             <a:fld id="{A49DFD55-3C28-40EF-9E31-A92D2E4017FF}" type="slidenum">
               <a:rPr lang="en-US" smtClean="0"/>
               <a:pPr/>
-              <a:t>7</a:t>
+              <a:t>6</a:t>
             </a:fld>
             <a:endParaRPr lang="en-US" dirty="0"/>
           </a:p>
@@ -18465,7 +17732,7 @@
 </p:sld>
 </file>
 
-<file path=ppt/slides/slide8.xml><?xml version="1.0" encoding="utf-8"?>
+<file path=ppt/slides/slide7.xml><?xml version="1.0" encoding="utf-8"?>
 <p:sld xmlns:a="http://schemas.openxmlformats.org/drawingml/2006/main" xmlns:r="http://schemas.openxmlformats.org/officeDocument/2006/relationships" xmlns:p="http://schemas.openxmlformats.org/presentationml/2006/main">
   <p:cSld>
     <p:spTree>
@@ -19509,7 +18776,7 @@
             <a:fld id="{A49DFD55-3C28-40EF-9E31-A92D2E4017FF}" type="slidenum">
               <a:rPr lang="en-US" smtClean="0"/>
               <a:pPr/>
-              <a:t>8</a:t>
+              <a:t>7</a:t>
             </a:fld>
             <a:endParaRPr lang="en-US" dirty="0"/>
           </a:p>
@@ -19519,6 +18786,203 @@
     <p:extLst>
       <p:ext uri="{BB962C8B-B14F-4D97-AF65-F5344CB8AC3E}">
         <p14:creationId xmlns:p14="http://schemas.microsoft.com/office/powerpoint/2010/main" val="2499682613"/>
+      </p:ext>
+    </p:extLst>
+  </p:cSld>
+  <p:clrMapOvr>
+    <a:masterClrMapping/>
+  </p:clrMapOvr>
+</p:sld>
+</file>
+
+<file path=ppt/slides/slide8.xml><?xml version="1.0" encoding="utf-8"?>
+<p:sld xmlns:a="http://schemas.openxmlformats.org/drawingml/2006/main" xmlns:r="http://schemas.openxmlformats.org/officeDocument/2006/relationships" xmlns:p="http://schemas.openxmlformats.org/presentationml/2006/main">
+  <p:cSld>
+    <p:spTree>
+      <p:nvGrpSpPr>
+        <p:cNvPr id="1" name=""/>
+        <p:cNvGrpSpPr/>
+        <p:nvPr/>
+      </p:nvGrpSpPr>
+      <p:grpSpPr>
+        <a:xfrm>
+          <a:off x="0" y="0"/>
+          <a:ext cx="0" cy="0"/>
+          <a:chOff x="0" y="0"/>
+          <a:chExt cx="0" cy="0"/>
+        </a:xfrm>
+      </p:grpSpPr>
+      <p:sp>
+        <p:nvSpPr>
+          <p:cNvPr id="2" name="Title 1">
+            <a:extLst>
+              <a:ext uri="{FF2B5EF4-FFF2-40B4-BE49-F238E27FC236}">
+                <a16:creationId xmlns:a16="http://schemas.microsoft.com/office/drawing/2014/main" id="{D94A2CD4-732A-43E4-BCB9-CBA2055E0AC6}"/>
+              </a:ext>
+            </a:extLst>
+          </p:cNvPr>
+          <p:cNvSpPr>
+            <a:spLocks noGrp="1"/>
+          </p:cNvSpPr>
+          <p:nvPr>
+            <p:ph type="title"/>
+          </p:nvPr>
+        </p:nvSpPr>
+        <p:spPr>
+          <a:xfrm>
+            <a:off x="4657724" y="2809875"/>
+            <a:ext cx="6696075" cy="1909763"/>
+          </a:xfrm>
+        </p:spPr>
+        <p:txBody>
+          <a:bodyPr/>
+          <a:lstStyle/>
+          <a:p>
+            <a:r>
+              <a:rPr lang="en-US" dirty="0"/>
+              <a:t>BUSINESS OPPORTUNITIES ARE LIKE BUSES. THERE'S ALWAYS ANOTHER ONE COMING.​</a:t>
+            </a:r>
+          </a:p>
+        </p:txBody>
+      </p:sp>
+      <p:sp>
+        <p:nvSpPr>
+          <p:cNvPr id="3" name="Subtitle 2">
+            <a:extLst>
+              <a:ext uri="{FF2B5EF4-FFF2-40B4-BE49-F238E27FC236}">
+                <a16:creationId xmlns:a16="http://schemas.microsoft.com/office/drawing/2014/main" id="{45FD0450-A909-4CD9-8912-96A19ACEB7CB}"/>
+              </a:ext>
+            </a:extLst>
+          </p:cNvPr>
+          <p:cNvSpPr>
+            <a:spLocks noGrp="1"/>
+          </p:cNvSpPr>
+          <p:nvPr>
+            <p:ph type="subTitle" idx="1"/>
+          </p:nvPr>
+        </p:nvSpPr>
+        <p:spPr>
+          <a:xfrm>
+            <a:off x="4657725" y="5028803"/>
+            <a:ext cx="6696074" cy="365125"/>
+          </a:xfrm>
+        </p:spPr>
+        <p:txBody>
+          <a:bodyPr/>
+          <a:lstStyle/>
+          <a:p>
+            <a:r>
+              <a:rPr lang="en-US" dirty="0"/>
+              <a:t>Richard Branson</a:t>
+            </a:r>
+          </a:p>
+        </p:txBody>
+      </p:sp>
+      <p:sp>
+        <p:nvSpPr>
+          <p:cNvPr id="4" name="Date Placeholder 3">
+            <a:extLst>
+              <a:ext uri="{FF2B5EF4-FFF2-40B4-BE49-F238E27FC236}">
+                <a16:creationId xmlns:a16="http://schemas.microsoft.com/office/drawing/2014/main" id="{DA53D834-F1E2-4848-8093-D412A7B081AF}"/>
+              </a:ext>
+            </a:extLst>
+          </p:cNvPr>
+          <p:cNvSpPr>
+            <a:spLocks noGrp="1"/>
+          </p:cNvSpPr>
+          <p:nvPr>
+            <p:ph type="dt" sz="half" idx="10"/>
+          </p:nvPr>
+        </p:nvSpPr>
+        <p:spPr>
+          <a:xfrm>
+            <a:off x="4676774" y="6356350"/>
+            <a:ext cx="1695450" cy="365125"/>
+          </a:xfrm>
+        </p:spPr>
+        <p:txBody>
+          <a:bodyPr/>
+          <a:lstStyle/>
+          <a:p>
+            <a:r>
+              <a:rPr lang="en-US" dirty="0"/>
+              <a:t>20XX</a:t>
+            </a:r>
+          </a:p>
+        </p:txBody>
+      </p:sp>
+      <p:sp>
+        <p:nvSpPr>
+          <p:cNvPr id="5" name="Footer Placeholder 4">
+            <a:extLst>
+              <a:ext uri="{FF2B5EF4-FFF2-40B4-BE49-F238E27FC236}">
+                <a16:creationId xmlns:a16="http://schemas.microsoft.com/office/drawing/2014/main" id="{3555A49C-96F4-440D-B89E-A0AE94F70108}"/>
+              </a:ext>
+            </a:extLst>
+          </p:cNvPr>
+          <p:cNvSpPr>
+            <a:spLocks noGrp="1"/>
+          </p:cNvSpPr>
+          <p:nvPr>
+            <p:ph type="ftr" sz="quarter" idx="11"/>
+          </p:nvPr>
+        </p:nvSpPr>
+        <p:spPr>
+          <a:xfrm>
+            <a:off x="6743699" y="6356350"/>
+            <a:ext cx="2543175" cy="365125"/>
+          </a:xfrm>
+        </p:spPr>
+        <p:txBody>
+          <a:bodyPr/>
+          <a:lstStyle/>
+          <a:p>
+            <a:r>
+              <a:rPr lang="en-US" dirty="0"/>
+              <a:t>PRESENTATION TITLE</a:t>
+            </a:r>
+          </a:p>
+        </p:txBody>
+      </p:sp>
+      <p:sp>
+        <p:nvSpPr>
+          <p:cNvPr id="6" name="Slide Number Placeholder 5">
+            <a:extLst>
+              <a:ext uri="{FF2B5EF4-FFF2-40B4-BE49-F238E27FC236}">
+                <a16:creationId xmlns:a16="http://schemas.microsoft.com/office/drawing/2014/main" id="{F2A39FA3-9AE3-4689-A469-B7D2DFCCC2D9}"/>
+              </a:ext>
+            </a:extLst>
+          </p:cNvPr>
+          <p:cNvSpPr>
+            <a:spLocks noGrp="1"/>
+          </p:cNvSpPr>
+          <p:nvPr>
+            <p:ph type="sldNum" sz="quarter" idx="12"/>
+          </p:nvPr>
+        </p:nvSpPr>
+        <p:spPr>
+          <a:xfrm>
+            <a:off x="9658350" y="6356350"/>
+            <a:ext cx="1695450" cy="365125"/>
+          </a:xfrm>
+        </p:spPr>
+        <p:txBody>
+          <a:bodyPr/>
+          <a:lstStyle/>
+          <a:p>
+            <a:fld id="{A49DFD55-3C28-40EF-9E31-A92D2E4017FF}" type="slidenum">
+              <a:rPr lang="en-US" smtClean="0"/>
+              <a:pPr/>
+              <a:t>8</a:t>
+            </a:fld>
+            <a:endParaRPr lang="en-US" dirty="0"/>
+          </a:p>
+        </p:txBody>
+      </p:sp>
+    </p:spTree>
+    <p:extLst>
+      <p:ext uri="{BB962C8B-B14F-4D97-AF65-F5344CB8AC3E}">
+        <p14:creationId xmlns:p14="http://schemas.microsoft.com/office/powerpoint/2010/main" val="744379741"/>
       </p:ext>
     </p:extLst>
   </p:cSld>
@@ -19550,7 +19014,7 @@
           <p:cNvPr id="2" name="Title 1">
             <a:extLst>
               <a:ext uri="{FF2B5EF4-FFF2-40B4-BE49-F238E27FC236}">
-                <a16:creationId xmlns:a16="http://schemas.microsoft.com/office/drawing/2014/main" id="{D94A2CD4-732A-43E4-BCB9-CBA2055E0AC6}"/>
+                <a16:creationId xmlns:a16="http://schemas.microsoft.com/office/drawing/2014/main" id="{4F6A2D15-4D68-4BF7-9421-032AE6C8852C}"/>
               </a:ext>
             </a:extLst>
           </p:cNvPr>
@@ -19563,8 +19027,8 @@
         </p:nvSpPr>
         <p:spPr>
           <a:xfrm>
-            <a:off x="4657724" y="2809875"/>
-            <a:ext cx="6696075" cy="1909763"/>
+            <a:off x="1885156" y="892177"/>
+            <a:ext cx="8421688" cy="1325563"/>
           </a:xfrm>
         </p:spPr>
         <p:txBody>
@@ -19573,31 +19037,65 @@
           <a:p>
             <a:r>
               <a:rPr lang="en-US" dirty="0"/>
-              <a:t>BUSINESS OPPORTUNITIES ARE LIKE BUSES. THERE'S ALWAYS ANOTHER ONE COMING.​</a:t>
-            </a:r>
-          </a:p>
-        </p:txBody>
-      </p:sp>
-      <p:sp>
-        <p:nvSpPr>
-          <p:cNvPr id="3" name="Subtitle 2">
-            <a:extLst>
-              <a:ext uri="{FF2B5EF4-FFF2-40B4-BE49-F238E27FC236}">
-                <a16:creationId xmlns:a16="http://schemas.microsoft.com/office/drawing/2014/main" id="{45FD0450-A909-4CD9-8912-96A19ACEB7CB}"/>
-              </a:ext>
-            </a:extLst>
-          </p:cNvPr>
-          <p:cNvSpPr>
-            <a:spLocks noGrp="1"/>
-          </p:cNvSpPr>
-          <p:nvPr>
-            <p:ph type="subTitle" idx="1"/>
-          </p:nvPr>
-        </p:nvSpPr>
-        <p:spPr>
-          <a:xfrm>
-            <a:off x="4657725" y="5028803"/>
-            <a:ext cx="6696074" cy="365125"/>
+              <a:t>MEET OUR TEAM</a:t>
+            </a:r>
+          </a:p>
+        </p:txBody>
+      </p:sp>
+      <p:pic>
+        <p:nvPicPr>
+          <p:cNvPr id="16" name="Picture Placeholder 15" descr="Headshot for team slides ">
+            <a:extLst>
+              <a:ext uri="{FF2B5EF4-FFF2-40B4-BE49-F238E27FC236}">
+                <a16:creationId xmlns:a16="http://schemas.microsoft.com/office/drawing/2014/main" id="{788ADF35-7762-4E85-BE67-27FDB5522B9D}"/>
+              </a:ext>
+            </a:extLst>
+          </p:cNvPr>
+          <p:cNvPicPr>
+            <a:picLocks noGrp="1" noChangeAspect="1"/>
+          </p:cNvPicPr>
+          <p:nvPr>
+            <p:ph type="pic" sz="quarter" idx="14"/>
+          </p:nvPr>
+        </p:nvPicPr>
+        <p:blipFill rotWithShape="1">
+          <a:blip r:embed="rId2" cstate="screen">
+            <a:extLst>
+              <a:ext uri="{28A0092B-C50C-407E-A947-70E740481C1C}">
+                <a14:useLocalDpi xmlns:a14="http://schemas.microsoft.com/office/drawing/2010/main" val="0"/>
+              </a:ext>
+            </a:extLst>
+          </a:blip>
+          <a:srcRect/>
+          <a:stretch/>
+        </p:blipFill>
+        <p:spPr>
+          <a:xfrm>
+            <a:off x="1487181" y="2886074"/>
+            <a:ext cx="1845511" cy="1845511"/>
+          </a:xfrm>
+        </p:spPr>
+      </p:pic>
+      <p:sp>
+        <p:nvSpPr>
+          <p:cNvPr id="3" name="Text Placeholder 2">
+            <a:extLst>
+              <a:ext uri="{FF2B5EF4-FFF2-40B4-BE49-F238E27FC236}">
+                <a16:creationId xmlns:a16="http://schemas.microsoft.com/office/drawing/2014/main" id="{78BCC184-1096-457B-AB72-BD49E6E54117}"/>
+              </a:ext>
+            </a:extLst>
+          </p:cNvPr>
+          <p:cNvSpPr>
+            <a:spLocks noGrp="1"/>
+          </p:cNvSpPr>
+          <p:nvPr>
+            <p:ph type="body" idx="1"/>
+          </p:nvPr>
+        </p:nvSpPr>
+        <p:spPr>
+          <a:xfrm>
+            <a:off x="1228568" y="5084524"/>
+            <a:ext cx="2317707" cy="343061"/>
           </a:xfrm>
         </p:spPr>
         <p:txBody>
@@ -19606,31 +19104,31 @@
           <a:p>
             <a:r>
               <a:rPr lang="en-US" dirty="0"/>
-              <a:t>Richard Branson</a:t>
-            </a:r>
-          </a:p>
-        </p:txBody>
-      </p:sp>
-      <p:sp>
-        <p:nvSpPr>
-          <p:cNvPr id="4" name="Date Placeholder 3">
-            <a:extLst>
-              <a:ext uri="{FF2B5EF4-FFF2-40B4-BE49-F238E27FC236}">
-                <a16:creationId xmlns:a16="http://schemas.microsoft.com/office/drawing/2014/main" id="{DA53D834-F1E2-4848-8093-D412A7B081AF}"/>
-              </a:ext>
-            </a:extLst>
-          </p:cNvPr>
-          <p:cNvSpPr>
-            <a:spLocks noGrp="1"/>
-          </p:cNvSpPr>
-          <p:nvPr>
-            <p:ph type="dt" sz="half" idx="10"/>
-          </p:nvPr>
-        </p:nvSpPr>
-        <p:spPr>
-          <a:xfrm>
-            <a:off x="4676774" y="6356350"/>
-            <a:ext cx="1695450" cy="365125"/>
+              <a:t>TAKUMA HAYASHI</a:t>
+            </a:r>
+          </a:p>
+        </p:txBody>
+      </p:sp>
+      <p:sp>
+        <p:nvSpPr>
+          <p:cNvPr id="11" name="Text Placeholder 10">
+            <a:extLst>
+              <a:ext uri="{FF2B5EF4-FFF2-40B4-BE49-F238E27FC236}">
+                <a16:creationId xmlns:a16="http://schemas.microsoft.com/office/drawing/2014/main" id="{DB420882-1CC0-49B4-8DDE-24EC26687506}"/>
+              </a:ext>
+            </a:extLst>
+          </p:cNvPr>
+          <p:cNvSpPr>
+            <a:spLocks noGrp="1"/>
+          </p:cNvSpPr>
+          <p:nvPr>
+            <p:ph type="body" idx="21"/>
+          </p:nvPr>
+        </p:nvSpPr>
+        <p:spPr>
+          <a:xfrm>
+            <a:off x="1487181" y="5464114"/>
+            <a:ext cx="1845511" cy="343061"/>
           </a:xfrm>
         </p:spPr>
         <p:txBody>
@@ -19639,31 +19137,65 @@
           <a:p>
             <a:r>
               <a:rPr lang="en-US" dirty="0"/>
-              <a:t>20XX</a:t>
-            </a:r>
-          </a:p>
-        </p:txBody>
-      </p:sp>
-      <p:sp>
-        <p:nvSpPr>
-          <p:cNvPr id="5" name="Footer Placeholder 4">
-            <a:extLst>
-              <a:ext uri="{FF2B5EF4-FFF2-40B4-BE49-F238E27FC236}">
-                <a16:creationId xmlns:a16="http://schemas.microsoft.com/office/drawing/2014/main" id="{3555A49C-96F4-440D-B89E-A0AE94F70108}"/>
-              </a:ext>
-            </a:extLst>
-          </p:cNvPr>
-          <p:cNvSpPr>
-            <a:spLocks noGrp="1"/>
-          </p:cNvSpPr>
-          <p:nvPr>
-            <p:ph type="ftr" sz="quarter" idx="11"/>
-          </p:nvPr>
-        </p:nvSpPr>
-        <p:spPr>
-          <a:xfrm>
-            <a:off x="6743699" y="6356350"/>
-            <a:ext cx="2543175" cy="365125"/>
+              <a:t>President</a:t>
+            </a:r>
+          </a:p>
+        </p:txBody>
+      </p:sp>
+      <p:pic>
+        <p:nvPicPr>
+          <p:cNvPr id="18" name="Picture Placeholder 17" descr="Headshot for team slides ">
+            <a:extLst>
+              <a:ext uri="{FF2B5EF4-FFF2-40B4-BE49-F238E27FC236}">
+                <a16:creationId xmlns:a16="http://schemas.microsoft.com/office/drawing/2014/main" id="{F2557ABA-5037-481D-8C54-94B63E80E2EC}"/>
+              </a:ext>
+            </a:extLst>
+          </p:cNvPr>
+          <p:cNvPicPr>
+            <a:picLocks noGrp="1" noChangeAspect="1"/>
+          </p:cNvPicPr>
+          <p:nvPr>
+            <p:ph type="pic" sz="quarter" idx="15"/>
+          </p:nvPr>
+        </p:nvPicPr>
+        <p:blipFill rotWithShape="1">
+          <a:blip r:embed="rId3" cstate="screen">
+            <a:extLst>
+              <a:ext uri="{28A0092B-C50C-407E-A947-70E740481C1C}">
+                <a14:useLocalDpi xmlns:a14="http://schemas.microsoft.com/office/drawing/2010/main" val="0"/>
+              </a:ext>
+            </a:extLst>
+          </a:blip>
+          <a:srcRect/>
+          <a:stretch/>
+        </p:blipFill>
+        <p:spPr>
+          <a:xfrm>
+            <a:off x="3836914" y="2886074"/>
+            <a:ext cx="1845511" cy="1845511"/>
+          </a:xfrm>
+        </p:spPr>
+      </p:pic>
+      <p:sp>
+        <p:nvSpPr>
+          <p:cNvPr id="8" name="Text Placeholder 7">
+            <a:extLst>
+              <a:ext uri="{FF2B5EF4-FFF2-40B4-BE49-F238E27FC236}">
+                <a16:creationId xmlns:a16="http://schemas.microsoft.com/office/drawing/2014/main" id="{8F0714D4-1A7C-4D7F-A5C0-4F766382B6A9}"/>
+              </a:ext>
+            </a:extLst>
+          </p:cNvPr>
+          <p:cNvSpPr>
+            <a:spLocks noGrp="1"/>
+          </p:cNvSpPr>
+          <p:nvPr>
+            <p:ph type="body" idx="18"/>
+          </p:nvPr>
+        </p:nvSpPr>
+        <p:spPr>
+          <a:xfrm>
+            <a:off x="3578300" y="5084524"/>
+            <a:ext cx="2330816" cy="343061"/>
           </a:xfrm>
         </p:spPr>
         <p:txBody>
@@ -19672,6 +19204,305 @@
           <a:p>
             <a:r>
               <a:rPr lang="en-US" dirty="0"/>
+              <a:t>MIRJAM NILSSON</a:t>
+            </a:r>
+          </a:p>
+        </p:txBody>
+      </p:sp>
+      <p:sp>
+        <p:nvSpPr>
+          <p:cNvPr id="12" name="Text Placeholder 11">
+            <a:extLst>
+              <a:ext uri="{FF2B5EF4-FFF2-40B4-BE49-F238E27FC236}">
+                <a16:creationId xmlns:a16="http://schemas.microsoft.com/office/drawing/2014/main" id="{E017101B-2009-4267-8513-19000E37B1F0}"/>
+              </a:ext>
+            </a:extLst>
+          </p:cNvPr>
+          <p:cNvSpPr>
+            <a:spLocks noGrp="1"/>
+          </p:cNvSpPr>
+          <p:nvPr>
+            <p:ph type="body" idx="22"/>
+          </p:nvPr>
+        </p:nvSpPr>
+        <p:spPr>
+          <a:xfrm>
+            <a:off x="3836913" y="5478796"/>
+            <a:ext cx="1855949" cy="343061"/>
+          </a:xfrm>
+        </p:spPr>
+        <p:txBody>
+          <a:bodyPr/>
+          <a:lstStyle/>
+          <a:p>
+            <a:r>
+              <a:rPr lang="en-US" dirty="0"/>
+              <a:t>Chief Executive Officer</a:t>
+            </a:r>
+          </a:p>
+        </p:txBody>
+      </p:sp>
+      <p:pic>
+        <p:nvPicPr>
+          <p:cNvPr id="20" name="Picture Placeholder 19" descr="Headshot for team slides ">
+            <a:extLst>
+              <a:ext uri="{FF2B5EF4-FFF2-40B4-BE49-F238E27FC236}">
+                <a16:creationId xmlns:a16="http://schemas.microsoft.com/office/drawing/2014/main" id="{618E88B2-D607-4D3C-9519-A591A729DCC9}"/>
+              </a:ext>
+            </a:extLst>
+          </p:cNvPr>
+          <p:cNvPicPr>
+            <a:picLocks noGrp="1" noChangeAspect="1"/>
+          </p:cNvPicPr>
+          <p:nvPr>
+            <p:ph type="pic" sz="quarter" idx="16"/>
+          </p:nvPr>
+        </p:nvPicPr>
+        <p:blipFill rotWithShape="1">
+          <a:blip r:embed="rId4" cstate="screen">
+            <a:extLst>
+              <a:ext uri="{28A0092B-C50C-407E-A947-70E740481C1C}">
+                <a14:useLocalDpi xmlns:a14="http://schemas.microsoft.com/office/drawing/2010/main" val="0"/>
+              </a:ext>
+            </a:extLst>
+          </a:blip>
+          <a:srcRect/>
+          <a:stretch/>
+        </p:blipFill>
+        <p:spPr>
+          <a:xfrm>
+            <a:off x="6327578" y="2886074"/>
+            <a:ext cx="1845511" cy="1845511"/>
+          </a:xfrm>
+        </p:spPr>
+      </p:pic>
+      <p:sp>
+        <p:nvSpPr>
+          <p:cNvPr id="9" name="Text Placeholder 8">
+            <a:extLst>
+              <a:ext uri="{FF2B5EF4-FFF2-40B4-BE49-F238E27FC236}">
+                <a16:creationId xmlns:a16="http://schemas.microsoft.com/office/drawing/2014/main" id="{36AEE506-9967-4592-BC98-D3FD3028A8E5}"/>
+              </a:ext>
+            </a:extLst>
+          </p:cNvPr>
+          <p:cNvSpPr>
+            <a:spLocks noGrp="1"/>
+          </p:cNvSpPr>
+          <p:nvPr>
+            <p:ph type="body" idx="19"/>
+          </p:nvPr>
+        </p:nvSpPr>
+        <p:spPr>
+          <a:xfrm>
+            <a:off x="6068964" y="5084524"/>
+            <a:ext cx="2317707" cy="343061"/>
+          </a:xfrm>
+        </p:spPr>
+        <p:txBody>
+          <a:bodyPr/>
+          <a:lstStyle/>
+          <a:p>
+            <a:r>
+              <a:rPr lang="en-US" dirty="0"/>
+              <a:t>FLORA BERGGREN</a:t>
+            </a:r>
+          </a:p>
+        </p:txBody>
+      </p:sp>
+      <p:sp>
+        <p:nvSpPr>
+          <p:cNvPr id="13" name="Text Placeholder 12">
+            <a:extLst>
+              <a:ext uri="{FF2B5EF4-FFF2-40B4-BE49-F238E27FC236}">
+                <a16:creationId xmlns:a16="http://schemas.microsoft.com/office/drawing/2014/main" id="{D40B843D-6615-46EB-A813-BEBD624EC685}"/>
+              </a:ext>
+            </a:extLst>
+          </p:cNvPr>
+          <p:cNvSpPr>
+            <a:spLocks noGrp="1"/>
+          </p:cNvSpPr>
+          <p:nvPr>
+            <p:ph type="body" idx="23"/>
+          </p:nvPr>
+        </p:nvSpPr>
+        <p:spPr>
+          <a:xfrm>
+            <a:off x="6327577" y="5478796"/>
+            <a:ext cx="1845511" cy="343061"/>
+          </a:xfrm>
+        </p:spPr>
+        <p:txBody>
+          <a:bodyPr/>
+          <a:lstStyle/>
+          <a:p>
+            <a:r>
+              <a:rPr lang="en-US" dirty="0"/>
+              <a:t>Chief Operations Officer</a:t>
+            </a:r>
+          </a:p>
+        </p:txBody>
+      </p:sp>
+      <p:pic>
+        <p:nvPicPr>
+          <p:cNvPr id="22" name="Picture Placeholder 21" descr="Headshot for team slides ">
+            <a:extLst>
+              <a:ext uri="{FF2B5EF4-FFF2-40B4-BE49-F238E27FC236}">
+                <a16:creationId xmlns:a16="http://schemas.microsoft.com/office/drawing/2014/main" id="{82AF3253-9767-4EC7-B0DB-3A850BEFB035}"/>
+              </a:ext>
+            </a:extLst>
+          </p:cNvPr>
+          <p:cNvPicPr>
+            <a:picLocks noGrp="1" noChangeAspect="1"/>
+          </p:cNvPicPr>
+          <p:nvPr>
+            <p:ph type="pic" sz="quarter" idx="17"/>
+          </p:nvPr>
+        </p:nvPicPr>
+        <p:blipFill rotWithShape="1">
+          <a:blip r:embed="rId5" cstate="screen">
+            <a:extLst>
+              <a:ext uri="{28A0092B-C50C-407E-A947-70E740481C1C}">
+                <a14:useLocalDpi xmlns:a14="http://schemas.microsoft.com/office/drawing/2010/main" val="0"/>
+              </a:ext>
+            </a:extLst>
+          </a:blip>
+          <a:srcRect/>
+          <a:stretch/>
+        </p:blipFill>
+        <p:spPr>
+          <a:xfrm>
+            <a:off x="8747458" y="2886074"/>
+            <a:ext cx="1845511" cy="1845511"/>
+          </a:xfrm>
+        </p:spPr>
+      </p:pic>
+      <p:sp>
+        <p:nvSpPr>
+          <p:cNvPr id="10" name="Text Placeholder 9">
+            <a:extLst>
+              <a:ext uri="{FF2B5EF4-FFF2-40B4-BE49-F238E27FC236}">
+                <a16:creationId xmlns:a16="http://schemas.microsoft.com/office/drawing/2014/main" id="{F5F1AEEC-D56B-4D10-B1F5-63AA91152B53}"/>
+              </a:ext>
+            </a:extLst>
+          </p:cNvPr>
+          <p:cNvSpPr>
+            <a:spLocks noGrp="1"/>
+          </p:cNvSpPr>
+          <p:nvPr>
+            <p:ph type="body" idx="20"/>
+          </p:nvPr>
+        </p:nvSpPr>
+        <p:spPr>
+          <a:xfrm>
+            <a:off x="8488845" y="5084524"/>
+            <a:ext cx="2317706" cy="343061"/>
+          </a:xfrm>
+        </p:spPr>
+        <p:txBody>
+          <a:bodyPr/>
+          <a:lstStyle/>
+          <a:p>
+            <a:r>
+              <a:rPr lang="en-US" dirty="0"/>
+              <a:t>RAJESH SANTOSHI</a:t>
+            </a:r>
+          </a:p>
+        </p:txBody>
+      </p:sp>
+      <p:sp>
+        <p:nvSpPr>
+          <p:cNvPr id="14" name="Text Placeholder 13">
+            <a:extLst>
+              <a:ext uri="{FF2B5EF4-FFF2-40B4-BE49-F238E27FC236}">
+                <a16:creationId xmlns:a16="http://schemas.microsoft.com/office/drawing/2014/main" id="{3099A0B0-BDD0-48DA-AA3E-13153E65129F}"/>
+              </a:ext>
+            </a:extLst>
+          </p:cNvPr>
+          <p:cNvSpPr>
+            <a:spLocks noGrp="1"/>
+          </p:cNvSpPr>
+          <p:nvPr>
+            <p:ph type="body" idx="24"/>
+          </p:nvPr>
+        </p:nvSpPr>
+        <p:spPr>
+          <a:xfrm>
+            <a:off x="8747458" y="5464114"/>
+            <a:ext cx="1845510" cy="343061"/>
+          </a:xfrm>
+        </p:spPr>
+        <p:txBody>
+          <a:bodyPr/>
+          <a:lstStyle/>
+          <a:p>
+            <a:r>
+              <a:rPr lang="en-US" dirty="0"/>
+              <a:t>VP Marketing</a:t>
+            </a:r>
+          </a:p>
+        </p:txBody>
+      </p:sp>
+      <p:sp>
+        <p:nvSpPr>
+          <p:cNvPr id="23" name="Date Placeholder 22">
+            <a:extLst>
+              <a:ext uri="{FF2B5EF4-FFF2-40B4-BE49-F238E27FC236}">
+                <a16:creationId xmlns:a16="http://schemas.microsoft.com/office/drawing/2014/main" id="{637DEDF5-3FCD-4BC2-86A5-7BE2BF01EA38}"/>
+              </a:ext>
+            </a:extLst>
+          </p:cNvPr>
+          <p:cNvSpPr>
+            <a:spLocks noGrp="1"/>
+          </p:cNvSpPr>
+          <p:nvPr>
+            <p:ph type="dt" sz="half" idx="10"/>
+          </p:nvPr>
+        </p:nvSpPr>
+        <p:spPr>
+          <a:xfrm>
+            <a:off x="838200" y="6356350"/>
+            <a:ext cx="2743200" cy="365125"/>
+          </a:xfrm>
+        </p:spPr>
+        <p:txBody>
+          <a:bodyPr/>
+          <a:lstStyle/>
+          <a:p>
+            <a:r>
+              <a:rPr lang="en-US" dirty="0"/>
+              <a:t>20XX</a:t>
+            </a:r>
+          </a:p>
+        </p:txBody>
+      </p:sp>
+      <p:sp>
+        <p:nvSpPr>
+          <p:cNvPr id="24" name="Footer Placeholder 23">
+            <a:extLst>
+              <a:ext uri="{FF2B5EF4-FFF2-40B4-BE49-F238E27FC236}">
+                <a16:creationId xmlns:a16="http://schemas.microsoft.com/office/drawing/2014/main" id="{918C3C97-444D-4600-8553-B9C4C1F8483B}"/>
+              </a:ext>
+            </a:extLst>
+          </p:cNvPr>
+          <p:cNvSpPr>
+            <a:spLocks noGrp="1"/>
+          </p:cNvSpPr>
+          <p:nvPr>
+            <p:ph type="ftr" sz="quarter" idx="11"/>
+          </p:nvPr>
+        </p:nvSpPr>
+        <p:spPr>
+          <a:xfrm>
+            <a:off x="4038600" y="6356350"/>
+            <a:ext cx="4114800" cy="365125"/>
+          </a:xfrm>
+        </p:spPr>
+        <p:txBody>
+          <a:bodyPr/>
+          <a:lstStyle/>
+          <a:p>
+            <a:r>
+              <a:rPr lang="en-US" dirty="0"/>
               <a:t>PRESENTATION TITLE</a:t>
             </a:r>
           </a:p>
@@ -19679,10 +19510,10 @@
       </p:sp>
       <p:sp>
         <p:nvSpPr>
-          <p:cNvPr id="6" name="Slide Number Placeholder 5">
-            <a:extLst>
-              <a:ext uri="{FF2B5EF4-FFF2-40B4-BE49-F238E27FC236}">
-                <a16:creationId xmlns:a16="http://schemas.microsoft.com/office/drawing/2014/main" id="{F2A39FA3-9AE3-4689-A469-B7D2DFCCC2D9}"/>
+          <p:cNvPr id="25" name="Slide Number Placeholder 24">
+            <a:extLst>
+              <a:ext uri="{FF2B5EF4-FFF2-40B4-BE49-F238E27FC236}">
+                <a16:creationId xmlns:a16="http://schemas.microsoft.com/office/drawing/2014/main" id="{148E9129-4CC6-47BA-ACD8-2C632A8660EC}"/>
               </a:ext>
             </a:extLst>
           </p:cNvPr>
@@ -19695,8 +19526,8 @@
         </p:nvSpPr>
         <p:spPr>
           <a:xfrm>
-            <a:off x="9658350" y="6356350"/>
-            <a:ext cx="1695450" cy="365125"/>
+            <a:off x="8610600" y="6356350"/>
+            <a:ext cx="2743200" cy="365125"/>
           </a:xfrm>
         </p:spPr>
         <p:txBody>
@@ -19715,7 +19546,7 @@
     </p:spTree>
     <p:extLst>
       <p:ext uri="{BB962C8B-B14F-4D97-AF65-F5344CB8AC3E}">
-        <p14:creationId xmlns:p14="http://schemas.microsoft.com/office/powerpoint/2010/main" val="744379741"/>
+        <p14:creationId xmlns:p14="http://schemas.microsoft.com/office/powerpoint/2010/main" val="2619301236"/>
       </p:ext>
     </p:extLst>
   </p:cSld>
@@ -20517,6 +20348,15 @@
 </file>
 
 <file path=customXml/item1.xml><?xml version="1.0" encoding="utf-8"?>
+<?mso-contentType ?>
+<FormTemplates xmlns="http://schemas.microsoft.com/sharepoint/v3/contenttype/forms">
+  <Display>DocumentLibraryForm</Display>
+  <Edit>DocumentLibraryForm</Edit>
+  <New>DocumentLibraryForm</New>
+</FormTemplates>
+</file>
+
+<file path=customXml/item2.xml><?xml version="1.0" encoding="utf-8"?>
 <p:properties xmlns:p="http://schemas.microsoft.com/office/2006/metadata/properties" xmlns:xsi="http://www.w3.org/2001/XMLSchema-instance" xmlns:pc="http://schemas.microsoft.com/office/infopath/2007/PartnerControls">
   <documentManagement>
     <_ip_UnifiedCompliancePolicyUIAction xmlns="http://schemas.microsoft.com/sharepoint/v3" xsi:nil="true"/>
@@ -20533,15 +20373,6 @@
     <MediaServiceKeyPoints xmlns="71af3243-3dd4-4a8d-8c0d-dd76da1f02a5" xsi:nil="true"/>
   </documentManagement>
 </p:properties>
-</file>
-
-<file path=customXml/item2.xml><?xml version="1.0" encoding="utf-8"?>
-<?mso-contentType ?>
-<FormTemplates xmlns="http://schemas.microsoft.com/sharepoint/v3/contenttype/forms">
-  <Display>DocumentLibraryForm</Display>
-  <Edit>DocumentLibraryForm</Edit>
-  <New>DocumentLibraryForm</New>
-</FormTemplates>
 </file>
 
 <file path=customXml/item3.xml><?xml version="1.0" encoding="utf-8"?>
@@ -20821,6 +20652,14 @@
 </file>
 
 <file path=customXml/itemProps1.xml><?xml version="1.0" encoding="utf-8"?>
+<ds:datastoreItem xmlns:ds="http://schemas.openxmlformats.org/officeDocument/2006/customXml" ds:itemID="{0FD6FE22-81A0-4500-AFD0-342D21BB9A2C}">
+  <ds:schemaRefs>
+    <ds:schemaRef ds:uri="http://schemas.microsoft.com/sharepoint/v3/contenttype/forms"/>
+  </ds:schemaRefs>
+</ds:datastoreItem>
+</file>
+
+<file path=customXml/itemProps2.xml><?xml version="1.0" encoding="utf-8"?>
 <ds:datastoreItem xmlns:ds="http://schemas.openxmlformats.org/officeDocument/2006/customXml" ds:itemID="{29C43685-694E-4579-B109-3C418D49DA65}">
   <ds:schemaRefs>
     <ds:schemaRef ds:uri="http://schemas.microsoft.com/office/2006/metadata/properties"/>
@@ -20828,14 +20667,6 @@
     <ds:schemaRef ds:uri="http://schemas.microsoft.com/sharepoint/v3"/>
     <ds:schemaRef ds:uri="71af3243-3dd4-4a8d-8c0d-dd76da1f02a5"/>
     <ds:schemaRef ds:uri="230e9df3-be65-4c73-a93b-d1236ebd677e"/>
-  </ds:schemaRefs>
-</ds:datastoreItem>
-</file>
-
-<file path=customXml/itemProps2.xml><?xml version="1.0" encoding="utf-8"?>
-<ds:datastoreItem xmlns:ds="http://schemas.openxmlformats.org/officeDocument/2006/customXml" ds:itemID="{0FD6FE22-81A0-4500-AFD0-342D21BB9A2C}">
-  <ds:schemaRefs>
-    <ds:schemaRef ds:uri="http://schemas.microsoft.com/sharepoint/v3/contenttype/forms"/>
   </ds:schemaRefs>
 </ds:datastoreItem>
 </file>

--- a/FlavourBusinessApps/Backup/Kitchen Display Systems.pptx
+++ b/FlavourBusinessApps/Backup/Kitchen Display Systems.pptx
@@ -162,6 +162,18 @@
     </p:ext>
   </p:extLst>
 </p:presentation>
+</file>
+
+<file path=ppt/commentAuthors.xml><?xml version="1.0" encoding="utf-8"?>
+<p:cmAuthorLst xmlns:a="http://schemas.openxmlformats.org/drawingml/2006/main" xmlns:r="http://schemas.openxmlformats.org/officeDocument/2006/relationships" xmlns:p="http://schemas.openxmlformats.org/presentationml/2006/main">
+  <p:cmAuthor id="1" name="Jim Liakos" initials="JL" lastIdx="3" clrIdx="0">
+    <p:extLst>
+      <p:ext uri="{19B8F6BF-5375-455C-9EA6-DF929625EA0E}">
+        <p15:presenceInfo xmlns:p15="http://schemas.microsoft.com/office/powerpoint/2012/main" userId="c3de4a0908bc0fe1" providerId="Windows Live"/>
+      </p:ext>
+    </p:extLst>
+  </p:cmAuthor>
+</p:cmAuthorLst>
 </file>
 
 <file path=ppt/charts/chart1.xml><?xml version="1.0" encoding="utf-8"?>
@@ -4792,7 +4804,7 @@
           <a:p>
             <a:fld id="{B56F32FC-4BD9-442A-A8C6-51598C909FE3}" type="datetimeFigureOut">
               <a:rPr lang="en-US" smtClean="0"/>
-              <a:t>4/15/2022</a:t>
+              <a:t>4/16/2022</a:t>
             </a:fld>
             <a:endParaRPr lang="en-US" dirty="0"/>
           </a:p>
@@ -4969,7 +4981,7 @@
           <a:p>
             <a:fld id="{056371FA-A98D-41E8-93F4-09945841298A}" type="datetimeFigureOut">
               <a:rPr lang="en-US" smtClean="0"/>
-              <a:t>4/15/2022</a:t>
+              <a:t>4/16/2022</a:t>
             </a:fld>
             <a:endParaRPr lang="en-US" dirty="0"/>
           </a:p>
@@ -16893,35 +16905,6 @@
       </p:grpSpPr>
       <p:sp>
         <p:nvSpPr>
-          <p:cNvPr id="4" name="Date Placeholder 3">
-            <a:extLst>
-              <a:ext uri="{FF2B5EF4-FFF2-40B4-BE49-F238E27FC236}">
-                <a16:creationId xmlns:a16="http://schemas.microsoft.com/office/drawing/2014/main" id="{37E04047-1311-402F-8D8F-695CB604E18A}"/>
-              </a:ext>
-            </a:extLst>
-          </p:cNvPr>
-          <p:cNvSpPr>
-            <a:spLocks noGrp="1"/>
-          </p:cNvSpPr>
-          <p:nvPr>
-            <p:ph type="dt" sz="half" idx="10"/>
-          </p:nvPr>
-        </p:nvSpPr>
-        <p:spPr/>
-        <p:txBody>
-          <a:bodyPr/>
-          <a:lstStyle/>
-          <a:p>
-            <a:r>
-              <a:rPr lang="en-US"/>
-              <a:t>20XX</a:t>
-            </a:r>
-            <a:endParaRPr lang="en-US" dirty="0"/>
-          </a:p>
-        </p:txBody>
-      </p:sp>
-      <p:sp>
-        <p:nvSpPr>
           <p:cNvPr id="5" name="Footer Placeholder 4">
             <a:extLst>
               <a:ext uri="{FF2B5EF4-FFF2-40B4-BE49-F238E27FC236}">
@@ -17001,7 +16984,7 @@
         </p:blipFill>
         <p:spPr>
           <a:xfrm>
-            <a:off x="117475" y="1136578"/>
+            <a:off x="117475" y="785595"/>
             <a:ext cx="10440000" cy="5176703"/>
           </a:xfrm>
           <a:prstGeom prst="rect">
@@ -17009,6 +16992,314 @@
           </a:prstGeom>
         </p:spPr>
       </p:pic>
+      <p:sp>
+        <p:nvSpPr>
+          <p:cNvPr id="2" name="TextBox 1">
+            <a:extLst>
+              <a:ext uri="{FF2B5EF4-FFF2-40B4-BE49-F238E27FC236}">
+                <a16:creationId xmlns:a16="http://schemas.microsoft.com/office/drawing/2014/main" id="{CC18EF30-8C2D-4B87-A457-63B920FEE958}"/>
+              </a:ext>
+            </a:extLst>
+          </p:cNvPr>
+          <p:cNvSpPr txBox="1"/>
+          <p:nvPr/>
+        </p:nvSpPr>
+        <p:spPr>
+          <a:xfrm>
+            <a:off x="3205018" y="175488"/>
+            <a:ext cx="3798925" cy="461665"/>
+          </a:xfrm>
+          <a:prstGeom prst="rect">
+            <a:avLst/>
+          </a:prstGeom>
+          <a:noFill/>
+        </p:spPr>
+        <p:txBody>
+          <a:bodyPr wrap="none" rtlCol="0">
+            <a:spAutoFit/>
+          </a:bodyPr>
+          <a:lstStyle/>
+          <a:p>
+            <a:r>
+              <a:rPr lang="el-GR" sz="2400" dirty="0">
+                <a:solidFill>
+                  <a:schemeClr val="bg1"/>
+                </a:solidFill>
+              </a:rPr>
+              <a:t>ΠΑΡΑΣΚΕΥΑΣΤΗΡΙΟ ΠΙΤΣΑ</a:t>
+            </a:r>
+          </a:p>
+        </p:txBody>
+      </p:sp>
+      <p:cxnSp>
+        <p:nvCxnSpPr>
+          <p:cNvPr id="7" name="Straight Connector 6">
+            <a:extLst>
+              <a:ext uri="{FF2B5EF4-FFF2-40B4-BE49-F238E27FC236}">
+                <a16:creationId xmlns:a16="http://schemas.microsoft.com/office/drawing/2014/main" id="{30A88D62-D37E-4A51-B295-D0C194FA2453}"/>
+              </a:ext>
+            </a:extLst>
+          </p:cNvPr>
+          <p:cNvCxnSpPr>
+            <a:cxnSpLocks/>
+          </p:cNvCxnSpPr>
+          <p:nvPr/>
+        </p:nvCxnSpPr>
+        <p:spPr>
+          <a:xfrm>
+            <a:off x="1976582" y="3639127"/>
+            <a:ext cx="0" cy="2530764"/>
+          </a:xfrm>
+          <a:prstGeom prst="line">
+            <a:avLst/>
+          </a:prstGeom>
+          <a:ln w="19050">
+            <a:solidFill>
+              <a:schemeClr val="accent2"/>
+            </a:solidFill>
+            <a:headEnd type="oval" w="med" len="med"/>
+            <a:tailEnd type="oval" w="med" len="med"/>
+          </a:ln>
+        </p:spPr>
+        <p:style>
+          <a:lnRef idx="2">
+            <a:schemeClr val="accent3"/>
+          </a:lnRef>
+          <a:fillRef idx="0">
+            <a:schemeClr val="accent3"/>
+          </a:fillRef>
+          <a:effectRef idx="1">
+            <a:schemeClr val="accent3"/>
+          </a:effectRef>
+          <a:fontRef idx="minor">
+            <a:schemeClr val="tx1"/>
+          </a:fontRef>
+        </p:style>
+      </p:cxnSp>
+      <p:sp>
+        <p:nvSpPr>
+          <p:cNvPr id="12" name="TextBox 11">
+            <a:extLst>
+              <a:ext uri="{FF2B5EF4-FFF2-40B4-BE49-F238E27FC236}">
+                <a16:creationId xmlns:a16="http://schemas.microsoft.com/office/drawing/2014/main" id="{8F682E72-09A4-4F5C-9B65-06A16CE85627}"/>
+              </a:ext>
+            </a:extLst>
+          </p:cNvPr>
+          <p:cNvSpPr txBox="1"/>
+          <p:nvPr/>
+        </p:nvSpPr>
+        <p:spPr>
+          <a:xfrm>
+            <a:off x="1237674" y="6169579"/>
+            <a:ext cx="1634832" cy="369332"/>
+          </a:xfrm>
+          <a:prstGeom prst="rect">
+            <a:avLst/>
+          </a:prstGeom>
+          <a:noFill/>
+        </p:spPr>
+        <p:txBody>
+          <a:bodyPr wrap="square" rtlCol="0">
+            <a:spAutoFit/>
+          </a:bodyPr>
+          <a:lstStyle/>
+          <a:p>
+            <a:r>
+              <a:rPr lang="el-GR" dirty="0">
+                <a:solidFill>
+                  <a:schemeClr val="accent2"/>
+                </a:solidFill>
+              </a:rPr>
+              <a:t>Παραγγελίες</a:t>
+            </a:r>
+          </a:p>
+        </p:txBody>
+      </p:sp>
+      <p:cxnSp>
+        <p:nvCxnSpPr>
+          <p:cNvPr id="13" name="Straight Connector 12">
+            <a:extLst>
+              <a:ext uri="{FF2B5EF4-FFF2-40B4-BE49-F238E27FC236}">
+                <a16:creationId xmlns:a16="http://schemas.microsoft.com/office/drawing/2014/main" id="{616A8722-18F5-4F06-A9ED-D8BD258B470B}"/>
+              </a:ext>
+            </a:extLst>
+          </p:cNvPr>
+          <p:cNvCxnSpPr>
+            <a:cxnSpLocks/>
+          </p:cNvCxnSpPr>
+          <p:nvPr/>
+        </p:nvCxnSpPr>
+        <p:spPr>
+          <a:xfrm>
+            <a:off x="6978073" y="3638815"/>
+            <a:ext cx="0" cy="2530764"/>
+          </a:xfrm>
+          <a:prstGeom prst="line">
+            <a:avLst/>
+          </a:prstGeom>
+          <a:ln w="19050">
+            <a:solidFill>
+              <a:schemeClr val="accent2"/>
+            </a:solidFill>
+            <a:headEnd type="oval" w="med" len="med"/>
+            <a:tailEnd type="oval" w="med" len="med"/>
+          </a:ln>
+        </p:spPr>
+        <p:style>
+          <a:lnRef idx="1">
+            <a:schemeClr val="accent5"/>
+          </a:lnRef>
+          <a:fillRef idx="0">
+            <a:schemeClr val="accent5"/>
+          </a:fillRef>
+          <a:effectRef idx="0">
+            <a:schemeClr val="accent5"/>
+          </a:effectRef>
+          <a:fontRef idx="minor">
+            <a:schemeClr val="tx1"/>
+          </a:fontRef>
+        </p:style>
+      </p:cxnSp>
+      <p:sp>
+        <p:nvSpPr>
+          <p:cNvPr id="14" name="TextBox 13">
+            <a:extLst>
+              <a:ext uri="{FF2B5EF4-FFF2-40B4-BE49-F238E27FC236}">
+                <a16:creationId xmlns:a16="http://schemas.microsoft.com/office/drawing/2014/main" id="{93E9756D-394B-4047-AA04-CC5E928E3269}"/>
+              </a:ext>
+            </a:extLst>
+          </p:cNvPr>
+          <p:cNvSpPr txBox="1"/>
+          <p:nvPr/>
+        </p:nvSpPr>
+        <p:spPr>
+          <a:xfrm>
+            <a:off x="6649593" y="6203073"/>
+            <a:ext cx="684074" cy="369332"/>
+          </a:xfrm>
+          <a:prstGeom prst="rect">
+            <a:avLst/>
+          </a:prstGeom>
+          <a:noFill/>
+        </p:spPr>
+        <p:txBody>
+          <a:bodyPr wrap="square" rtlCol="0">
+            <a:spAutoFit/>
+          </a:bodyPr>
+          <a:lstStyle/>
+          <a:p>
+            <a:r>
+              <a:rPr lang="el-GR" dirty="0">
+                <a:solidFill>
+                  <a:schemeClr val="accent2"/>
+                </a:solidFill>
+              </a:rPr>
+              <a:t>Είδη</a:t>
+            </a:r>
+          </a:p>
+        </p:txBody>
+      </p:sp>
+      <p:sp>
+        <p:nvSpPr>
+          <p:cNvPr id="33" name="TextBox 32">
+            <a:extLst>
+              <a:ext uri="{FF2B5EF4-FFF2-40B4-BE49-F238E27FC236}">
+                <a16:creationId xmlns:a16="http://schemas.microsoft.com/office/drawing/2014/main" id="{A27840A6-11AA-4AD8-B1DB-C474715DE096}"/>
+              </a:ext>
+            </a:extLst>
+          </p:cNvPr>
+          <p:cNvSpPr txBox="1"/>
+          <p:nvPr/>
+        </p:nvSpPr>
+        <p:spPr>
+          <a:xfrm>
+            <a:off x="10557475" y="1939635"/>
+            <a:ext cx="1634525" cy="923330"/>
+          </a:xfrm>
+          <a:prstGeom prst="rect">
+            <a:avLst/>
+          </a:prstGeom>
+          <a:solidFill>
+            <a:schemeClr val="tx1">
+              <a:lumMod val="85000"/>
+              <a:lumOff val="15000"/>
+            </a:schemeClr>
+          </a:solidFill>
+        </p:spPr>
+        <p:txBody>
+          <a:bodyPr wrap="square" rtlCol="0">
+            <a:spAutoFit/>
+          </a:bodyPr>
+          <a:lstStyle/>
+          <a:p>
+            <a:r>
+              <a:rPr lang="el-GR" dirty="0">
+                <a:solidFill>
+                  <a:schemeClr val="accent2"/>
+                </a:solidFill>
+              </a:rPr>
+              <a:t>Ετικέτες ομαδοποίησης</a:t>
+            </a:r>
+          </a:p>
+          <a:p>
+            <a:r>
+              <a:rPr lang="el-GR" dirty="0">
+                <a:solidFill>
+                  <a:schemeClr val="accent2"/>
+                </a:solidFill>
+              </a:rPr>
+              <a:t>ειδών</a:t>
+            </a:r>
+          </a:p>
+        </p:txBody>
+      </p:sp>
+      <p:cxnSp>
+        <p:nvCxnSpPr>
+          <p:cNvPr id="28" name="Connector: Elbow 27">
+            <a:extLst>
+              <a:ext uri="{FF2B5EF4-FFF2-40B4-BE49-F238E27FC236}">
+                <a16:creationId xmlns:a16="http://schemas.microsoft.com/office/drawing/2014/main" id="{706C92FB-12A0-4A83-8864-ADCD11596978}"/>
+              </a:ext>
+            </a:extLst>
+          </p:cNvPr>
+          <p:cNvCxnSpPr>
+            <a:cxnSpLocks/>
+          </p:cNvCxnSpPr>
+          <p:nvPr/>
+        </p:nvCxnSpPr>
+        <p:spPr>
+          <a:xfrm>
+            <a:off x="7915564" y="1006764"/>
+            <a:ext cx="3140363" cy="932871"/>
+          </a:xfrm>
+          <a:prstGeom prst="bentConnector3">
+            <a:avLst>
+              <a:gd name="adj1" fmla="val 100000"/>
+            </a:avLst>
+          </a:prstGeom>
+          <a:ln w="28575">
+            <a:solidFill>
+              <a:schemeClr val="accent2"/>
+            </a:solidFill>
+            <a:headEnd type="oval" w="med" len="med"/>
+            <a:tailEnd type="oval" w="med" len="med"/>
+          </a:ln>
+        </p:spPr>
+        <p:style>
+          <a:lnRef idx="1">
+            <a:schemeClr val="accent3"/>
+          </a:lnRef>
+          <a:fillRef idx="0">
+            <a:schemeClr val="accent3"/>
+          </a:fillRef>
+          <a:effectRef idx="0">
+            <a:schemeClr val="accent3"/>
+          </a:effectRef>
+          <a:fontRef idx="minor">
+            <a:schemeClr val="tx1"/>
+          </a:fontRef>
+        </p:style>
+      </p:cxnSp>
     </p:spTree>
     <p:extLst>
       <p:ext uri="{BB962C8B-B14F-4D97-AF65-F5344CB8AC3E}">
@@ -17162,7 +17453,7 @@
         </p:blipFill>
         <p:spPr>
           <a:xfrm>
-            <a:off x="82047" y="1174754"/>
+            <a:off x="82047" y="620571"/>
             <a:ext cx="10440000" cy="5052815"/>
           </a:xfrm>
           <a:prstGeom prst="rect">
@@ -17170,6 +17461,201 @@
           </a:prstGeom>
         </p:spPr>
       </p:pic>
+      <p:sp>
+        <p:nvSpPr>
+          <p:cNvPr id="2" name="TextBox 1">
+            <a:extLst>
+              <a:ext uri="{FF2B5EF4-FFF2-40B4-BE49-F238E27FC236}">
+                <a16:creationId xmlns:a16="http://schemas.microsoft.com/office/drawing/2014/main" id="{D98972A9-B9E3-4AC6-ADF2-E36E1CEBA25D}"/>
+              </a:ext>
+            </a:extLst>
+          </p:cNvPr>
+          <p:cNvSpPr txBox="1"/>
+          <p:nvPr/>
+        </p:nvSpPr>
+        <p:spPr>
+          <a:xfrm>
+            <a:off x="4137892" y="92365"/>
+            <a:ext cx="3452410" cy="369332"/>
+          </a:xfrm>
+          <a:prstGeom prst="rect">
+            <a:avLst/>
+          </a:prstGeom>
+          <a:noFill/>
+        </p:spPr>
+        <p:txBody>
+          <a:bodyPr wrap="square" rtlCol="0">
+            <a:spAutoFit/>
+          </a:bodyPr>
+          <a:lstStyle/>
+          <a:p>
+            <a:r>
+              <a:rPr lang="el-GR" sz="1800" dirty="0"/>
+              <a:t>ΤΑΠ</a:t>
+            </a:r>
+            <a:r>
+              <a:rPr lang="en-US" sz="1800" dirty="0"/>
+              <a:t> </a:t>
+            </a:r>
+            <a:r>
+              <a:rPr lang="el-GR" sz="1800" dirty="0"/>
+              <a:t>ΣΤΗΝ ΠΑΡΑΓΓΕΛΛΙΑ</a:t>
+            </a:r>
+          </a:p>
+        </p:txBody>
+      </p:sp>
+      <p:sp>
+        <p:nvSpPr>
+          <p:cNvPr id="8" name="Rectangle 7">
+            <a:extLst>
+              <a:ext uri="{FF2B5EF4-FFF2-40B4-BE49-F238E27FC236}">
+                <a16:creationId xmlns:a16="http://schemas.microsoft.com/office/drawing/2014/main" id="{2022A2B8-42E2-4437-B25D-F32CE4815444}"/>
+              </a:ext>
+            </a:extLst>
+          </p:cNvPr>
+          <p:cNvSpPr/>
+          <p:nvPr/>
+        </p:nvSpPr>
+        <p:spPr>
+          <a:xfrm>
+            <a:off x="3534457" y="2549235"/>
+            <a:ext cx="6847216" cy="3066473"/>
+          </a:xfrm>
+          <a:prstGeom prst="rect">
+            <a:avLst/>
+          </a:prstGeom>
+          <a:noFill/>
+          <a:ln w="38100">
+            <a:solidFill>
+              <a:srgbClr val="FF0000"/>
+            </a:solidFill>
+          </a:ln>
+        </p:spPr>
+        <p:style>
+          <a:lnRef idx="2">
+            <a:schemeClr val="accent1">
+              <a:shade val="50000"/>
+            </a:schemeClr>
+          </a:lnRef>
+          <a:fillRef idx="1">
+            <a:schemeClr val="accent1"/>
+          </a:fillRef>
+          <a:effectRef idx="0">
+            <a:schemeClr val="accent1"/>
+          </a:effectRef>
+          <a:fontRef idx="minor">
+            <a:schemeClr val="lt1"/>
+          </a:fontRef>
+        </p:style>
+        <p:txBody>
+          <a:bodyPr rtlCol="0" anchor="ctr"/>
+          <a:lstStyle/>
+          <a:p>
+            <a:pPr algn="ctr"/>
+            <a:endParaRPr lang="el-GR">
+              <a:solidFill>
+                <a:schemeClr val="accent2"/>
+              </a:solidFill>
+            </a:endParaRPr>
+          </a:p>
+        </p:txBody>
+      </p:sp>
+      <p:cxnSp>
+        <p:nvCxnSpPr>
+          <p:cNvPr id="10" name="Connector: Elbow 9">
+            <a:extLst>
+              <a:ext uri="{FF2B5EF4-FFF2-40B4-BE49-F238E27FC236}">
+                <a16:creationId xmlns:a16="http://schemas.microsoft.com/office/drawing/2014/main" id="{87E93680-37A3-401C-BBE8-20126AE5D5F6}"/>
+              </a:ext>
+            </a:extLst>
+          </p:cNvPr>
+          <p:cNvCxnSpPr>
+            <a:cxnSpLocks/>
+          </p:cNvCxnSpPr>
+          <p:nvPr/>
+        </p:nvCxnSpPr>
+        <p:spPr>
+          <a:xfrm>
+            <a:off x="10381673" y="2706255"/>
+            <a:ext cx="972127" cy="542471"/>
+          </a:xfrm>
+          <a:prstGeom prst="bentConnector3">
+            <a:avLst>
+              <a:gd name="adj1" fmla="val 99407"/>
+            </a:avLst>
+          </a:prstGeom>
+          <a:ln w="12700">
+            <a:solidFill>
+              <a:schemeClr val="tx2"/>
+            </a:solidFill>
+            <a:headEnd type="oval" w="med" len="med"/>
+            <a:tailEnd type="oval" w="med" len="med"/>
+          </a:ln>
+        </p:spPr>
+        <p:style>
+          <a:lnRef idx="1">
+            <a:schemeClr val="accent1"/>
+          </a:lnRef>
+          <a:fillRef idx="0">
+            <a:schemeClr val="accent1"/>
+          </a:fillRef>
+          <a:effectRef idx="0">
+            <a:schemeClr val="accent1"/>
+          </a:effectRef>
+          <a:fontRef idx="minor">
+            <a:schemeClr val="tx1"/>
+          </a:fontRef>
+        </p:style>
+      </p:cxnSp>
+      <p:sp>
+        <p:nvSpPr>
+          <p:cNvPr id="22" name="TextBox 21">
+            <a:extLst>
+              <a:ext uri="{FF2B5EF4-FFF2-40B4-BE49-F238E27FC236}">
+                <a16:creationId xmlns:a16="http://schemas.microsoft.com/office/drawing/2014/main" id="{C72D562C-A0ED-4D8B-B750-DB6E4A9B9157}"/>
+              </a:ext>
+            </a:extLst>
+          </p:cNvPr>
+          <p:cNvSpPr txBox="1"/>
+          <p:nvPr/>
+        </p:nvSpPr>
+        <p:spPr>
+          <a:xfrm>
+            <a:off x="10600496" y="3267804"/>
+            <a:ext cx="1506607" cy="830997"/>
+          </a:xfrm>
+          <a:prstGeom prst="rect">
+            <a:avLst/>
+          </a:prstGeom>
+          <a:noFill/>
+        </p:spPr>
+        <p:txBody>
+          <a:bodyPr wrap="square" rtlCol="0">
+            <a:spAutoFit/>
+          </a:bodyPr>
+          <a:lstStyle/>
+          <a:p>
+            <a:r>
+              <a:rPr lang="el-GR" sz="1200" dirty="0"/>
+              <a:t>Με </a:t>
+            </a:r>
+            <a:r>
+              <a:rPr lang="en-US" sz="1200" dirty="0"/>
+              <a:t>TAP</a:t>
+            </a:r>
+            <a:r>
+              <a:rPr lang="el-GR" sz="1200" dirty="0"/>
+              <a:t> στην</a:t>
+            </a:r>
+          </a:p>
+          <a:p>
+            <a:r>
+              <a:rPr lang="el-GR" sz="1200" dirty="0"/>
+              <a:t>Παραγγελία τα είδη της,  έρχονται στο προσκήνιο </a:t>
+            </a:r>
+          </a:p>
+        </p:txBody>
+      </p:sp>
     </p:spTree>
     <p:extLst>
       <p:ext uri="{BB962C8B-B14F-4D97-AF65-F5344CB8AC3E}">
@@ -20348,15 +20834,6 @@
 </file>
 
 <file path=customXml/item1.xml><?xml version="1.0" encoding="utf-8"?>
-<?mso-contentType ?>
-<FormTemplates xmlns="http://schemas.microsoft.com/sharepoint/v3/contenttype/forms">
-  <Display>DocumentLibraryForm</Display>
-  <Edit>DocumentLibraryForm</Edit>
-  <New>DocumentLibraryForm</New>
-</FormTemplates>
-</file>
-
-<file path=customXml/item2.xml><?xml version="1.0" encoding="utf-8"?>
 <p:properties xmlns:p="http://schemas.microsoft.com/office/2006/metadata/properties" xmlns:xsi="http://www.w3.org/2001/XMLSchema-instance" xmlns:pc="http://schemas.microsoft.com/office/infopath/2007/PartnerControls">
   <documentManagement>
     <_ip_UnifiedCompliancePolicyUIAction xmlns="http://schemas.microsoft.com/sharepoint/v3" xsi:nil="true"/>
@@ -20373,6 +20850,15 @@
     <MediaServiceKeyPoints xmlns="71af3243-3dd4-4a8d-8c0d-dd76da1f02a5" xsi:nil="true"/>
   </documentManagement>
 </p:properties>
+</file>
+
+<file path=customXml/item2.xml><?xml version="1.0" encoding="utf-8"?>
+<?mso-contentType ?>
+<FormTemplates xmlns="http://schemas.microsoft.com/sharepoint/v3/contenttype/forms">
+  <Display>DocumentLibraryForm</Display>
+  <Edit>DocumentLibraryForm</Edit>
+  <New>DocumentLibraryForm</New>
+</FormTemplates>
 </file>
 
 <file path=customXml/item3.xml><?xml version="1.0" encoding="utf-8"?>
@@ -20652,14 +21138,6 @@
 </file>
 
 <file path=customXml/itemProps1.xml><?xml version="1.0" encoding="utf-8"?>
-<ds:datastoreItem xmlns:ds="http://schemas.openxmlformats.org/officeDocument/2006/customXml" ds:itemID="{0FD6FE22-81A0-4500-AFD0-342D21BB9A2C}">
-  <ds:schemaRefs>
-    <ds:schemaRef ds:uri="http://schemas.microsoft.com/sharepoint/v3/contenttype/forms"/>
-  </ds:schemaRefs>
-</ds:datastoreItem>
-</file>
-
-<file path=customXml/itemProps2.xml><?xml version="1.0" encoding="utf-8"?>
 <ds:datastoreItem xmlns:ds="http://schemas.openxmlformats.org/officeDocument/2006/customXml" ds:itemID="{29C43685-694E-4579-B109-3C418D49DA65}">
   <ds:schemaRefs>
     <ds:schemaRef ds:uri="http://schemas.microsoft.com/office/2006/metadata/properties"/>
@@ -20667,6 +21145,14 @@
     <ds:schemaRef ds:uri="http://schemas.microsoft.com/sharepoint/v3"/>
     <ds:schemaRef ds:uri="71af3243-3dd4-4a8d-8c0d-dd76da1f02a5"/>
     <ds:schemaRef ds:uri="230e9df3-be65-4c73-a93b-d1236ebd677e"/>
+  </ds:schemaRefs>
+</ds:datastoreItem>
+</file>
+
+<file path=customXml/itemProps2.xml><?xml version="1.0" encoding="utf-8"?>
+<ds:datastoreItem xmlns:ds="http://schemas.openxmlformats.org/officeDocument/2006/customXml" ds:itemID="{0FD6FE22-81A0-4500-AFD0-342D21BB9A2C}">
+  <ds:schemaRefs>
+    <ds:schemaRef ds:uri="http://schemas.microsoft.com/sharepoint/v3/contenttype/forms"/>
   </ds:schemaRefs>
 </ds:datastoreItem>
 </file>
